--- a/github/Rholling Ideas 발표 자료_211230.pptx
+++ b/github/Rholling Ideas 발표 자료_211230.pptx
@@ -5350,7 +5350,7 @@
           <p:nvPr>
             <p:extLst>
               <p:ext uri="{D42A27DB-BD31-4B8C-83A1-F6EECF244321}">
-                <p14:modId xmlns:p14="http://schemas.microsoft.com/office/powerpoint/2010/main" val="1674103711"/>
+                <p14:modId xmlns:p14="http://schemas.microsoft.com/office/powerpoint/2010/main" val="3529461620"/>
               </p:ext>
             </p:extLst>
           </p:nvPr>
@@ -5860,15 +5860,22 @@
                         </a:lnSpc>
                       </a:pPr>
                       <a:r>
-                        <a:rPr lang="ko-KR" altLang="en-US" sz="1200" dirty="0">
+                        <a:rPr lang="ko-KR" altLang="en-US" sz="1200">
                           <a:solidFill>
                             <a:schemeClr val="tx1"/>
                           </a:solidFill>
                           <a:latin typeface="+mn-ea"/>
                           <a:ea typeface="+mn-ea"/>
                         </a:rPr>
-                        <a:t>기획 목적</a:t>
-                      </a:r>
+                        <a:t>프로젝트 목표</a:t>
+                      </a:r>
+                      <a:endParaRPr lang="ko-KR" altLang="en-US" sz="1200" dirty="0">
+                        <a:solidFill>
+                          <a:schemeClr val="tx1"/>
+                        </a:solidFill>
+                        <a:latin typeface="+mn-ea"/>
+                        <a:ea typeface="+mn-ea"/>
+                      </a:endParaRPr>
                     </a:p>
                   </a:txBody>
                   <a:tcPr anchor="ctr">
@@ -6988,7 +6995,7 @@
           <a:p>
             <a:r>
               <a:rPr lang="ko-KR" altLang="en-US"/>
-              <a:t>프로젝트 페이지 구분</a:t>
+              <a:t>프로젝트 페이지 구성</a:t>
             </a:r>
           </a:p>
         </p:txBody>
@@ -7008,14 +7015,14 @@
           <p:nvPr>
             <p:extLst>
               <p:ext uri="{D42A27DB-BD31-4B8C-83A1-F6EECF244321}">
-                <p14:modId xmlns:p14="http://schemas.microsoft.com/office/powerpoint/2010/main" val="2821988404"/>
+                <p14:modId xmlns:p14="http://schemas.microsoft.com/office/powerpoint/2010/main" val="2882008658"/>
               </p:ext>
             </p:extLst>
           </p:nvPr>
         </p:nvGraphicFramePr>
         <p:xfrm>
-          <a:off x="6960461" y="1052736"/>
-          <a:ext cx="4896180" cy="5256590"/>
+          <a:off x="6439146" y="1281770"/>
+          <a:ext cx="5417493" cy="5166360"/>
         </p:xfrm>
         <a:graphic>
           <a:graphicData uri="http://schemas.openxmlformats.org/drawingml/2006/table">
@@ -7024,21 +7031,21 @@
                 <a:tableStyleId>{5C22544A-7EE6-4342-B048-85BDC9FD1C3A}</a:tableStyleId>
               </a:tblPr>
               <a:tblGrid>
-                <a:gridCol w="694028">
+                <a:gridCol w="767924">
                   <a:extLst>
                     <a:ext uri="{9D8B030D-6E8A-4147-A177-3AD203B41FA5}">
                       <a16:colId xmlns:a16="http://schemas.microsoft.com/office/drawing/2014/main" val="2672520530"/>
                     </a:ext>
                   </a:extLst>
                 </a:gridCol>
-                <a:gridCol w="1084412">
+                <a:gridCol w="1199873">
                   <a:extLst>
                     <a:ext uri="{9D8B030D-6E8A-4147-A177-3AD203B41FA5}">
                       <a16:colId xmlns:a16="http://schemas.microsoft.com/office/drawing/2014/main" val="3718584100"/>
                     </a:ext>
                   </a:extLst>
                 </a:gridCol>
-                <a:gridCol w="3117740">
+                <a:gridCol w="3449696">
                   <a:extLst>
                     <a:ext uri="{9D8B030D-6E8A-4147-A177-3AD203B41FA5}">
                       <a16:colId xmlns:a16="http://schemas.microsoft.com/office/drawing/2014/main" val="4043711435"/>
@@ -7046,48 +7053,204 @@
                   </a:extLst>
                 </a:gridCol>
               </a:tblGrid>
-              <a:tr h="366812">
+              <a:tr h="165159">
                 <a:tc>
                   <a:txBody>
                     <a:bodyPr/>
                     <a:lstStyle/>
                     <a:p>
-                      <a:pPr latinLnBrk="1"/>
-                      <a:r>
-                        <a:rPr lang="ko-KR" altLang="en-US" sz="800"/>
+                      <a:pPr algn="ctr" latinLnBrk="1"/>
+                      <a:r>
+                        <a:rPr lang="ko-KR" altLang="en-US" sz="800" b="1">
+                          <a:solidFill>
+                            <a:sysClr val="windowText" lastClr="000000"/>
+                          </a:solidFill>
+                        </a:rPr>
                         <a:t>구분</a:t>
                       </a:r>
                     </a:p>
                   </a:txBody>
-                  <a:tcPr/>
+                  <a:tcPr anchor="ctr">
+                    <a:lnL w="12700" cap="flat" cmpd="sng" algn="ctr">
+                      <a:solidFill>
+                        <a:schemeClr val="bg1">
+                          <a:lumMod val="95000"/>
+                        </a:schemeClr>
+                      </a:solidFill>
+                      <a:prstDash val="solid"/>
+                      <a:round/>
+                      <a:headEnd type="none" w="med" len="med"/>
+                      <a:tailEnd type="none" w="med" len="med"/>
+                    </a:lnL>
+                    <a:lnR w="12700" cap="flat" cmpd="sng" algn="ctr">
+                      <a:solidFill>
+                        <a:schemeClr val="bg1">
+                          <a:lumMod val="95000"/>
+                        </a:schemeClr>
+                      </a:solidFill>
+                      <a:prstDash val="solid"/>
+                      <a:round/>
+                      <a:headEnd type="none" w="med" len="med"/>
+                      <a:tailEnd type="none" w="med" len="med"/>
+                    </a:lnR>
+                    <a:lnT w="12700" cap="flat" cmpd="sng" algn="ctr">
+                      <a:solidFill>
+                        <a:schemeClr val="bg1">
+                          <a:lumMod val="95000"/>
+                        </a:schemeClr>
+                      </a:solidFill>
+                      <a:prstDash val="solid"/>
+                      <a:round/>
+                      <a:headEnd type="none" w="med" len="med"/>
+                      <a:tailEnd type="none" w="med" len="med"/>
+                    </a:lnT>
+                    <a:lnB w="12700" cap="flat" cmpd="sng" algn="ctr">
+                      <a:solidFill>
+                        <a:schemeClr val="bg1">
+                          <a:lumMod val="95000"/>
+                        </a:schemeClr>
+                      </a:solidFill>
+                      <a:prstDash val="solid"/>
+                      <a:round/>
+                      <a:headEnd type="none" w="med" len="med"/>
+                      <a:tailEnd type="none" w="med" len="med"/>
+                    </a:lnB>
+                    <a:solidFill>
+                      <a:srgbClr val="D9D9D9"/>
+                    </a:solidFill>
+                  </a:tcPr>
                 </a:tc>
                 <a:tc>
                   <a:txBody>
                     <a:bodyPr/>
                     <a:lstStyle/>
                     <a:p>
-                      <a:pPr latinLnBrk="1"/>
-                      <a:r>
-                        <a:rPr lang="ko-KR" altLang="en-US" sz="800"/>
+                      <a:pPr algn="ctr" latinLnBrk="1"/>
+                      <a:r>
+                        <a:rPr lang="ko-KR" altLang="en-US" sz="800" b="1">
+                          <a:solidFill>
+                            <a:sysClr val="windowText" lastClr="000000"/>
+                          </a:solidFill>
+                        </a:rPr>
                         <a:t>영역</a:t>
                       </a:r>
                     </a:p>
                   </a:txBody>
-                  <a:tcPr/>
+                  <a:tcPr anchor="ctr">
+                    <a:lnL w="12700" cap="flat" cmpd="sng" algn="ctr">
+                      <a:solidFill>
+                        <a:schemeClr val="bg1">
+                          <a:lumMod val="95000"/>
+                        </a:schemeClr>
+                      </a:solidFill>
+                      <a:prstDash val="solid"/>
+                      <a:round/>
+                      <a:headEnd type="none" w="med" len="med"/>
+                      <a:tailEnd type="none" w="med" len="med"/>
+                    </a:lnL>
+                    <a:lnR w="12700" cap="flat" cmpd="sng" algn="ctr">
+                      <a:solidFill>
+                        <a:schemeClr val="bg1">
+                          <a:lumMod val="95000"/>
+                        </a:schemeClr>
+                      </a:solidFill>
+                      <a:prstDash val="solid"/>
+                      <a:round/>
+                      <a:headEnd type="none" w="med" len="med"/>
+                      <a:tailEnd type="none" w="med" len="med"/>
+                    </a:lnR>
+                    <a:lnT w="12700" cap="flat" cmpd="sng" algn="ctr">
+                      <a:solidFill>
+                        <a:schemeClr val="bg1">
+                          <a:lumMod val="95000"/>
+                        </a:schemeClr>
+                      </a:solidFill>
+                      <a:prstDash val="solid"/>
+                      <a:round/>
+                      <a:headEnd type="none" w="med" len="med"/>
+                      <a:tailEnd type="none" w="med" len="med"/>
+                    </a:lnT>
+                    <a:lnB w="12700" cap="flat" cmpd="sng" algn="ctr">
+                      <a:solidFill>
+                        <a:schemeClr val="bg1">
+                          <a:lumMod val="95000"/>
+                        </a:schemeClr>
+                      </a:solidFill>
+                      <a:prstDash val="solid"/>
+                      <a:round/>
+                      <a:headEnd type="none" w="med" len="med"/>
+                      <a:tailEnd type="none" w="med" len="med"/>
+                    </a:lnB>
+                    <a:solidFill>
+                      <a:srgbClr val="D9D9D9"/>
+                    </a:solidFill>
+                  </a:tcPr>
                 </a:tc>
                 <a:tc>
                   <a:txBody>
                     <a:bodyPr/>
                     <a:lstStyle/>
                     <a:p>
-                      <a:pPr latinLnBrk="1"/>
-                      <a:r>
-                        <a:rPr lang="ko-KR" altLang="en-US" sz="800"/>
+                      <a:pPr algn="ctr" latinLnBrk="1"/>
+                      <a:r>
+                        <a:rPr lang="ko-KR" altLang="en-US" sz="800" b="1">
+                          <a:solidFill>
+                            <a:sysClr val="windowText" lastClr="000000"/>
+                          </a:solidFill>
+                        </a:rPr>
                         <a:t>기능요약</a:t>
                       </a:r>
                     </a:p>
                   </a:txBody>
-                  <a:tcPr/>
+                  <a:tcPr anchor="ctr">
+                    <a:lnL w="12700" cap="flat" cmpd="sng" algn="ctr">
+                      <a:solidFill>
+                        <a:schemeClr val="bg1">
+                          <a:lumMod val="95000"/>
+                        </a:schemeClr>
+                      </a:solidFill>
+                      <a:prstDash val="solid"/>
+                      <a:round/>
+                      <a:headEnd type="none" w="med" len="med"/>
+                      <a:tailEnd type="none" w="med" len="med"/>
+                    </a:lnL>
+                    <a:lnR w="12700" cap="flat" cmpd="sng" algn="ctr">
+                      <a:solidFill>
+                        <a:schemeClr val="bg1">
+                          <a:lumMod val="95000"/>
+                        </a:schemeClr>
+                      </a:solidFill>
+                      <a:prstDash val="solid"/>
+                      <a:round/>
+                      <a:headEnd type="none" w="med" len="med"/>
+                      <a:tailEnd type="none" w="med" len="med"/>
+                    </a:lnR>
+                    <a:lnT w="12700" cap="flat" cmpd="sng" algn="ctr">
+                      <a:solidFill>
+                        <a:schemeClr val="bg1">
+                          <a:lumMod val="95000"/>
+                        </a:schemeClr>
+                      </a:solidFill>
+                      <a:prstDash val="solid"/>
+                      <a:round/>
+                      <a:headEnd type="none" w="med" len="med"/>
+                      <a:tailEnd type="none" w="med" len="med"/>
+                    </a:lnT>
+                    <a:lnB w="12700" cap="flat" cmpd="sng" algn="ctr">
+                      <a:solidFill>
+                        <a:schemeClr val="bg1">
+                          <a:lumMod val="95000"/>
+                        </a:schemeClr>
+                      </a:solidFill>
+                      <a:prstDash val="solid"/>
+                      <a:round/>
+                      <a:headEnd type="none" w="med" len="med"/>
+                      <a:tailEnd type="none" w="med" len="med"/>
+                    </a:lnB>
+                    <a:solidFill>
+                      <a:srgbClr val="D9D9D9"/>
+                    </a:solidFill>
+                  </a:tcPr>
                 </a:tc>
                 <a:extLst>
                   <a:ext uri="{0D108BD9-81ED-4DB2-BD59-A6C34878D82A}">
@@ -7095,49 +7258,869 @@
                   </a:ext>
                 </a:extLst>
               </a:tr>
-              <a:tr h="366812">
-                <a:tc>
+              <a:tr h="165159">
+                <a:tc rowSpan="4">
                   <a:txBody>
                     <a:bodyPr/>
                     <a:lstStyle/>
                     <a:p>
-                      <a:pPr latinLnBrk="1"/>
-                      <a:r>
-                        <a:rPr lang="ko-KR" altLang="en-US" sz="800"/>
-                        <a:t>메인</a:t>
+                      <a:pPr algn="ctr" latinLnBrk="1"/>
+                      <a:r>
+                        <a:rPr lang="ko-KR" altLang="en-US" sz="700" b="1"/>
+                        <a:t>로그인</a:t>
                       </a:r>
                     </a:p>
                   </a:txBody>
-                  <a:tcPr/>
+                  <a:tcPr anchor="ctr">
+                    <a:lnL w="12700" cap="flat" cmpd="sng" algn="ctr">
+                      <a:solidFill>
+                        <a:schemeClr val="bg1">
+                          <a:lumMod val="95000"/>
+                        </a:schemeClr>
+                      </a:solidFill>
+                      <a:prstDash val="solid"/>
+                      <a:round/>
+                      <a:headEnd type="none" w="med" len="med"/>
+                      <a:tailEnd type="none" w="med" len="med"/>
+                    </a:lnL>
+                    <a:lnR w="12700" cap="flat" cmpd="sng" algn="ctr">
+                      <a:solidFill>
+                        <a:schemeClr val="bg1">
+                          <a:lumMod val="95000"/>
+                        </a:schemeClr>
+                      </a:solidFill>
+                      <a:prstDash val="solid"/>
+                      <a:round/>
+                      <a:headEnd type="none" w="med" len="med"/>
+                      <a:tailEnd type="none" w="med" len="med"/>
+                    </a:lnR>
+                    <a:lnT w="12700" cap="flat" cmpd="sng" algn="ctr">
+                      <a:solidFill>
+                        <a:schemeClr val="bg1">
+                          <a:lumMod val="95000"/>
+                        </a:schemeClr>
+                      </a:solidFill>
+                      <a:prstDash val="solid"/>
+                      <a:round/>
+                      <a:headEnd type="none" w="med" len="med"/>
+                      <a:tailEnd type="none" w="med" len="med"/>
+                    </a:lnT>
+                    <a:lnB w="12700" cap="flat" cmpd="sng" algn="ctr">
+                      <a:solidFill>
+                        <a:schemeClr val="bg1">
+                          <a:lumMod val="95000"/>
+                        </a:schemeClr>
+                      </a:solidFill>
+                      <a:prstDash val="solid"/>
+                      <a:round/>
+                      <a:headEnd type="none" w="med" len="med"/>
+                      <a:tailEnd type="none" w="med" len="med"/>
+                    </a:lnB>
+                    <a:solidFill>
+                      <a:schemeClr val="bg1"/>
+                    </a:solidFill>
+                  </a:tcPr>
                 </a:tc>
                 <a:tc>
                   <a:txBody>
                     <a:bodyPr/>
                     <a:lstStyle/>
                     <a:p>
-                      <a:pPr latinLnBrk="1"/>
-                      <a:r>
-                        <a:rPr lang="ko-KR" altLang="en-US" sz="800"/>
-                        <a:t>네비게이션</a:t>
-                      </a:r>
-                      <a:endParaRPr lang="en-US" altLang="ko-KR" sz="800"/>
+                      <a:pPr algn="ctr" latinLnBrk="1"/>
+                      <a:r>
+                        <a:rPr lang="ko-KR" altLang="en-US" sz="700"/>
+                        <a:t>회원가입</a:t>
+                      </a:r>
+                      <a:endParaRPr lang="en-US" altLang="ko-KR" sz="700"/>
                     </a:p>
                   </a:txBody>
-                  <a:tcPr/>
+                  <a:tcPr anchor="ctr">
+                    <a:lnL w="12700" cap="flat" cmpd="sng" algn="ctr">
+                      <a:solidFill>
+                        <a:schemeClr val="bg1">
+                          <a:lumMod val="95000"/>
+                        </a:schemeClr>
+                      </a:solidFill>
+                      <a:prstDash val="solid"/>
+                      <a:round/>
+                      <a:headEnd type="none" w="med" len="med"/>
+                      <a:tailEnd type="none" w="med" len="med"/>
+                    </a:lnL>
+                    <a:lnR w="12700" cap="flat" cmpd="sng" algn="ctr">
+                      <a:solidFill>
+                        <a:schemeClr val="bg1">
+                          <a:lumMod val="95000"/>
+                        </a:schemeClr>
+                      </a:solidFill>
+                      <a:prstDash val="solid"/>
+                      <a:round/>
+                      <a:headEnd type="none" w="med" len="med"/>
+                      <a:tailEnd type="none" w="med" len="med"/>
+                    </a:lnR>
+                    <a:lnT w="12700" cap="flat" cmpd="sng" algn="ctr">
+                      <a:solidFill>
+                        <a:schemeClr val="bg1">
+                          <a:lumMod val="95000"/>
+                        </a:schemeClr>
+                      </a:solidFill>
+                      <a:prstDash val="solid"/>
+                      <a:round/>
+                      <a:headEnd type="none" w="med" len="med"/>
+                      <a:tailEnd type="none" w="med" len="med"/>
+                    </a:lnT>
+                    <a:lnB w="12700" cap="flat" cmpd="sng" algn="ctr">
+                      <a:solidFill>
+                        <a:schemeClr val="bg1">
+                          <a:lumMod val="95000"/>
+                        </a:schemeClr>
+                      </a:solidFill>
+                      <a:prstDash val="solid"/>
+                      <a:round/>
+                      <a:headEnd type="none" w="med" len="med"/>
+                      <a:tailEnd type="none" w="med" len="med"/>
+                    </a:lnB>
+                    <a:solidFill>
+                      <a:schemeClr val="bg1"/>
+                    </a:solidFill>
+                  </a:tcPr>
                 </a:tc>
                 <a:tc>
                   <a:txBody>
                     <a:bodyPr/>
                     <a:lstStyle/>
                     <a:p>
-                      <a:pPr latinLnBrk="1"/>
-                      <a:r>
-                        <a:rPr lang="ko-KR" altLang="en-US" sz="800"/>
+                      <a:pPr algn="ctr" latinLnBrk="1"/>
+                      <a:r>
+                        <a:rPr lang="ko-KR" altLang="en-US" sz="700"/>
+                        <a:t>이메일</a:t>
+                      </a:r>
+                      <a:r>
+                        <a:rPr lang="en-US" altLang="ko-KR" sz="700"/>
+                        <a:t> </a:t>
+                      </a:r>
+                      <a:r>
+                        <a:rPr lang="ko-KR" altLang="en-US" sz="700"/>
+                        <a:t>중복체크</a:t>
+                      </a:r>
+                      <a:r>
+                        <a:rPr lang="en-US" altLang="ko-KR" sz="700"/>
+                        <a:t>, </a:t>
+                      </a:r>
+                      <a:r>
+                        <a:rPr lang="ko-KR" altLang="en-US" sz="700"/>
+                        <a:t>비밀번호</a:t>
+                      </a:r>
+                      <a:r>
+                        <a:rPr lang="en-US" altLang="ko-KR" sz="700"/>
+                        <a:t> </a:t>
+                      </a:r>
+                      <a:r>
+                        <a:rPr lang="ko-KR" altLang="en-US" sz="700"/>
+                        <a:t>입력 후 회원가입</a:t>
+                      </a:r>
+                    </a:p>
+                  </a:txBody>
+                  <a:tcPr anchor="ctr">
+                    <a:lnL w="12700" cap="flat" cmpd="sng" algn="ctr">
+                      <a:solidFill>
+                        <a:schemeClr val="bg1">
+                          <a:lumMod val="95000"/>
+                        </a:schemeClr>
+                      </a:solidFill>
+                      <a:prstDash val="solid"/>
+                      <a:round/>
+                      <a:headEnd type="none" w="med" len="med"/>
+                      <a:tailEnd type="none" w="med" len="med"/>
+                    </a:lnL>
+                    <a:lnR w="12700" cap="flat" cmpd="sng" algn="ctr">
+                      <a:solidFill>
+                        <a:schemeClr val="bg1">
+                          <a:lumMod val="95000"/>
+                        </a:schemeClr>
+                      </a:solidFill>
+                      <a:prstDash val="solid"/>
+                      <a:round/>
+                      <a:headEnd type="none" w="med" len="med"/>
+                      <a:tailEnd type="none" w="med" len="med"/>
+                    </a:lnR>
+                    <a:lnT w="12700" cap="flat" cmpd="sng" algn="ctr">
+                      <a:solidFill>
+                        <a:schemeClr val="bg1">
+                          <a:lumMod val="95000"/>
+                        </a:schemeClr>
+                      </a:solidFill>
+                      <a:prstDash val="solid"/>
+                      <a:round/>
+                      <a:headEnd type="none" w="med" len="med"/>
+                      <a:tailEnd type="none" w="med" len="med"/>
+                    </a:lnT>
+                    <a:lnB w="12700" cap="flat" cmpd="sng" algn="ctr">
+                      <a:solidFill>
+                        <a:schemeClr val="bg1">
+                          <a:lumMod val="95000"/>
+                        </a:schemeClr>
+                      </a:solidFill>
+                      <a:prstDash val="solid"/>
+                      <a:round/>
+                      <a:headEnd type="none" w="med" len="med"/>
+                      <a:tailEnd type="none" w="med" len="med"/>
+                    </a:lnB>
+                    <a:solidFill>
+                      <a:schemeClr val="bg1"/>
+                    </a:solidFill>
+                  </a:tcPr>
+                </a:tc>
+                <a:extLst>
+                  <a:ext uri="{0D108BD9-81ED-4DB2-BD59-A6C34878D82A}">
+                    <a16:rowId xmlns:a16="http://schemas.microsoft.com/office/drawing/2014/main" val="304461936"/>
+                  </a:ext>
+                </a:extLst>
+              </a:tr>
+              <a:tr h="165159">
+                <a:tc vMerge="1">
+                  <a:txBody>
+                    <a:bodyPr/>
+                    <a:lstStyle/>
+                    <a:p>
+                      <a:pPr algn="ctr" latinLnBrk="1"/>
+                      <a:endParaRPr lang="ko-KR" altLang="en-US" sz="800"/>
+                    </a:p>
+                  </a:txBody>
+                  <a:tcPr anchor="ctr"/>
+                </a:tc>
+                <a:tc>
+                  <a:txBody>
+                    <a:bodyPr/>
+                    <a:lstStyle/>
+                    <a:p>
+                      <a:pPr algn="ctr" latinLnBrk="1"/>
+                      <a:r>
+                        <a:rPr lang="en-US" altLang="ko-KR" sz="700"/>
+                        <a:t>SNS</a:t>
+                      </a:r>
+                      <a:r>
+                        <a:rPr lang="ko-KR" altLang="en-US" sz="700"/>
+                        <a:t>로그인</a:t>
+                      </a:r>
+                      <a:endParaRPr lang="en-US" altLang="ko-KR" sz="700"/>
+                    </a:p>
+                  </a:txBody>
+                  <a:tcPr anchor="ctr">
+                    <a:lnL w="12700" cap="flat" cmpd="sng" algn="ctr">
+                      <a:solidFill>
+                        <a:schemeClr val="bg1">
+                          <a:lumMod val="95000"/>
+                        </a:schemeClr>
+                      </a:solidFill>
+                      <a:prstDash val="solid"/>
+                      <a:round/>
+                      <a:headEnd type="none" w="med" len="med"/>
+                      <a:tailEnd type="none" w="med" len="med"/>
+                    </a:lnL>
+                    <a:lnR w="12700" cap="flat" cmpd="sng" algn="ctr">
+                      <a:solidFill>
+                        <a:schemeClr val="bg1">
+                          <a:lumMod val="95000"/>
+                        </a:schemeClr>
+                      </a:solidFill>
+                      <a:prstDash val="solid"/>
+                      <a:round/>
+                      <a:headEnd type="none" w="med" len="med"/>
+                      <a:tailEnd type="none" w="med" len="med"/>
+                    </a:lnR>
+                    <a:lnT w="12700" cap="flat" cmpd="sng" algn="ctr">
+                      <a:solidFill>
+                        <a:schemeClr val="bg1">
+                          <a:lumMod val="95000"/>
+                        </a:schemeClr>
+                      </a:solidFill>
+                      <a:prstDash val="solid"/>
+                      <a:round/>
+                      <a:headEnd type="none" w="med" len="med"/>
+                      <a:tailEnd type="none" w="med" len="med"/>
+                    </a:lnT>
+                    <a:lnB w="12700" cap="flat" cmpd="sng" algn="ctr">
+                      <a:solidFill>
+                        <a:schemeClr val="bg1">
+                          <a:lumMod val="95000"/>
+                        </a:schemeClr>
+                      </a:solidFill>
+                      <a:prstDash val="solid"/>
+                      <a:round/>
+                      <a:headEnd type="none" w="med" len="med"/>
+                      <a:tailEnd type="none" w="med" len="med"/>
+                    </a:lnB>
+                    <a:solidFill>
+                      <a:schemeClr val="bg1"/>
+                    </a:solidFill>
+                  </a:tcPr>
+                </a:tc>
+                <a:tc>
+                  <a:txBody>
+                    <a:bodyPr/>
+                    <a:lstStyle/>
+                    <a:p>
+                      <a:pPr algn="ctr" latinLnBrk="1"/>
+                      <a:r>
+                        <a:rPr lang="en-US" altLang="ko-KR" sz="700"/>
+                        <a:t>SNS API</a:t>
+                      </a:r>
+                      <a:endParaRPr lang="ko-KR" altLang="en-US" sz="700"/>
+                    </a:p>
+                  </a:txBody>
+                  <a:tcPr anchor="ctr">
+                    <a:lnL w="12700" cap="flat" cmpd="sng" algn="ctr">
+                      <a:solidFill>
+                        <a:schemeClr val="bg1">
+                          <a:lumMod val="95000"/>
+                        </a:schemeClr>
+                      </a:solidFill>
+                      <a:prstDash val="solid"/>
+                      <a:round/>
+                      <a:headEnd type="none" w="med" len="med"/>
+                      <a:tailEnd type="none" w="med" len="med"/>
+                    </a:lnL>
+                    <a:lnR w="12700" cap="flat" cmpd="sng" algn="ctr">
+                      <a:solidFill>
+                        <a:schemeClr val="bg1">
+                          <a:lumMod val="95000"/>
+                        </a:schemeClr>
+                      </a:solidFill>
+                      <a:prstDash val="solid"/>
+                      <a:round/>
+                      <a:headEnd type="none" w="med" len="med"/>
+                      <a:tailEnd type="none" w="med" len="med"/>
+                    </a:lnR>
+                    <a:lnT w="12700" cap="flat" cmpd="sng" algn="ctr">
+                      <a:solidFill>
+                        <a:schemeClr val="bg1">
+                          <a:lumMod val="95000"/>
+                        </a:schemeClr>
+                      </a:solidFill>
+                      <a:prstDash val="solid"/>
+                      <a:round/>
+                      <a:headEnd type="none" w="med" len="med"/>
+                      <a:tailEnd type="none" w="med" len="med"/>
+                    </a:lnT>
+                    <a:lnB w="12700" cap="flat" cmpd="sng" algn="ctr">
+                      <a:solidFill>
+                        <a:schemeClr val="bg1">
+                          <a:lumMod val="95000"/>
+                        </a:schemeClr>
+                      </a:solidFill>
+                      <a:prstDash val="solid"/>
+                      <a:round/>
+                      <a:headEnd type="none" w="med" len="med"/>
+                      <a:tailEnd type="none" w="med" len="med"/>
+                    </a:lnB>
+                    <a:solidFill>
+                      <a:schemeClr val="bg1"/>
+                    </a:solidFill>
+                  </a:tcPr>
+                </a:tc>
+                <a:extLst>
+                  <a:ext uri="{0D108BD9-81ED-4DB2-BD59-A6C34878D82A}">
+                    <a16:rowId xmlns:a16="http://schemas.microsoft.com/office/drawing/2014/main" val="2103254864"/>
+                  </a:ext>
+                </a:extLst>
+              </a:tr>
+              <a:tr h="165159">
+                <a:tc vMerge="1">
+                  <a:txBody>
+                    <a:bodyPr/>
+                    <a:lstStyle/>
+                    <a:p>
+                      <a:pPr algn="ctr" latinLnBrk="1"/>
+                      <a:endParaRPr lang="ko-KR" altLang="en-US" sz="800"/>
+                    </a:p>
+                  </a:txBody>
+                  <a:tcPr anchor="ctr"/>
+                </a:tc>
+                <a:tc>
+                  <a:txBody>
+                    <a:bodyPr/>
+                    <a:lstStyle/>
+                    <a:p>
+                      <a:pPr algn="ctr" latinLnBrk="1"/>
+                      <a:r>
+                        <a:rPr lang="ko-KR" altLang="en-US" sz="700"/>
+                        <a:t>이메일 로그인</a:t>
+                      </a:r>
+                      <a:endParaRPr lang="en-US" altLang="ko-KR" sz="700"/>
+                    </a:p>
+                  </a:txBody>
+                  <a:tcPr anchor="ctr">
+                    <a:lnL w="12700" cap="flat" cmpd="sng" algn="ctr">
+                      <a:solidFill>
+                        <a:schemeClr val="bg1">
+                          <a:lumMod val="95000"/>
+                        </a:schemeClr>
+                      </a:solidFill>
+                      <a:prstDash val="solid"/>
+                      <a:round/>
+                      <a:headEnd type="none" w="med" len="med"/>
+                      <a:tailEnd type="none" w="med" len="med"/>
+                    </a:lnL>
+                    <a:lnR w="12700" cap="flat" cmpd="sng" algn="ctr">
+                      <a:solidFill>
+                        <a:schemeClr val="bg1">
+                          <a:lumMod val="95000"/>
+                        </a:schemeClr>
+                      </a:solidFill>
+                      <a:prstDash val="solid"/>
+                      <a:round/>
+                      <a:headEnd type="none" w="med" len="med"/>
+                      <a:tailEnd type="none" w="med" len="med"/>
+                    </a:lnR>
+                    <a:lnT w="12700" cap="flat" cmpd="sng" algn="ctr">
+                      <a:solidFill>
+                        <a:schemeClr val="bg1">
+                          <a:lumMod val="95000"/>
+                        </a:schemeClr>
+                      </a:solidFill>
+                      <a:prstDash val="solid"/>
+                      <a:round/>
+                      <a:headEnd type="none" w="med" len="med"/>
+                      <a:tailEnd type="none" w="med" len="med"/>
+                    </a:lnT>
+                    <a:lnB w="12700" cap="flat" cmpd="sng" algn="ctr">
+                      <a:solidFill>
+                        <a:schemeClr val="bg1">
+                          <a:lumMod val="95000"/>
+                        </a:schemeClr>
+                      </a:solidFill>
+                      <a:prstDash val="solid"/>
+                      <a:round/>
+                      <a:headEnd type="none" w="med" len="med"/>
+                      <a:tailEnd type="none" w="med" len="med"/>
+                    </a:lnB>
+                    <a:solidFill>
+                      <a:schemeClr val="bg1"/>
+                    </a:solidFill>
+                  </a:tcPr>
+                </a:tc>
+                <a:tc>
+                  <a:txBody>
+                    <a:bodyPr/>
+                    <a:lstStyle/>
+                    <a:p>
+                      <a:pPr algn="ctr" latinLnBrk="1"/>
+                      <a:r>
+                        <a:rPr lang="ko-KR" altLang="en-US" sz="700"/>
+                        <a:t>이메일</a:t>
+                      </a:r>
+                      <a:r>
+                        <a:rPr lang="en-US" altLang="ko-KR" sz="700"/>
+                        <a:t>, </a:t>
+                      </a:r>
+                      <a:r>
+                        <a:rPr lang="ko-KR" altLang="en-US" sz="700"/>
+                        <a:t>비밀번호</a:t>
+                      </a:r>
+                      <a:r>
+                        <a:rPr lang="en-US" altLang="ko-KR" sz="700"/>
+                        <a:t> </a:t>
+                      </a:r>
+                      <a:r>
+                        <a:rPr lang="ko-KR" altLang="en-US" sz="700"/>
+                        <a:t>체크</a:t>
+                      </a:r>
+                    </a:p>
+                  </a:txBody>
+                  <a:tcPr anchor="ctr">
+                    <a:lnL w="12700" cap="flat" cmpd="sng" algn="ctr">
+                      <a:solidFill>
+                        <a:schemeClr val="bg1">
+                          <a:lumMod val="95000"/>
+                        </a:schemeClr>
+                      </a:solidFill>
+                      <a:prstDash val="solid"/>
+                      <a:round/>
+                      <a:headEnd type="none" w="med" len="med"/>
+                      <a:tailEnd type="none" w="med" len="med"/>
+                    </a:lnL>
+                    <a:lnR w="12700" cap="flat" cmpd="sng" algn="ctr">
+                      <a:solidFill>
+                        <a:schemeClr val="bg1">
+                          <a:lumMod val="95000"/>
+                        </a:schemeClr>
+                      </a:solidFill>
+                      <a:prstDash val="solid"/>
+                      <a:round/>
+                      <a:headEnd type="none" w="med" len="med"/>
+                      <a:tailEnd type="none" w="med" len="med"/>
+                    </a:lnR>
+                    <a:lnT w="12700" cap="flat" cmpd="sng" algn="ctr">
+                      <a:solidFill>
+                        <a:schemeClr val="bg1">
+                          <a:lumMod val="95000"/>
+                        </a:schemeClr>
+                      </a:solidFill>
+                      <a:prstDash val="solid"/>
+                      <a:round/>
+                      <a:headEnd type="none" w="med" len="med"/>
+                      <a:tailEnd type="none" w="med" len="med"/>
+                    </a:lnT>
+                    <a:lnB w="12700" cap="flat" cmpd="sng" algn="ctr">
+                      <a:solidFill>
+                        <a:schemeClr val="bg1">
+                          <a:lumMod val="95000"/>
+                        </a:schemeClr>
+                      </a:solidFill>
+                      <a:prstDash val="solid"/>
+                      <a:round/>
+                      <a:headEnd type="none" w="med" len="med"/>
+                      <a:tailEnd type="none" w="med" len="med"/>
+                    </a:lnB>
+                    <a:solidFill>
+                      <a:schemeClr val="bg1"/>
+                    </a:solidFill>
+                  </a:tcPr>
+                </a:tc>
+                <a:extLst>
+                  <a:ext uri="{0D108BD9-81ED-4DB2-BD59-A6C34878D82A}">
+                    <a16:rowId xmlns:a16="http://schemas.microsoft.com/office/drawing/2014/main" val="2461560238"/>
+                  </a:ext>
+                </a:extLst>
+              </a:tr>
+              <a:tr h="165159">
+                <a:tc vMerge="1">
+                  <a:txBody>
+                    <a:bodyPr/>
+                    <a:lstStyle/>
+                    <a:p>
+                      <a:pPr algn="ctr" latinLnBrk="1"/>
+                      <a:endParaRPr lang="ko-KR" altLang="en-US" sz="800"/>
+                    </a:p>
+                  </a:txBody>
+                  <a:tcPr anchor="ctr"/>
+                </a:tc>
+                <a:tc>
+                  <a:txBody>
+                    <a:bodyPr/>
+                    <a:lstStyle/>
+                    <a:p>
+                      <a:pPr algn="ctr" latinLnBrk="1"/>
+                      <a:r>
+                        <a:rPr lang="ko-KR" altLang="en-US" sz="700"/>
+                        <a:t>비밀번호 찾기</a:t>
+                      </a:r>
+                      <a:endParaRPr lang="en-US" altLang="ko-KR" sz="700"/>
+                    </a:p>
+                  </a:txBody>
+                  <a:tcPr anchor="ctr">
+                    <a:lnL w="12700" cap="flat" cmpd="sng" algn="ctr">
+                      <a:solidFill>
+                        <a:schemeClr val="bg1">
+                          <a:lumMod val="95000"/>
+                        </a:schemeClr>
+                      </a:solidFill>
+                      <a:prstDash val="solid"/>
+                      <a:round/>
+                      <a:headEnd type="none" w="med" len="med"/>
+                      <a:tailEnd type="none" w="med" len="med"/>
+                    </a:lnL>
+                    <a:lnR w="12700" cap="flat" cmpd="sng" algn="ctr">
+                      <a:solidFill>
+                        <a:schemeClr val="bg1">
+                          <a:lumMod val="95000"/>
+                        </a:schemeClr>
+                      </a:solidFill>
+                      <a:prstDash val="solid"/>
+                      <a:round/>
+                      <a:headEnd type="none" w="med" len="med"/>
+                      <a:tailEnd type="none" w="med" len="med"/>
+                    </a:lnR>
+                    <a:lnT w="12700" cap="flat" cmpd="sng" algn="ctr">
+                      <a:solidFill>
+                        <a:schemeClr val="bg1">
+                          <a:lumMod val="95000"/>
+                        </a:schemeClr>
+                      </a:solidFill>
+                      <a:prstDash val="solid"/>
+                      <a:round/>
+                      <a:headEnd type="none" w="med" len="med"/>
+                      <a:tailEnd type="none" w="med" len="med"/>
+                    </a:lnT>
+                    <a:lnB w="12700" cap="flat" cmpd="sng" algn="ctr">
+                      <a:solidFill>
+                        <a:schemeClr val="bg1">
+                          <a:lumMod val="95000"/>
+                        </a:schemeClr>
+                      </a:solidFill>
+                      <a:prstDash val="solid"/>
+                      <a:round/>
+                      <a:headEnd type="none" w="med" len="med"/>
+                      <a:tailEnd type="none" w="med" len="med"/>
+                    </a:lnB>
+                    <a:solidFill>
+                      <a:schemeClr val="bg1"/>
+                    </a:solidFill>
+                  </a:tcPr>
+                </a:tc>
+                <a:tc>
+                  <a:txBody>
+                    <a:bodyPr/>
+                    <a:lstStyle/>
+                    <a:p>
+                      <a:pPr algn="ctr" latinLnBrk="1"/>
+                      <a:r>
+                        <a:rPr lang="ko-KR" altLang="en-US" sz="700"/>
+                        <a:t>비밀번호 설정 링크 받기</a:t>
+                      </a:r>
+                    </a:p>
+                  </a:txBody>
+                  <a:tcPr anchor="ctr">
+                    <a:lnL w="12700" cap="flat" cmpd="sng" algn="ctr">
+                      <a:solidFill>
+                        <a:schemeClr val="bg1">
+                          <a:lumMod val="95000"/>
+                        </a:schemeClr>
+                      </a:solidFill>
+                      <a:prstDash val="solid"/>
+                      <a:round/>
+                      <a:headEnd type="none" w="med" len="med"/>
+                      <a:tailEnd type="none" w="med" len="med"/>
+                    </a:lnL>
+                    <a:lnR w="12700" cap="flat" cmpd="sng" algn="ctr">
+                      <a:solidFill>
+                        <a:schemeClr val="bg1">
+                          <a:lumMod val="95000"/>
+                        </a:schemeClr>
+                      </a:solidFill>
+                      <a:prstDash val="solid"/>
+                      <a:round/>
+                      <a:headEnd type="none" w="med" len="med"/>
+                      <a:tailEnd type="none" w="med" len="med"/>
+                    </a:lnR>
+                    <a:lnT w="12700" cap="flat" cmpd="sng" algn="ctr">
+                      <a:solidFill>
+                        <a:schemeClr val="bg1">
+                          <a:lumMod val="95000"/>
+                        </a:schemeClr>
+                      </a:solidFill>
+                      <a:prstDash val="solid"/>
+                      <a:round/>
+                      <a:headEnd type="none" w="med" len="med"/>
+                      <a:tailEnd type="none" w="med" len="med"/>
+                    </a:lnT>
+                    <a:lnB w="12700" cap="flat" cmpd="sng" algn="ctr">
+                      <a:solidFill>
+                        <a:schemeClr val="bg1">
+                          <a:lumMod val="95000"/>
+                        </a:schemeClr>
+                      </a:solidFill>
+                      <a:prstDash val="solid"/>
+                      <a:round/>
+                      <a:headEnd type="none" w="med" len="med"/>
+                      <a:tailEnd type="none" w="med" len="med"/>
+                    </a:lnB>
+                    <a:solidFill>
+                      <a:schemeClr val="bg1"/>
+                    </a:solidFill>
+                  </a:tcPr>
+                </a:tc>
+                <a:extLst>
+                  <a:ext uri="{0D108BD9-81ED-4DB2-BD59-A6C34878D82A}">
+                    <a16:rowId xmlns:a16="http://schemas.microsoft.com/office/drawing/2014/main" val="1417829889"/>
+                  </a:ext>
+                </a:extLst>
+              </a:tr>
+              <a:tr h="165159">
+                <a:tc rowSpan="7">
+                  <a:txBody>
+                    <a:bodyPr/>
+                    <a:lstStyle/>
+                    <a:p>
+                      <a:pPr algn="ctr" latinLnBrk="1"/>
+                      <a:r>
+                        <a:rPr lang="ko-KR" altLang="en-US" sz="700" b="1"/>
+                        <a:t>메인</a:t>
+                      </a:r>
+                    </a:p>
+                  </a:txBody>
+                  <a:tcPr anchor="ctr">
+                    <a:lnL w="12700" cap="flat" cmpd="sng" algn="ctr">
+                      <a:solidFill>
+                        <a:schemeClr val="bg1">
+                          <a:lumMod val="95000"/>
+                        </a:schemeClr>
+                      </a:solidFill>
+                      <a:prstDash val="solid"/>
+                      <a:round/>
+                      <a:headEnd type="none" w="med" len="med"/>
+                      <a:tailEnd type="none" w="med" len="med"/>
+                    </a:lnL>
+                    <a:lnR w="12700" cap="flat" cmpd="sng" algn="ctr">
+                      <a:solidFill>
+                        <a:schemeClr val="bg1">
+                          <a:lumMod val="95000"/>
+                        </a:schemeClr>
+                      </a:solidFill>
+                      <a:prstDash val="solid"/>
+                      <a:round/>
+                      <a:headEnd type="none" w="med" len="med"/>
+                      <a:tailEnd type="none" w="med" len="med"/>
+                    </a:lnR>
+                    <a:lnT w="12700" cap="flat" cmpd="sng" algn="ctr">
+                      <a:solidFill>
+                        <a:schemeClr val="bg1">
+                          <a:lumMod val="95000"/>
+                        </a:schemeClr>
+                      </a:solidFill>
+                      <a:prstDash val="solid"/>
+                      <a:round/>
+                      <a:headEnd type="none" w="med" len="med"/>
+                      <a:tailEnd type="none" w="med" len="med"/>
+                    </a:lnT>
+                    <a:lnB w="12700" cap="flat" cmpd="sng" algn="ctr">
+                      <a:solidFill>
+                        <a:schemeClr val="bg1">
+                          <a:lumMod val="95000"/>
+                        </a:schemeClr>
+                      </a:solidFill>
+                      <a:prstDash val="solid"/>
+                      <a:round/>
+                      <a:headEnd type="none" w="med" len="med"/>
+                      <a:tailEnd type="none" w="med" len="med"/>
+                    </a:lnB>
+                    <a:solidFill>
+                      <a:schemeClr val="bg1"/>
+                    </a:solidFill>
+                  </a:tcPr>
+                </a:tc>
+                <a:tc>
+                  <a:txBody>
+                    <a:bodyPr/>
+                    <a:lstStyle/>
+                    <a:p>
+                      <a:pPr algn="ctr" latinLnBrk="1"/>
+                      <a:r>
+                        <a:rPr lang="ko-KR" altLang="en-US" sz="700"/>
+                        <a:t>네비게이션</a:t>
+                      </a:r>
+                      <a:endParaRPr lang="en-US" altLang="ko-KR" sz="700"/>
+                    </a:p>
+                  </a:txBody>
+                  <a:tcPr anchor="ctr">
+                    <a:lnL w="12700" cap="flat" cmpd="sng" algn="ctr">
+                      <a:solidFill>
+                        <a:schemeClr val="bg1">
+                          <a:lumMod val="95000"/>
+                        </a:schemeClr>
+                      </a:solidFill>
+                      <a:prstDash val="solid"/>
+                      <a:round/>
+                      <a:headEnd type="none" w="med" len="med"/>
+                      <a:tailEnd type="none" w="med" len="med"/>
+                    </a:lnL>
+                    <a:lnR w="12700" cap="flat" cmpd="sng" algn="ctr">
+                      <a:solidFill>
+                        <a:schemeClr val="bg1">
+                          <a:lumMod val="95000"/>
+                        </a:schemeClr>
+                      </a:solidFill>
+                      <a:prstDash val="solid"/>
+                      <a:round/>
+                      <a:headEnd type="none" w="med" len="med"/>
+                      <a:tailEnd type="none" w="med" len="med"/>
+                    </a:lnR>
+                    <a:lnT w="12700" cap="flat" cmpd="sng" algn="ctr">
+                      <a:solidFill>
+                        <a:schemeClr val="bg1">
+                          <a:lumMod val="95000"/>
+                        </a:schemeClr>
+                      </a:solidFill>
+                      <a:prstDash val="solid"/>
+                      <a:round/>
+                      <a:headEnd type="none" w="med" len="med"/>
+                      <a:tailEnd type="none" w="med" len="med"/>
+                    </a:lnT>
+                    <a:lnB w="12700" cap="flat" cmpd="sng" algn="ctr">
+                      <a:solidFill>
+                        <a:schemeClr val="bg1">
+                          <a:lumMod val="95000"/>
+                        </a:schemeClr>
+                      </a:solidFill>
+                      <a:prstDash val="solid"/>
+                      <a:round/>
+                      <a:headEnd type="none" w="med" len="med"/>
+                      <a:tailEnd type="none" w="med" len="med"/>
+                    </a:lnB>
+                    <a:solidFill>
+                      <a:schemeClr val="bg1"/>
+                    </a:solidFill>
+                  </a:tcPr>
+                </a:tc>
+                <a:tc>
+                  <a:txBody>
+                    <a:bodyPr/>
+                    <a:lstStyle/>
+                    <a:p>
+                      <a:pPr algn="ctr" latinLnBrk="1"/>
+                      <a:r>
+                        <a:rPr lang="ko-KR" altLang="en-US" sz="700"/>
                         <a:t>프로젝트 카테고리 분류</a:t>
                       </a:r>
+                      <a:r>
+                        <a:rPr lang="en-US" altLang="ko-KR" sz="700"/>
+                        <a:t>. </a:t>
+                      </a:r>
+                      <a:r>
+                        <a:rPr lang="ko-KR" altLang="en-US" sz="700"/>
+                        <a:t>검색창</a:t>
+                      </a:r>
                     </a:p>
                   </a:txBody>
-                  <a:tcPr/>
+                  <a:tcPr anchor="ctr">
+                    <a:lnL w="12700" cap="flat" cmpd="sng" algn="ctr">
+                      <a:solidFill>
+                        <a:schemeClr val="bg1">
+                          <a:lumMod val="95000"/>
+                        </a:schemeClr>
+                      </a:solidFill>
+                      <a:prstDash val="solid"/>
+                      <a:round/>
+                      <a:headEnd type="none" w="med" len="med"/>
+                      <a:tailEnd type="none" w="med" len="med"/>
+                    </a:lnL>
+                    <a:lnR w="12700" cap="flat" cmpd="sng" algn="ctr">
+                      <a:solidFill>
+                        <a:schemeClr val="bg1">
+                          <a:lumMod val="95000"/>
+                        </a:schemeClr>
+                      </a:solidFill>
+                      <a:prstDash val="solid"/>
+                      <a:round/>
+                      <a:headEnd type="none" w="med" len="med"/>
+                      <a:tailEnd type="none" w="med" len="med"/>
+                    </a:lnR>
+                    <a:lnT w="12700" cap="flat" cmpd="sng" algn="ctr">
+                      <a:solidFill>
+                        <a:schemeClr val="bg1">
+                          <a:lumMod val="95000"/>
+                        </a:schemeClr>
+                      </a:solidFill>
+                      <a:prstDash val="solid"/>
+                      <a:round/>
+                      <a:headEnd type="none" w="med" len="med"/>
+                      <a:tailEnd type="none" w="med" len="med"/>
+                    </a:lnT>
+                    <a:lnB w="12700" cap="flat" cmpd="sng" algn="ctr">
+                      <a:solidFill>
+                        <a:schemeClr val="bg1">
+                          <a:lumMod val="95000"/>
+                        </a:schemeClr>
+                      </a:solidFill>
+                      <a:prstDash val="solid"/>
+                      <a:round/>
+                      <a:headEnd type="none" w="med" len="med"/>
+                      <a:tailEnd type="none" w="med" len="med"/>
+                    </a:lnB>
+                    <a:solidFill>
+                      <a:schemeClr val="bg1"/>
+                    </a:solidFill>
+                  </a:tcPr>
                 </a:tc>
                 <a:extLst>
                   <a:ext uri="{0D108BD9-81ED-4DB2-BD59-A6C34878D82A}">
@@ -7145,45 +8128,141 @@
                   </a:ext>
                 </a:extLst>
               </a:tr>
-              <a:tr h="366812">
-                <a:tc>
+              <a:tr h="165159">
+                <a:tc vMerge="1">
                   <a:txBody>
                     <a:bodyPr/>
                     <a:lstStyle/>
                     <a:p>
-                      <a:pPr latinLnBrk="1"/>
+                      <a:pPr algn="ctr" latinLnBrk="1"/>
                       <a:endParaRPr lang="ko-KR" altLang="en-US" sz="800"/>
                     </a:p>
                   </a:txBody>
-                  <a:tcPr/>
+                  <a:tcPr anchor="ctr"/>
                 </a:tc>
                 <a:tc>
                   <a:txBody>
                     <a:bodyPr/>
                     <a:lstStyle/>
                     <a:p>
-                      <a:pPr latinLnBrk="1"/>
-                      <a:r>
-                        <a:rPr lang="ko-KR" altLang="en-US" sz="800"/>
-                        <a:t>롤링배너</a:t>
+                      <a:pPr algn="ctr" latinLnBrk="1"/>
+                      <a:r>
+                        <a:rPr lang="ko-KR" altLang="en-US" sz="700"/>
+                        <a:t>메인배너</a:t>
                       </a:r>
                     </a:p>
                   </a:txBody>
-                  <a:tcPr/>
+                  <a:tcPr anchor="ctr">
+                    <a:lnL w="12700" cap="flat" cmpd="sng" algn="ctr">
+                      <a:solidFill>
+                        <a:schemeClr val="bg1">
+                          <a:lumMod val="95000"/>
+                        </a:schemeClr>
+                      </a:solidFill>
+                      <a:prstDash val="solid"/>
+                      <a:round/>
+                      <a:headEnd type="none" w="med" len="med"/>
+                      <a:tailEnd type="none" w="med" len="med"/>
+                    </a:lnL>
+                    <a:lnR w="12700" cap="flat" cmpd="sng" algn="ctr">
+                      <a:solidFill>
+                        <a:schemeClr val="bg1">
+                          <a:lumMod val="95000"/>
+                        </a:schemeClr>
+                      </a:solidFill>
+                      <a:prstDash val="solid"/>
+                      <a:round/>
+                      <a:headEnd type="none" w="med" len="med"/>
+                      <a:tailEnd type="none" w="med" len="med"/>
+                    </a:lnR>
+                    <a:lnT w="12700" cap="flat" cmpd="sng" algn="ctr">
+                      <a:solidFill>
+                        <a:schemeClr val="bg1">
+                          <a:lumMod val="95000"/>
+                        </a:schemeClr>
+                      </a:solidFill>
+                      <a:prstDash val="solid"/>
+                      <a:round/>
+                      <a:headEnd type="none" w="med" len="med"/>
+                      <a:tailEnd type="none" w="med" len="med"/>
+                    </a:lnT>
+                    <a:lnB w="12700" cap="flat" cmpd="sng" algn="ctr">
+                      <a:solidFill>
+                        <a:schemeClr val="bg1">
+                          <a:lumMod val="95000"/>
+                        </a:schemeClr>
+                      </a:solidFill>
+                      <a:prstDash val="solid"/>
+                      <a:round/>
+                      <a:headEnd type="none" w="med" len="med"/>
+                      <a:tailEnd type="none" w="med" len="med"/>
+                    </a:lnB>
+                    <a:solidFill>
+                      <a:schemeClr val="bg1"/>
+                    </a:solidFill>
+                  </a:tcPr>
                 </a:tc>
                 <a:tc>
                   <a:txBody>
                     <a:bodyPr/>
                     <a:lstStyle/>
                     <a:p>
-                      <a:pPr latinLnBrk="1"/>
-                      <a:r>
-                        <a:rPr lang="ko-KR" altLang="en-US" sz="800"/>
-                        <a:t>롤링 기능</a:t>
+                      <a:pPr algn="ctr" latinLnBrk="1"/>
+                      <a:r>
+                        <a:rPr lang="ko-KR" altLang="en-US" sz="700"/>
+                        <a:t>롤링</a:t>
                       </a:r>
                     </a:p>
                   </a:txBody>
-                  <a:tcPr/>
+                  <a:tcPr anchor="ctr">
+                    <a:lnL w="12700" cap="flat" cmpd="sng" algn="ctr">
+                      <a:solidFill>
+                        <a:schemeClr val="bg1">
+                          <a:lumMod val="95000"/>
+                        </a:schemeClr>
+                      </a:solidFill>
+                      <a:prstDash val="solid"/>
+                      <a:round/>
+                      <a:headEnd type="none" w="med" len="med"/>
+                      <a:tailEnd type="none" w="med" len="med"/>
+                    </a:lnL>
+                    <a:lnR w="12700" cap="flat" cmpd="sng" algn="ctr">
+                      <a:solidFill>
+                        <a:schemeClr val="bg1">
+                          <a:lumMod val="95000"/>
+                        </a:schemeClr>
+                      </a:solidFill>
+                      <a:prstDash val="solid"/>
+                      <a:round/>
+                      <a:headEnd type="none" w="med" len="med"/>
+                      <a:tailEnd type="none" w="med" len="med"/>
+                    </a:lnR>
+                    <a:lnT w="12700" cap="flat" cmpd="sng" algn="ctr">
+                      <a:solidFill>
+                        <a:schemeClr val="bg1">
+                          <a:lumMod val="95000"/>
+                        </a:schemeClr>
+                      </a:solidFill>
+                      <a:prstDash val="solid"/>
+                      <a:round/>
+                      <a:headEnd type="none" w="med" len="med"/>
+                      <a:tailEnd type="none" w="med" len="med"/>
+                    </a:lnT>
+                    <a:lnB w="12700" cap="flat" cmpd="sng" algn="ctr">
+                      <a:solidFill>
+                        <a:schemeClr val="bg1">
+                          <a:lumMod val="95000"/>
+                        </a:schemeClr>
+                      </a:solidFill>
+                      <a:prstDash val="solid"/>
+                      <a:round/>
+                      <a:headEnd type="none" w="med" len="med"/>
+                      <a:tailEnd type="none" w="med" len="med"/>
+                    </a:lnB>
+                    <a:solidFill>
+                      <a:schemeClr val="bg1"/>
+                    </a:solidFill>
+                  </a:tcPr>
                 </a:tc>
                 <a:extLst>
                   <a:ext uri="{0D108BD9-81ED-4DB2-BD59-A6C34878D82A}">
@@ -7191,43 +8270,158 @@
                   </a:ext>
                 </a:extLst>
               </a:tr>
-              <a:tr h="366812">
-                <a:tc>
+              <a:tr h="165159">
+                <a:tc vMerge="1">
                   <a:txBody>
                     <a:bodyPr/>
                     <a:lstStyle/>
                     <a:p>
-                      <a:pPr latinLnBrk="1"/>
+                      <a:pPr algn="ctr" latinLnBrk="1"/>
                       <a:endParaRPr lang="ko-KR" altLang="en-US" sz="800"/>
                     </a:p>
                   </a:txBody>
-                  <a:tcPr/>
+                  <a:tcPr anchor="ctr"/>
                 </a:tc>
                 <a:tc>
                   <a:txBody>
                     <a:bodyPr/>
                     <a:lstStyle/>
                     <a:p>
-                      <a:pPr latinLnBrk="1"/>
-                      <a:r>
-                        <a:rPr lang="ko-KR" altLang="en-US" sz="800"/>
+                      <a:pPr algn="ctr" latinLnBrk="1"/>
+                      <a:r>
+                        <a:rPr lang="ko-KR" altLang="en-US" sz="700"/>
                         <a:t>인기 프로젝트</a:t>
                       </a:r>
-                      <a:endParaRPr lang="en-US" altLang="ko-KR" sz="800"/>
+                      <a:endParaRPr lang="en-US" altLang="ko-KR" sz="700"/>
                     </a:p>
                   </a:txBody>
-                  <a:tcPr/>
+                  <a:tcPr anchor="ctr">
+                    <a:lnL w="12700" cap="flat" cmpd="sng" algn="ctr">
+                      <a:solidFill>
+                        <a:schemeClr val="bg1">
+                          <a:lumMod val="95000"/>
+                        </a:schemeClr>
+                      </a:solidFill>
+                      <a:prstDash val="solid"/>
+                      <a:round/>
+                      <a:headEnd type="none" w="med" len="med"/>
+                      <a:tailEnd type="none" w="med" len="med"/>
+                    </a:lnL>
+                    <a:lnR w="12700" cap="flat" cmpd="sng" algn="ctr">
+                      <a:solidFill>
+                        <a:schemeClr val="bg1">
+                          <a:lumMod val="95000"/>
+                        </a:schemeClr>
+                      </a:solidFill>
+                      <a:prstDash val="solid"/>
+                      <a:round/>
+                      <a:headEnd type="none" w="med" len="med"/>
+                      <a:tailEnd type="none" w="med" len="med"/>
+                    </a:lnR>
+                    <a:lnT w="12700" cap="flat" cmpd="sng" algn="ctr">
+                      <a:solidFill>
+                        <a:schemeClr val="bg1">
+                          <a:lumMod val="95000"/>
+                        </a:schemeClr>
+                      </a:solidFill>
+                      <a:prstDash val="solid"/>
+                      <a:round/>
+                      <a:headEnd type="none" w="med" len="med"/>
+                      <a:tailEnd type="none" w="med" len="med"/>
+                    </a:lnT>
+                    <a:lnB w="12700" cap="flat" cmpd="sng" algn="ctr">
+                      <a:solidFill>
+                        <a:schemeClr val="bg1">
+                          <a:lumMod val="95000"/>
+                        </a:schemeClr>
+                      </a:solidFill>
+                      <a:prstDash val="solid"/>
+                      <a:round/>
+                      <a:headEnd type="none" w="med" len="med"/>
+                      <a:tailEnd type="none" w="med" len="med"/>
+                    </a:lnB>
+                    <a:solidFill>
+                      <a:schemeClr val="bg1"/>
+                    </a:solidFill>
+                  </a:tcPr>
                 </a:tc>
-                <a:tc>
+                <a:tc rowSpan="3">
                   <a:txBody>
                     <a:bodyPr/>
                     <a:lstStyle/>
                     <a:p>
-                      <a:pPr latinLnBrk="1"/>
-                      <a:endParaRPr lang="ko-KR" altLang="en-US" sz="800"/>
+                      <a:pPr algn="ctr" latinLnBrk="1"/>
+                      <a:r>
+                        <a:rPr lang="ko-KR" altLang="en-US" sz="700"/>
+                        <a:t>달성률</a:t>
+                      </a:r>
+                      <a:r>
+                        <a:rPr lang="en-US" altLang="ko-KR" sz="700"/>
+                        <a:t>·</a:t>
+                      </a:r>
+                      <a:r>
+                        <a:rPr lang="ko-KR" altLang="en-US" sz="700"/>
+                        <a:t>에디터 추천</a:t>
+                      </a:r>
+                      <a:r>
+                        <a:rPr lang="en-US" altLang="ko-KR" sz="700"/>
+                        <a:t> sort, </a:t>
+                      </a:r>
+                      <a:r>
+                        <a:rPr lang="ko-KR" altLang="en-US" sz="700"/>
+                        <a:t>프로젝트 좋아요</a:t>
+                      </a:r>
                     </a:p>
                   </a:txBody>
-                  <a:tcPr/>
+                  <a:tcPr anchor="ctr">
+                    <a:lnL w="12700" cap="flat" cmpd="sng" algn="ctr">
+                      <a:solidFill>
+                        <a:schemeClr val="bg1">
+                          <a:lumMod val="95000"/>
+                        </a:schemeClr>
+                      </a:solidFill>
+                      <a:prstDash val="solid"/>
+                      <a:round/>
+                      <a:headEnd type="none" w="med" len="med"/>
+                      <a:tailEnd type="none" w="med" len="med"/>
+                    </a:lnL>
+                    <a:lnR w="12700" cap="flat" cmpd="sng" algn="ctr">
+                      <a:solidFill>
+                        <a:schemeClr val="bg1">
+                          <a:lumMod val="95000"/>
+                        </a:schemeClr>
+                      </a:solidFill>
+                      <a:prstDash val="solid"/>
+                      <a:round/>
+                      <a:headEnd type="none" w="med" len="med"/>
+                      <a:tailEnd type="none" w="med" len="med"/>
+                    </a:lnR>
+                    <a:lnT w="12700" cap="flat" cmpd="sng" algn="ctr">
+                      <a:solidFill>
+                        <a:schemeClr val="bg1">
+                          <a:lumMod val="95000"/>
+                        </a:schemeClr>
+                      </a:solidFill>
+                      <a:prstDash val="solid"/>
+                      <a:round/>
+                      <a:headEnd type="none" w="med" len="med"/>
+                      <a:tailEnd type="none" w="med" len="med"/>
+                    </a:lnT>
+                    <a:lnB w="12700" cap="flat" cmpd="sng" algn="ctr">
+                      <a:solidFill>
+                        <a:schemeClr val="bg1">
+                          <a:lumMod val="95000"/>
+                        </a:schemeClr>
+                      </a:solidFill>
+                      <a:prstDash val="solid"/>
+                      <a:round/>
+                      <a:headEnd type="none" w="med" len="med"/>
+                      <a:tailEnd type="none" w="med" len="med"/>
+                    </a:lnB>
+                    <a:solidFill>
+                      <a:schemeClr val="bg1"/>
+                    </a:solidFill>
+                  </a:tcPr>
                 </a:tc>
                 <a:extLst>
                   <a:ext uri="{0D108BD9-81ED-4DB2-BD59-A6C34878D82A}">
@@ -7235,42 +8429,90 @@
                   </a:ext>
                 </a:extLst>
               </a:tr>
-              <a:tr h="366812">
-                <a:tc>
+              <a:tr h="165159">
+                <a:tc vMerge="1">
                   <a:txBody>
                     <a:bodyPr/>
                     <a:lstStyle/>
                     <a:p>
-                      <a:pPr latinLnBrk="1"/>
+                      <a:pPr algn="ctr" latinLnBrk="1"/>
                       <a:endParaRPr lang="ko-KR" altLang="en-US" sz="800"/>
                     </a:p>
                   </a:txBody>
-                  <a:tcPr/>
+                  <a:tcPr anchor="ctr"/>
                 </a:tc>
                 <a:tc>
                   <a:txBody>
                     <a:bodyPr/>
                     <a:lstStyle/>
                     <a:p>
-                      <a:pPr latinLnBrk="1"/>
-                      <a:r>
-                        <a:rPr lang="ko-KR" altLang="en-US" sz="800"/>
+                      <a:pPr algn="ctr" latinLnBrk="1"/>
+                      <a:r>
+                        <a:rPr lang="ko-KR" altLang="en-US" sz="700"/>
                         <a:t>신규 프로젝트</a:t>
                       </a:r>
                     </a:p>
                   </a:txBody>
-                  <a:tcPr/>
+                  <a:tcPr anchor="ctr">
+                    <a:lnL w="12700" cap="flat" cmpd="sng" algn="ctr">
+                      <a:solidFill>
+                        <a:schemeClr val="bg1">
+                          <a:lumMod val="95000"/>
+                        </a:schemeClr>
+                      </a:solidFill>
+                      <a:prstDash val="solid"/>
+                      <a:round/>
+                      <a:headEnd type="none" w="med" len="med"/>
+                      <a:tailEnd type="none" w="med" len="med"/>
+                    </a:lnL>
+                    <a:lnR w="12700" cap="flat" cmpd="sng" algn="ctr">
+                      <a:solidFill>
+                        <a:schemeClr val="bg1">
+                          <a:lumMod val="95000"/>
+                        </a:schemeClr>
+                      </a:solidFill>
+                      <a:prstDash val="solid"/>
+                      <a:round/>
+                      <a:headEnd type="none" w="med" len="med"/>
+                      <a:tailEnd type="none" w="med" len="med"/>
+                    </a:lnR>
+                    <a:lnT w="12700" cap="flat" cmpd="sng" algn="ctr">
+                      <a:solidFill>
+                        <a:schemeClr val="bg1">
+                          <a:lumMod val="95000"/>
+                        </a:schemeClr>
+                      </a:solidFill>
+                      <a:prstDash val="solid"/>
+                      <a:round/>
+                      <a:headEnd type="none" w="med" len="med"/>
+                      <a:tailEnd type="none" w="med" len="med"/>
+                    </a:lnT>
+                    <a:lnB w="12700" cap="flat" cmpd="sng" algn="ctr">
+                      <a:solidFill>
+                        <a:schemeClr val="bg1">
+                          <a:lumMod val="95000"/>
+                        </a:schemeClr>
+                      </a:solidFill>
+                      <a:prstDash val="solid"/>
+                      <a:round/>
+                      <a:headEnd type="none" w="med" len="med"/>
+                      <a:tailEnd type="none" w="med" len="med"/>
+                    </a:lnB>
+                    <a:solidFill>
+                      <a:schemeClr val="bg1"/>
+                    </a:solidFill>
+                  </a:tcPr>
                 </a:tc>
-                <a:tc>
+                <a:tc vMerge="1">
                   <a:txBody>
                     <a:bodyPr/>
                     <a:lstStyle/>
                     <a:p>
-                      <a:pPr latinLnBrk="1"/>
+                      <a:pPr algn="ctr" latinLnBrk="1"/>
                       <a:endParaRPr lang="ko-KR" altLang="en-US" sz="800"/>
                     </a:p>
                   </a:txBody>
-                  <a:tcPr/>
+                  <a:tcPr anchor="ctr"/>
                 </a:tc>
                 <a:extLst>
                   <a:ext uri="{0D108BD9-81ED-4DB2-BD59-A6C34878D82A}">
@@ -7278,42 +8520,90 @@
                   </a:ext>
                 </a:extLst>
               </a:tr>
-              <a:tr h="366812">
-                <a:tc>
+              <a:tr h="165159">
+                <a:tc vMerge="1">
                   <a:txBody>
                     <a:bodyPr/>
                     <a:lstStyle/>
                     <a:p>
-                      <a:pPr latinLnBrk="1"/>
+                      <a:pPr algn="ctr" latinLnBrk="1"/>
                       <a:endParaRPr lang="ko-KR" altLang="en-US" sz="800"/>
                     </a:p>
                   </a:txBody>
-                  <a:tcPr/>
+                  <a:tcPr anchor="ctr"/>
                 </a:tc>
                 <a:tc>
                   <a:txBody>
                     <a:bodyPr/>
                     <a:lstStyle/>
                     <a:p>
-                      <a:pPr latinLnBrk="1"/>
-                      <a:r>
-                        <a:rPr lang="ko-KR" altLang="en-US" sz="800"/>
+                      <a:pPr algn="ctr" latinLnBrk="1"/>
+                      <a:r>
+                        <a:rPr lang="ko-KR" altLang="en-US" sz="700"/>
                         <a:t>마감임박 프로젝트</a:t>
                       </a:r>
                     </a:p>
                   </a:txBody>
-                  <a:tcPr/>
+                  <a:tcPr anchor="ctr">
+                    <a:lnL w="12700" cap="flat" cmpd="sng" algn="ctr">
+                      <a:solidFill>
+                        <a:schemeClr val="bg1">
+                          <a:lumMod val="95000"/>
+                        </a:schemeClr>
+                      </a:solidFill>
+                      <a:prstDash val="solid"/>
+                      <a:round/>
+                      <a:headEnd type="none" w="med" len="med"/>
+                      <a:tailEnd type="none" w="med" len="med"/>
+                    </a:lnL>
+                    <a:lnR w="12700" cap="flat" cmpd="sng" algn="ctr">
+                      <a:solidFill>
+                        <a:schemeClr val="bg1">
+                          <a:lumMod val="95000"/>
+                        </a:schemeClr>
+                      </a:solidFill>
+                      <a:prstDash val="solid"/>
+                      <a:round/>
+                      <a:headEnd type="none" w="med" len="med"/>
+                      <a:tailEnd type="none" w="med" len="med"/>
+                    </a:lnR>
+                    <a:lnT w="12700" cap="flat" cmpd="sng" algn="ctr">
+                      <a:solidFill>
+                        <a:schemeClr val="bg1">
+                          <a:lumMod val="95000"/>
+                        </a:schemeClr>
+                      </a:solidFill>
+                      <a:prstDash val="solid"/>
+                      <a:round/>
+                      <a:headEnd type="none" w="med" len="med"/>
+                      <a:tailEnd type="none" w="med" len="med"/>
+                    </a:lnT>
+                    <a:lnB w="12700" cap="flat" cmpd="sng" algn="ctr">
+                      <a:solidFill>
+                        <a:schemeClr val="bg1">
+                          <a:lumMod val="95000"/>
+                        </a:schemeClr>
+                      </a:solidFill>
+                      <a:prstDash val="solid"/>
+                      <a:round/>
+                      <a:headEnd type="none" w="med" len="med"/>
+                      <a:tailEnd type="none" w="med" len="med"/>
+                    </a:lnB>
+                    <a:solidFill>
+                      <a:schemeClr val="bg1"/>
+                    </a:solidFill>
+                  </a:tcPr>
                 </a:tc>
-                <a:tc>
+                <a:tc vMerge="1">
                   <a:txBody>
                     <a:bodyPr/>
                     <a:lstStyle/>
                     <a:p>
-                      <a:pPr latinLnBrk="1"/>
+                      <a:pPr algn="ctr" latinLnBrk="1"/>
                       <a:endParaRPr lang="ko-KR" altLang="en-US" sz="800"/>
                     </a:p>
                   </a:txBody>
-                  <a:tcPr/>
+                  <a:tcPr anchor="ctr"/>
                 </a:tc>
                 <a:extLst>
                   <a:ext uri="{0D108BD9-81ED-4DB2-BD59-A6C34878D82A}">
@@ -7321,45 +8611,141 @@
                   </a:ext>
                 </a:extLst>
               </a:tr>
-              <a:tr h="366812">
-                <a:tc>
+              <a:tr h="165159">
+                <a:tc vMerge="1">
                   <a:txBody>
                     <a:bodyPr/>
                     <a:lstStyle/>
                     <a:p>
-                      <a:pPr latinLnBrk="1"/>
+                      <a:pPr algn="ctr" latinLnBrk="1"/>
                       <a:endParaRPr lang="ko-KR" altLang="en-US" sz="800"/>
                     </a:p>
                   </a:txBody>
-                  <a:tcPr/>
+                  <a:tcPr anchor="ctr"/>
                 </a:tc>
                 <a:tc>
                   <a:txBody>
                     <a:bodyPr/>
                     <a:lstStyle/>
                     <a:p>
-                      <a:pPr latinLnBrk="1"/>
-                      <a:r>
-                        <a:rPr lang="ko-KR" altLang="en-US" sz="800"/>
+                      <a:pPr algn="ctr" latinLnBrk="1"/>
+                      <a:r>
+                        <a:rPr lang="ko-KR" altLang="en-US" sz="700"/>
                         <a:t>공개예정 프로젝트</a:t>
                       </a:r>
                     </a:p>
                   </a:txBody>
-                  <a:tcPr/>
+                  <a:tcPr anchor="ctr">
+                    <a:lnL w="12700" cap="flat" cmpd="sng" algn="ctr">
+                      <a:solidFill>
+                        <a:schemeClr val="bg1">
+                          <a:lumMod val="95000"/>
+                        </a:schemeClr>
+                      </a:solidFill>
+                      <a:prstDash val="solid"/>
+                      <a:round/>
+                      <a:headEnd type="none" w="med" len="med"/>
+                      <a:tailEnd type="none" w="med" len="med"/>
+                    </a:lnL>
+                    <a:lnR w="12700" cap="flat" cmpd="sng" algn="ctr">
+                      <a:solidFill>
+                        <a:schemeClr val="bg1">
+                          <a:lumMod val="95000"/>
+                        </a:schemeClr>
+                      </a:solidFill>
+                      <a:prstDash val="solid"/>
+                      <a:round/>
+                      <a:headEnd type="none" w="med" len="med"/>
+                      <a:tailEnd type="none" w="med" len="med"/>
+                    </a:lnR>
+                    <a:lnT w="12700" cap="flat" cmpd="sng" algn="ctr">
+                      <a:solidFill>
+                        <a:schemeClr val="bg1">
+                          <a:lumMod val="95000"/>
+                        </a:schemeClr>
+                      </a:solidFill>
+                      <a:prstDash val="solid"/>
+                      <a:round/>
+                      <a:headEnd type="none" w="med" len="med"/>
+                      <a:tailEnd type="none" w="med" len="med"/>
+                    </a:lnT>
+                    <a:lnB w="12700" cap="flat" cmpd="sng" algn="ctr">
+                      <a:solidFill>
+                        <a:schemeClr val="bg1">
+                          <a:lumMod val="95000"/>
+                        </a:schemeClr>
+                      </a:solidFill>
+                      <a:prstDash val="solid"/>
+                      <a:round/>
+                      <a:headEnd type="none" w="med" len="med"/>
+                      <a:tailEnd type="none" w="med" len="med"/>
+                    </a:lnB>
+                    <a:solidFill>
+                      <a:schemeClr val="bg1"/>
+                    </a:solidFill>
+                  </a:tcPr>
                 </a:tc>
                 <a:tc>
                   <a:txBody>
                     <a:bodyPr/>
                     <a:lstStyle/>
                     <a:p>
-                      <a:pPr latinLnBrk="1"/>
-                      <a:r>
-                        <a:rPr lang="ko-KR" altLang="en-US" sz="800"/>
-                        <a:t>알림신청</a:t>
+                      <a:pPr algn="ctr" latinLnBrk="1"/>
+                      <a:r>
+                        <a:rPr lang="ko-KR" altLang="en-US" sz="700"/>
+                        <a:t>프로젝트 공개 시 알림신청 기능</a:t>
                       </a:r>
                     </a:p>
                   </a:txBody>
-                  <a:tcPr/>
+                  <a:tcPr anchor="ctr">
+                    <a:lnL w="12700" cap="flat" cmpd="sng" algn="ctr">
+                      <a:solidFill>
+                        <a:schemeClr val="bg1">
+                          <a:lumMod val="95000"/>
+                        </a:schemeClr>
+                      </a:solidFill>
+                      <a:prstDash val="solid"/>
+                      <a:round/>
+                      <a:headEnd type="none" w="med" len="med"/>
+                      <a:tailEnd type="none" w="med" len="med"/>
+                    </a:lnL>
+                    <a:lnR w="12700" cap="flat" cmpd="sng" algn="ctr">
+                      <a:solidFill>
+                        <a:schemeClr val="bg1">
+                          <a:lumMod val="95000"/>
+                        </a:schemeClr>
+                      </a:solidFill>
+                      <a:prstDash val="solid"/>
+                      <a:round/>
+                      <a:headEnd type="none" w="med" len="med"/>
+                      <a:tailEnd type="none" w="med" len="med"/>
+                    </a:lnR>
+                    <a:lnT w="12700" cap="flat" cmpd="sng" algn="ctr">
+                      <a:solidFill>
+                        <a:schemeClr val="bg1">
+                          <a:lumMod val="95000"/>
+                        </a:schemeClr>
+                      </a:solidFill>
+                      <a:prstDash val="solid"/>
+                      <a:round/>
+                      <a:headEnd type="none" w="med" len="med"/>
+                      <a:tailEnd type="none" w="med" len="med"/>
+                    </a:lnT>
+                    <a:lnB w="12700" cap="flat" cmpd="sng" algn="ctr">
+                      <a:solidFill>
+                        <a:schemeClr val="bg1">
+                          <a:lumMod val="95000"/>
+                        </a:schemeClr>
+                      </a:solidFill>
+                      <a:prstDash val="solid"/>
+                      <a:round/>
+                      <a:headEnd type="none" w="med" len="med"/>
+                      <a:tailEnd type="none" w="med" len="med"/>
+                    </a:lnB>
+                    <a:solidFill>
+                      <a:schemeClr val="bg1"/>
+                    </a:solidFill>
+                  </a:tcPr>
                 </a:tc>
                 <a:extLst>
                   <a:ext uri="{0D108BD9-81ED-4DB2-BD59-A6C34878D82A}">
@@ -7367,91 +8753,351 @@
                   </a:ext>
                 </a:extLst>
               </a:tr>
-              <a:tr h="366812">
-                <a:tc>
+              <a:tr h="165159">
+                <a:tc vMerge="1">
                   <a:txBody>
                     <a:bodyPr/>
                     <a:lstStyle/>
                     <a:p>
-                      <a:pPr latinLnBrk="1"/>
+                      <a:pPr algn="ctr" latinLnBrk="1"/>
                       <a:endParaRPr lang="ko-KR" altLang="en-US" sz="800"/>
                     </a:p>
                   </a:txBody>
-                  <a:tcPr/>
+                  <a:tcPr anchor="ctr"/>
                 </a:tc>
                 <a:tc>
                   <a:txBody>
                     <a:bodyPr/>
                     <a:lstStyle/>
                     <a:p>
-                      <a:pPr latinLnBrk="1"/>
-                      <a:r>
-                        <a:rPr lang="ko-KR" altLang="en-US" sz="800"/>
-                        <a:t>검색창</a:t>
+                      <a:pPr algn="ctr" latinLnBrk="1"/>
+                      <a:r>
+                        <a:rPr lang="ko-KR" altLang="en-US" sz="700"/>
+                        <a:t>푸터</a:t>
                       </a:r>
                     </a:p>
                   </a:txBody>
-                  <a:tcPr/>
+                  <a:tcPr anchor="ctr">
+                    <a:lnL w="12700" cap="flat" cmpd="sng" algn="ctr">
+                      <a:solidFill>
+                        <a:schemeClr val="bg1">
+                          <a:lumMod val="95000"/>
+                        </a:schemeClr>
+                      </a:solidFill>
+                      <a:prstDash val="solid"/>
+                      <a:round/>
+                      <a:headEnd type="none" w="med" len="med"/>
+                      <a:tailEnd type="none" w="med" len="med"/>
+                    </a:lnL>
+                    <a:lnR w="12700" cap="flat" cmpd="sng" algn="ctr">
+                      <a:solidFill>
+                        <a:schemeClr val="bg1">
+                          <a:lumMod val="95000"/>
+                        </a:schemeClr>
+                      </a:solidFill>
+                      <a:prstDash val="solid"/>
+                      <a:round/>
+                      <a:headEnd type="none" w="med" len="med"/>
+                      <a:tailEnd type="none" w="med" len="med"/>
+                    </a:lnR>
+                    <a:lnT w="12700" cap="flat" cmpd="sng" algn="ctr">
+                      <a:solidFill>
+                        <a:schemeClr val="bg1">
+                          <a:lumMod val="95000"/>
+                        </a:schemeClr>
+                      </a:solidFill>
+                      <a:prstDash val="solid"/>
+                      <a:round/>
+                      <a:headEnd type="none" w="med" len="med"/>
+                      <a:tailEnd type="none" w="med" len="med"/>
+                    </a:lnT>
+                    <a:lnB w="12700" cap="flat" cmpd="sng" algn="ctr">
+                      <a:solidFill>
+                        <a:schemeClr val="bg1">
+                          <a:lumMod val="95000"/>
+                        </a:schemeClr>
+                      </a:solidFill>
+                      <a:prstDash val="solid"/>
+                      <a:round/>
+                      <a:headEnd type="none" w="med" len="med"/>
+                      <a:tailEnd type="none" w="med" len="med"/>
+                    </a:lnB>
+                    <a:solidFill>
+                      <a:schemeClr val="bg1"/>
+                    </a:solidFill>
+                  </a:tcPr>
                 </a:tc>
                 <a:tc>
                   <a:txBody>
                     <a:bodyPr/>
                     <a:lstStyle/>
                     <a:p>
-                      <a:pPr latinLnBrk="1"/>
-                      <a:endParaRPr lang="ko-KR" altLang="en-US" sz="800"/>
+                      <a:pPr algn="ctr" latinLnBrk="1"/>
+                      <a:r>
+                        <a:rPr lang="en-US" altLang="ko-KR" sz="700"/>
+                        <a:t>-</a:t>
+                      </a:r>
+                      <a:endParaRPr lang="ko-KR" altLang="en-US" sz="700"/>
                     </a:p>
                   </a:txBody>
-                  <a:tcPr/>
+                  <a:tcPr anchor="ctr">
+                    <a:lnL w="12700" cap="flat" cmpd="sng" algn="ctr">
+                      <a:solidFill>
+                        <a:schemeClr val="bg1">
+                          <a:lumMod val="95000"/>
+                        </a:schemeClr>
+                      </a:solidFill>
+                      <a:prstDash val="solid"/>
+                      <a:round/>
+                      <a:headEnd type="none" w="med" len="med"/>
+                      <a:tailEnd type="none" w="med" len="med"/>
+                    </a:lnL>
+                    <a:lnR w="12700" cap="flat" cmpd="sng" algn="ctr">
+                      <a:solidFill>
+                        <a:schemeClr val="bg1">
+                          <a:lumMod val="95000"/>
+                        </a:schemeClr>
+                      </a:solidFill>
+                      <a:prstDash val="solid"/>
+                      <a:round/>
+                      <a:headEnd type="none" w="med" len="med"/>
+                      <a:tailEnd type="none" w="med" len="med"/>
+                    </a:lnR>
+                    <a:lnT w="12700" cap="flat" cmpd="sng" algn="ctr">
+                      <a:solidFill>
+                        <a:schemeClr val="bg1">
+                          <a:lumMod val="95000"/>
+                        </a:schemeClr>
+                      </a:solidFill>
+                      <a:prstDash val="solid"/>
+                      <a:round/>
+                      <a:headEnd type="none" w="med" len="med"/>
+                      <a:tailEnd type="none" w="med" len="med"/>
+                    </a:lnT>
+                    <a:lnB w="12700" cap="flat" cmpd="sng" algn="ctr">
+                      <a:solidFill>
+                        <a:schemeClr val="bg1">
+                          <a:lumMod val="95000"/>
+                        </a:schemeClr>
+                      </a:solidFill>
+                      <a:prstDash val="solid"/>
+                      <a:round/>
+                      <a:headEnd type="none" w="med" len="med"/>
+                      <a:tailEnd type="none" w="med" len="med"/>
+                    </a:lnB>
+                    <a:solidFill>
+                      <a:schemeClr val="bg1"/>
+                    </a:solidFill>
+                  </a:tcPr>
                 </a:tc>
                 <a:extLst>
                   <a:ext uri="{0D108BD9-81ED-4DB2-BD59-A6C34878D82A}">
-                    <a16:rowId xmlns:a16="http://schemas.microsoft.com/office/drawing/2014/main" val="3560543856"/>
+                    <a16:rowId xmlns:a16="http://schemas.microsoft.com/office/drawing/2014/main" val="268300899"/>
                   </a:ext>
                 </a:extLst>
               </a:tr>
-              <a:tr h="366812">
-                <a:tc>
+              <a:tr h="165159">
+                <a:tc rowSpan="6">
                   <a:txBody>
                     <a:bodyPr/>
                     <a:lstStyle/>
                     <a:p>
-                      <a:pPr latinLnBrk="1"/>
-                      <a:r>
-                        <a:rPr lang="ko-KR" altLang="en-US" sz="800"/>
+                      <a:pPr algn="ctr" latinLnBrk="1"/>
+                      <a:r>
+                        <a:rPr lang="ko-KR" altLang="en-US" sz="700" b="1"/>
                         <a:t>프로젝트</a:t>
                       </a:r>
                     </a:p>
                   </a:txBody>
-                  <a:tcPr/>
+                  <a:tcPr anchor="ctr">
+                    <a:lnL w="12700" cap="flat" cmpd="sng" algn="ctr">
+                      <a:solidFill>
+                        <a:schemeClr val="bg1">
+                          <a:lumMod val="95000"/>
+                        </a:schemeClr>
+                      </a:solidFill>
+                      <a:prstDash val="solid"/>
+                      <a:round/>
+                      <a:headEnd type="none" w="med" len="med"/>
+                      <a:tailEnd type="none" w="med" len="med"/>
+                    </a:lnL>
+                    <a:lnR w="12700" cap="flat" cmpd="sng" algn="ctr">
+                      <a:solidFill>
+                        <a:schemeClr val="bg1">
+                          <a:lumMod val="95000"/>
+                        </a:schemeClr>
+                      </a:solidFill>
+                      <a:prstDash val="solid"/>
+                      <a:round/>
+                      <a:headEnd type="none" w="med" len="med"/>
+                      <a:tailEnd type="none" w="med" len="med"/>
+                    </a:lnR>
+                    <a:lnT w="12700" cap="flat" cmpd="sng" algn="ctr">
+                      <a:solidFill>
+                        <a:schemeClr val="bg1">
+                          <a:lumMod val="95000"/>
+                        </a:schemeClr>
+                      </a:solidFill>
+                      <a:prstDash val="solid"/>
+                      <a:round/>
+                      <a:headEnd type="none" w="med" len="med"/>
+                      <a:tailEnd type="none" w="med" len="med"/>
+                    </a:lnT>
+                    <a:lnB w="12700" cap="flat" cmpd="sng" algn="ctr">
+                      <a:solidFill>
+                        <a:schemeClr val="bg1">
+                          <a:lumMod val="95000"/>
+                        </a:schemeClr>
+                      </a:solidFill>
+                      <a:prstDash val="solid"/>
+                      <a:round/>
+                      <a:headEnd type="none" w="med" len="med"/>
+                      <a:tailEnd type="none" w="med" len="med"/>
+                    </a:lnB>
+                    <a:solidFill>
+                      <a:schemeClr val="bg1"/>
+                    </a:solidFill>
+                  </a:tcPr>
                 </a:tc>
                 <a:tc>
                   <a:txBody>
                     <a:bodyPr/>
                     <a:lstStyle/>
                     <a:p>
-                      <a:pPr latinLnBrk="1"/>
-                      <a:r>
-                        <a:rPr lang="ko-KR" altLang="en-US" sz="800"/>
+                      <a:pPr algn="ctr" latinLnBrk="1"/>
+                      <a:r>
+                        <a:rPr lang="ko-KR" altLang="en-US" sz="700"/>
                         <a:t>프로젝트 메인</a:t>
                       </a:r>
                     </a:p>
                   </a:txBody>
-                  <a:tcPr/>
+                  <a:tcPr anchor="ctr">
+                    <a:lnL w="12700" cap="flat" cmpd="sng" algn="ctr">
+                      <a:solidFill>
+                        <a:schemeClr val="bg1">
+                          <a:lumMod val="95000"/>
+                        </a:schemeClr>
+                      </a:solidFill>
+                      <a:prstDash val="solid"/>
+                      <a:round/>
+                      <a:headEnd type="none" w="med" len="med"/>
+                      <a:tailEnd type="none" w="med" len="med"/>
+                    </a:lnL>
+                    <a:lnR w="12700" cap="flat" cmpd="sng" algn="ctr">
+                      <a:solidFill>
+                        <a:schemeClr val="bg1">
+                          <a:lumMod val="95000"/>
+                        </a:schemeClr>
+                      </a:solidFill>
+                      <a:prstDash val="solid"/>
+                      <a:round/>
+                      <a:headEnd type="none" w="med" len="med"/>
+                      <a:tailEnd type="none" w="med" len="med"/>
+                    </a:lnR>
+                    <a:lnT w="12700" cap="flat" cmpd="sng" algn="ctr">
+                      <a:solidFill>
+                        <a:schemeClr val="bg1">
+                          <a:lumMod val="95000"/>
+                        </a:schemeClr>
+                      </a:solidFill>
+                      <a:prstDash val="solid"/>
+                      <a:round/>
+                      <a:headEnd type="none" w="med" len="med"/>
+                      <a:tailEnd type="none" w="med" len="med"/>
+                    </a:lnT>
+                    <a:lnB w="12700" cap="flat" cmpd="sng" algn="ctr">
+                      <a:solidFill>
+                        <a:schemeClr val="bg1">
+                          <a:lumMod val="95000"/>
+                        </a:schemeClr>
+                      </a:solidFill>
+                      <a:prstDash val="solid"/>
+                      <a:round/>
+                      <a:headEnd type="none" w="med" len="med"/>
+                      <a:tailEnd type="none" w="med" len="med"/>
+                    </a:lnB>
+                    <a:solidFill>
+                      <a:schemeClr val="bg1"/>
+                    </a:solidFill>
+                  </a:tcPr>
                 </a:tc>
                 <a:tc>
                   <a:txBody>
                     <a:bodyPr/>
                     <a:lstStyle/>
                     <a:p>
-                      <a:pPr latinLnBrk="1"/>
-                      <a:r>
-                        <a:rPr lang="ko-KR" altLang="en-US" sz="800"/>
-                        <a:t>프로젝트 요약 페이지다</a:t>
+                      <a:pPr algn="ctr" latinLnBrk="1"/>
+                      <a:r>
+                        <a:rPr lang="ko-KR" altLang="en-US" sz="700"/>
+                        <a:t>좋아요</a:t>
+                      </a:r>
+                      <a:r>
+                        <a:rPr lang="en-US" altLang="ko-KR" sz="700"/>
+                        <a:t>, </a:t>
+                      </a:r>
+                      <a:r>
+                        <a:rPr lang="ko-KR" altLang="en-US" sz="700"/>
+                        <a:t>공유하기</a:t>
+                      </a:r>
+                      <a:r>
+                        <a:rPr lang="en-US" altLang="ko-KR" sz="700"/>
+                        <a:t>, </a:t>
+                      </a:r>
+                      <a:r>
+                        <a:rPr lang="ko-KR" altLang="en-US" sz="700"/>
+                        <a:t>후원하기</a:t>
                       </a:r>
                     </a:p>
                   </a:txBody>
-                  <a:tcPr/>
+                  <a:tcPr anchor="ctr">
+                    <a:lnL w="12700" cap="flat" cmpd="sng" algn="ctr">
+                      <a:solidFill>
+                        <a:schemeClr val="bg1">
+                          <a:lumMod val="95000"/>
+                        </a:schemeClr>
+                      </a:solidFill>
+                      <a:prstDash val="solid"/>
+                      <a:round/>
+                      <a:headEnd type="none" w="med" len="med"/>
+                      <a:tailEnd type="none" w="med" len="med"/>
+                    </a:lnL>
+                    <a:lnR w="12700" cap="flat" cmpd="sng" algn="ctr">
+                      <a:solidFill>
+                        <a:schemeClr val="bg1">
+                          <a:lumMod val="95000"/>
+                        </a:schemeClr>
+                      </a:solidFill>
+                      <a:prstDash val="solid"/>
+                      <a:round/>
+                      <a:headEnd type="none" w="med" len="med"/>
+                      <a:tailEnd type="none" w="med" len="med"/>
+                    </a:lnR>
+                    <a:lnT w="12700" cap="flat" cmpd="sng" algn="ctr">
+                      <a:solidFill>
+                        <a:schemeClr val="bg1">
+                          <a:lumMod val="95000"/>
+                        </a:schemeClr>
+                      </a:solidFill>
+                      <a:prstDash val="solid"/>
+                      <a:round/>
+                      <a:headEnd type="none" w="med" len="med"/>
+                      <a:tailEnd type="none" w="med" len="med"/>
+                    </a:lnT>
+                    <a:lnB w="12700" cap="flat" cmpd="sng" algn="ctr">
+                      <a:solidFill>
+                        <a:schemeClr val="bg1">
+                          <a:lumMod val="95000"/>
+                        </a:schemeClr>
+                      </a:solidFill>
+                      <a:prstDash val="solid"/>
+                      <a:round/>
+                      <a:headEnd type="none" w="med" len="med"/>
+                      <a:tailEnd type="none" w="med" len="med"/>
+                    </a:lnB>
+                    <a:solidFill>
+                      <a:schemeClr val="bg1"/>
+                    </a:solidFill>
+                  </a:tcPr>
                 </a:tc>
                 <a:extLst>
                   <a:ext uri="{0D108BD9-81ED-4DB2-BD59-A6C34878D82A}">
@@ -7459,50 +9105,146 @@
                   </a:ext>
                 </a:extLst>
               </a:tr>
-              <a:tr h="366812">
-                <a:tc>
+              <a:tr h="165159">
+                <a:tc vMerge="1">
                   <a:txBody>
                     <a:bodyPr/>
                     <a:lstStyle/>
                     <a:p>
-                      <a:pPr latinLnBrk="1"/>
+                      <a:pPr algn="ctr" latinLnBrk="1"/>
                       <a:endParaRPr lang="ko-KR" altLang="en-US" sz="800"/>
                     </a:p>
                   </a:txBody>
-                  <a:tcPr/>
+                  <a:tcPr anchor="ctr"/>
                 </a:tc>
                 <a:tc>
                   <a:txBody>
                     <a:bodyPr/>
                     <a:lstStyle/>
                     <a:p>
-                      <a:pPr latinLnBrk="1"/>
-                      <a:r>
-                        <a:rPr lang="ko-KR" altLang="en-US" sz="800"/>
+                      <a:pPr algn="ctr" latinLnBrk="1"/>
+                      <a:r>
+                        <a:rPr lang="ko-KR" altLang="en-US" sz="700"/>
                         <a:t>프로젝트 계획</a:t>
                       </a:r>
                     </a:p>
                   </a:txBody>
-                  <a:tcPr/>
+                  <a:tcPr anchor="ctr">
+                    <a:lnL w="12700" cap="flat" cmpd="sng" algn="ctr">
+                      <a:solidFill>
+                        <a:schemeClr val="bg1">
+                          <a:lumMod val="95000"/>
+                        </a:schemeClr>
+                      </a:solidFill>
+                      <a:prstDash val="solid"/>
+                      <a:round/>
+                      <a:headEnd type="none" w="med" len="med"/>
+                      <a:tailEnd type="none" w="med" len="med"/>
+                    </a:lnL>
+                    <a:lnR w="12700" cap="flat" cmpd="sng" algn="ctr">
+                      <a:solidFill>
+                        <a:schemeClr val="bg1">
+                          <a:lumMod val="95000"/>
+                        </a:schemeClr>
+                      </a:solidFill>
+                      <a:prstDash val="solid"/>
+                      <a:round/>
+                      <a:headEnd type="none" w="med" len="med"/>
+                      <a:tailEnd type="none" w="med" len="med"/>
+                    </a:lnR>
+                    <a:lnT w="12700" cap="flat" cmpd="sng" algn="ctr">
+                      <a:solidFill>
+                        <a:schemeClr val="bg1">
+                          <a:lumMod val="95000"/>
+                        </a:schemeClr>
+                      </a:solidFill>
+                      <a:prstDash val="solid"/>
+                      <a:round/>
+                      <a:headEnd type="none" w="med" len="med"/>
+                      <a:tailEnd type="none" w="med" len="med"/>
+                    </a:lnT>
+                    <a:lnB w="12700" cap="flat" cmpd="sng" algn="ctr">
+                      <a:solidFill>
+                        <a:schemeClr val="bg1">
+                          <a:lumMod val="95000"/>
+                        </a:schemeClr>
+                      </a:solidFill>
+                      <a:prstDash val="solid"/>
+                      <a:round/>
+                      <a:headEnd type="none" w="med" len="med"/>
+                      <a:tailEnd type="none" w="med" len="med"/>
+                    </a:lnB>
+                    <a:solidFill>
+                      <a:schemeClr val="bg1"/>
+                    </a:solidFill>
+                  </a:tcPr>
                 </a:tc>
                 <a:tc>
                   <a:txBody>
                     <a:bodyPr/>
                     <a:lstStyle/>
                     <a:p>
-                      <a:pPr latinLnBrk="1"/>
-                      <a:r>
-                        <a:rPr lang="ko-KR" altLang="en-US" sz="800"/>
+                      <a:pPr algn="ctr" latinLnBrk="1"/>
+                      <a:r>
+                        <a:rPr lang="ko-KR" altLang="en-US" sz="700"/>
                         <a:t>프로젝트 내용이 나온다</a:t>
                       </a:r>
                       <a:r>
-                        <a:rPr lang="en-US" altLang="ko-KR" sz="800"/>
+                        <a:rPr lang="en-US" altLang="ko-KR" sz="700"/>
                         <a:t>~ </a:t>
                       </a:r>
-                      <a:endParaRPr lang="ko-KR" altLang="en-US" sz="800"/>
+                      <a:endParaRPr lang="ko-KR" altLang="en-US" sz="700"/>
                     </a:p>
                   </a:txBody>
-                  <a:tcPr/>
+                  <a:tcPr anchor="ctr">
+                    <a:lnL w="12700" cap="flat" cmpd="sng" algn="ctr">
+                      <a:solidFill>
+                        <a:schemeClr val="bg1">
+                          <a:lumMod val="95000"/>
+                        </a:schemeClr>
+                      </a:solidFill>
+                      <a:prstDash val="solid"/>
+                      <a:round/>
+                      <a:headEnd type="none" w="med" len="med"/>
+                      <a:tailEnd type="none" w="med" len="med"/>
+                    </a:lnL>
+                    <a:lnR w="12700" cap="flat" cmpd="sng" algn="ctr">
+                      <a:solidFill>
+                        <a:schemeClr val="bg1">
+                          <a:lumMod val="95000"/>
+                        </a:schemeClr>
+                      </a:solidFill>
+                      <a:prstDash val="solid"/>
+                      <a:round/>
+                      <a:headEnd type="none" w="med" len="med"/>
+                      <a:tailEnd type="none" w="med" len="med"/>
+                    </a:lnR>
+                    <a:lnT w="12700" cap="flat" cmpd="sng" algn="ctr">
+                      <a:solidFill>
+                        <a:schemeClr val="bg1">
+                          <a:lumMod val="95000"/>
+                        </a:schemeClr>
+                      </a:solidFill>
+                      <a:prstDash val="solid"/>
+                      <a:round/>
+                      <a:headEnd type="none" w="med" len="med"/>
+                      <a:tailEnd type="none" w="med" len="med"/>
+                    </a:lnT>
+                    <a:lnB w="12700" cap="flat" cmpd="sng" algn="ctr">
+                      <a:solidFill>
+                        <a:schemeClr val="bg1">
+                          <a:lumMod val="95000"/>
+                        </a:schemeClr>
+                      </a:solidFill>
+                      <a:prstDash val="solid"/>
+                      <a:round/>
+                      <a:headEnd type="none" w="med" len="med"/>
+                      <a:tailEnd type="none" w="med" len="med"/>
+                    </a:lnB>
+                    <a:solidFill>
+                      <a:schemeClr val="bg1"/>
+                    </a:solidFill>
+                  </a:tcPr>
                 </a:tc>
                 <a:extLst>
                   <a:ext uri="{0D108BD9-81ED-4DB2-BD59-A6C34878D82A}">
@@ -7510,38 +9252,86 @@
                   </a:ext>
                 </a:extLst>
               </a:tr>
-              <a:tr h="366812">
-                <a:tc>
+              <a:tr h="165159">
+                <a:tc vMerge="1">
                   <a:txBody>
                     <a:bodyPr/>
                     <a:lstStyle/>
                     <a:p>
-                      <a:pPr latinLnBrk="1"/>
+                      <a:pPr algn="ctr" latinLnBrk="1"/>
                       <a:endParaRPr lang="ko-KR" altLang="en-US" sz="800"/>
                     </a:p>
                   </a:txBody>
-                  <a:tcPr/>
+                  <a:tcPr anchor="ctr"/>
                 </a:tc>
                 <a:tc>
                   <a:txBody>
                     <a:bodyPr/>
                     <a:lstStyle/>
                     <a:p>
-                      <a:pPr latinLnBrk="1"/>
-                      <a:r>
-                        <a:rPr lang="ko-KR" altLang="en-US" sz="800"/>
+                      <a:pPr algn="ctr" latinLnBrk="1"/>
+                      <a:r>
+                        <a:rPr lang="ko-KR" altLang="en-US" sz="700"/>
                         <a:t>커뮤니티</a:t>
                       </a:r>
                     </a:p>
                   </a:txBody>
-                  <a:tcPr/>
+                  <a:tcPr anchor="ctr">
+                    <a:lnL w="12700" cap="flat" cmpd="sng" algn="ctr">
+                      <a:solidFill>
+                        <a:schemeClr val="bg1">
+                          <a:lumMod val="95000"/>
+                        </a:schemeClr>
+                      </a:solidFill>
+                      <a:prstDash val="solid"/>
+                      <a:round/>
+                      <a:headEnd type="none" w="med" len="med"/>
+                      <a:tailEnd type="none" w="med" len="med"/>
+                    </a:lnL>
+                    <a:lnR w="12700" cap="flat" cmpd="sng" algn="ctr">
+                      <a:solidFill>
+                        <a:schemeClr val="bg1">
+                          <a:lumMod val="95000"/>
+                        </a:schemeClr>
+                      </a:solidFill>
+                      <a:prstDash val="solid"/>
+                      <a:round/>
+                      <a:headEnd type="none" w="med" len="med"/>
+                      <a:tailEnd type="none" w="med" len="med"/>
+                    </a:lnR>
+                    <a:lnT w="12700" cap="flat" cmpd="sng" algn="ctr">
+                      <a:solidFill>
+                        <a:schemeClr val="bg1">
+                          <a:lumMod val="95000"/>
+                        </a:schemeClr>
+                      </a:solidFill>
+                      <a:prstDash val="solid"/>
+                      <a:round/>
+                      <a:headEnd type="none" w="med" len="med"/>
+                      <a:tailEnd type="none" w="med" len="med"/>
+                    </a:lnT>
+                    <a:lnB w="12700" cap="flat" cmpd="sng" algn="ctr">
+                      <a:solidFill>
+                        <a:schemeClr val="bg1">
+                          <a:lumMod val="95000"/>
+                        </a:schemeClr>
+                      </a:solidFill>
+                      <a:prstDash val="solid"/>
+                      <a:round/>
+                      <a:headEnd type="none" w="med" len="med"/>
+                      <a:tailEnd type="none" w="med" len="med"/>
+                    </a:lnB>
+                    <a:solidFill>
+                      <a:schemeClr val="bg1"/>
+                    </a:solidFill>
+                  </a:tcPr>
                 </a:tc>
                 <a:tc>
                   <a:txBody>
                     <a:bodyPr/>
                     <a:lstStyle/>
                     <a:p>
-                      <a:pPr marL="0" marR="0" lvl="0" indent="0" algn="l" defTabSz="914400" rtl="0" eaLnBrk="1" fontAlgn="auto" latinLnBrk="1" hangingPunct="1">
+                      <a:pPr marL="0" marR="0" lvl="0" indent="0" algn="ctr" defTabSz="914400" rtl="0" eaLnBrk="1" fontAlgn="auto" latinLnBrk="1" hangingPunct="1">
                         <a:lnSpc>
                           <a:spcPct val="100000"/>
                         </a:lnSpc>
@@ -7559,28 +9349,76 @@
                         <a:defRPr/>
                       </a:pPr>
                       <a:r>
-                        <a:rPr lang="ko-KR" altLang="en-US" sz="800"/>
+                        <a:rPr lang="ko-KR" altLang="en-US" sz="700"/>
                         <a:t>게시물</a:t>
                       </a:r>
                       <a:r>
-                        <a:rPr lang="en-US" altLang="ko-KR" sz="800"/>
+                        <a:rPr lang="en-US" altLang="ko-KR" sz="700"/>
                         <a:t>, </a:t>
                       </a:r>
                       <a:r>
-                        <a:rPr lang="ko-KR" altLang="en-US" sz="800"/>
+                        <a:rPr lang="ko-KR" altLang="en-US" sz="700"/>
                         <a:t>댓글 작성</a:t>
                       </a:r>
                       <a:r>
-                        <a:rPr lang="en-US" altLang="ko-KR" sz="800"/>
-                        <a:t>, </a:t>
-                      </a:r>
-                      <a:r>
-                        <a:rPr lang="ko-KR" altLang="en-US" sz="800"/>
+                        <a:rPr lang="en-US" altLang="ko-KR" sz="700"/>
+                        <a:t> &gt; </a:t>
+                      </a:r>
+                      <a:r>
+                        <a:rPr lang="ko-KR" altLang="en-US" sz="700"/>
                         <a:t>알림 내역 전송</a:t>
                       </a:r>
                     </a:p>
                   </a:txBody>
-                  <a:tcPr/>
+                  <a:tcPr anchor="ctr">
+                    <a:lnL w="12700" cap="flat" cmpd="sng" algn="ctr">
+                      <a:solidFill>
+                        <a:schemeClr val="bg1">
+                          <a:lumMod val="95000"/>
+                        </a:schemeClr>
+                      </a:solidFill>
+                      <a:prstDash val="solid"/>
+                      <a:round/>
+                      <a:headEnd type="none" w="med" len="med"/>
+                      <a:tailEnd type="none" w="med" len="med"/>
+                    </a:lnL>
+                    <a:lnR w="12700" cap="flat" cmpd="sng" algn="ctr">
+                      <a:solidFill>
+                        <a:schemeClr val="bg1">
+                          <a:lumMod val="95000"/>
+                        </a:schemeClr>
+                      </a:solidFill>
+                      <a:prstDash val="solid"/>
+                      <a:round/>
+                      <a:headEnd type="none" w="med" len="med"/>
+                      <a:tailEnd type="none" w="med" len="med"/>
+                    </a:lnR>
+                    <a:lnT w="12700" cap="flat" cmpd="sng" algn="ctr">
+                      <a:solidFill>
+                        <a:schemeClr val="bg1">
+                          <a:lumMod val="95000"/>
+                        </a:schemeClr>
+                      </a:solidFill>
+                      <a:prstDash val="solid"/>
+                      <a:round/>
+                      <a:headEnd type="none" w="med" len="med"/>
+                      <a:tailEnd type="none" w="med" len="med"/>
+                    </a:lnT>
+                    <a:lnB w="12700" cap="flat" cmpd="sng" algn="ctr">
+                      <a:solidFill>
+                        <a:schemeClr val="bg1">
+                          <a:lumMod val="95000"/>
+                        </a:schemeClr>
+                      </a:solidFill>
+                      <a:prstDash val="solid"/>
+                      <a:round/>
+                      <a:headEnd type="none" w="med" len="med"/>
+                      <a:tailEnd type="none" w="med" len="med"/>
+                    </a:lnB>
+                    <a:solidFill>
+                      <a:schemeClr val="bg1"/>
+                    </a:solidFill>
+                  </a:tcPr>
                 </a:tc>
                 <a:extLst>
                   <a:ext uri="{0D108BD9-81ED-4DB2-BD59-A6C34878D82A}">
@@ -7588,38 +9426,86 @@
                   </a:ext>
                 </a:extLst>
               </a:tr>
-              <a:tr h="488034">
-                <a:tc>
+              <a:tr h="169104">
+                <a:tc vMerge="1">
                   <a:txBody>
                     <a:bodyPr/>
                     <a:lstStyle/>
                     <a:p>
-                      <a:pPr latinLnBrk="1"/>
+                      <a:pPr algn="ctr" latinLnBrk="1"/>
                       <a:endParaRPr lang="ko-KR" altLang="en-US" sz="800"/>
                     </a:p>
                   </a:txBody>
-                  <a:tcPr/>
+                  <a:tcPr anchor="ctr"/>
                 </a:tc>
                 <a:tc>
                   <a:txBody>
                     <a:bodyPr/>
                     <a:lstStyle/>
                     <a:p>
-                      <a:pPr latinLnBrk="1"/>
-                      <a:r>
-                        <a:rPr lang="ko-KR" altLang="en-US" sz="800"/>
+                      <a:pPr algn="ctr" latinLnBrk="1"/>
+                      <a:r>
+                        <a:rPr lang="ko-KR" altLang="en-US" sz="700"/>
                         <a:t>선물구성</a:t>
                       </a:r>
                     </a:p>
                   </a:txBody>
-                  <a:tcPr/>
+                  <a:tcPr anchor="ctr">
+                    <a:lnL w="12700" cap="flat" cmpd="sng" algn="ctr">
+                      <a:solidFill>
+                        <a:schemeClr val="bg1">
+                          <a:lumMod val="95000"/>
+                        </a:schemeClr>
+                      </a:solidFill>
+                      <a:prstDash val="solid"/>
+                      <a:round/>
+                      <a:headEnd type="none" w="med" len="med"/>
+                      <a:tailEnd type="none" w="med" len="med"/>
+                    </a:lnL>
+                    <a:lnR w="12700" cap="flat" cmpd="sng" algn="ctr">
+                      <a:solidFill>
+                        <a:schemeClr val="bg1">
+                          <a:lumMod val="95000"/>
+                        </a:schemeClr>
+                      </a:solidFill>
+                      <a:prstDash val="solid"/>
+                      <a:round/>
+                      <a:headEnd type="none" w="med" len="med"/>
+                      <a:tailEnd type="none" w="med" len="med"/>
+                    </a:lnR>
+                    <a:lnT w="12700" cap="flat" cmpd="sng" algn="ctr">
+                      <a:solidFill>
+                        <a:schemeClr val="bg1">
+                          <a:lumMod val="95000"/>
+                        </a:schemeClr>
+                      </a:solidFill>
+                      <a:prstDash val="solid"/>
+                      <a:round/>
+                      <a:headEnd type="none" w="med" len="med"/>
+                      <a:tailEnd type="none" w="med" len="med"/>
+                    </a:lnT>
+                    <a:lnB w="12700" cap="flat" cmpd="sng" algn="ctr">
+                      <a:solidFill>
+                        <a:schemeClr val="bg1">
+                          <a:lumMod val="95000"/>
+                        </a:schemeClr>
+                      </a:solidFill>
+                      <a:prstDash val="solid"/>
+                      <a:round/>
+                      <a:headEnd type="none" w="med" len="med"/>
+                      <a:tailEnd type="none" w="med" len="med"/>
+                    </a:lnB>
+                    <a:solidFill>
+                      <a:schemeClr val="bg1"/>
+                    </a:solidFill>
+                  </a:tcPr>
                 </a:tc>
                 <a:tc>
                   <a:txBody>
                     <a:bodyPr/>
                     <a:lstStyle/>
                     <a:p>
-                      <a:pPr marL="0" marR="0" lvl="0" indent="0" algn="l" defTabSz="914400" rtl="0" eaLnBrk="1" fontAlgn="auto" latinLnBrk="1" hangingPunct="1">
+                      <a:pPr marL="0" marR="0" lvl="0" indent="0" algn="ctr" defTabSz="914400" rtl="0" eaLnBrk="1" fontAlgn="auto" latinLnBrk="1" hangingPunct="1">
                         <a:lnSpc>
                           <a:spcPct val="100000"/>
                         </a:lnSpc>
@@ -7637,36 +9523,85 @@
                         <a:defRPr/>
                       </a:pPr>
                       <a:r>
-                        <a:rPr lang="ko-KR" altLang="en-US" sz="800"/>
+                        <a:rPr lang="ko-KR" altLang="en-US" sz="700"/>
                         <a:t>아이템</a:t>
                       </a:r>
                       <a:r>
-                        <a:rPr lang="en-US" altLang="ko-KR" sz="800"/>
+                        <a:rPr lang="en-US" altLang="ko-KR" sz="700"/>
                         <a:t>, </a:t>
                       </a:r>
                       <a:r>
-                        <a:rPr lang="ko-KR" altLang="en-US" sz="800"/>
+                        <a:rPr lang="ko-KR" altLang="en-US" sz="700"/>
                         <a:t>선물 구성</a:t>
                       </a:r>
                       <a:r>
-                        <a:rPr lang="en-US" altLang="ko-KR" sz="800"/>
+                        <a:rPr lang="en-US" altLang="ko-KR" sz="700"/>
+                        <a:t> </a:t>
+                      </a:r>
+                      <a:r>
+                        <a:rPr lang="ko-KR" altLang="en-US" sz="700"/>
+                        <a:t>변경</a:t>
+                      </a:r>
+                      <a:r>
+                        <a:rPr lang="en-US" altLang="ko-KR" sz="700"/>
                         <a:t>, </a:t>
                       </a:r>
                       <a:r>
-                        <a:rPr lang="ko-KR" altLang="en-US" sz="800"/>
-                        <a:t>엑스트라 머니 낼 수 있게</a:t>
-                      </a:r>
-                      <a:r>
-                        <a:rPr lang="en-US" altLang="ko-KR" sz="800"/>
-                        <a:t>~</a:t>
-                      </a:r>
-                    </a:p>
-                    <a:p>
-                      <a:pPr latinLnBrk="1"/>
-                      <a:endParaRPr lang="ko-KR" altLang="en-US" sz="800"/>
+                        <a:rPr lang="ko-KR" altLang="en-US" sz="700"/>
+                        <a:t>추가 후원금</a:t>
+                      </a:r>
+                      <a:endParaRPr lang="en-US" altLang="ko-KR" sz="700"/>
                     </a:p>
                   </a:txBody>
-                  <a:tcPr/>
+                  <a:tcPr anchor="ctr">
+                    <a:lnL w="12700" cap="flat" cmpd="sng" algn="ctr">
+                      <a:solidFill>
+                        <a:schemeClr val="bg1">
+                          <a:lumMod val="95000"/>
+                        </a:schemeClr>
+                      </a:solidFill>
+                      <a:prstDash val="solid"/>
+                      <a:round/>
+                      <a:headEnd type="none" w="med" len="med"/>
+                      <a:tailEnd type="none" w="med" len="med"/>
+                    </a:lnL>
+                    <a:lnR w="12700" cap="flat" cmpd="sng" algn="ctr">
+                      <a:solidFill>
+                        <a:schemeClr val="bg1">
+                          <a:lumMod val="95000"/>
+                        </a:schemeClr>
+                      </a:solidFill>
+                      <a:prstDash val="solid"/>
+                      <a:round/>
+                      <a:headEnd type="none" w="med" len="med"/>
+                      <a:tailEnd type="none" w="med" len="med"/>
+                    </a:lnR>
+                    <a:lnT w="12700" cap="flat" cmpd="sng" algn="ctr">
+                      <a:solidFill>
+                        <a:schemeClr val="bg1">
+                          <a:lumMod val="95000"/>
+                        </a:schemeClr>
+                      </a:solidFill>
+                      <a:prstDash val="solid"/>
+                      <a:round/>
+                      <a:headEnd type="none" w="med" len="med"/>
+                      <a:tailEnd type="none" w="med" len="med"/>
+                    </a:lnT>
+                    <a:lnB w="12700" cap="flat" cmpd="sng" algn="ctr">
+                      <a:solidFill>
+                        <a:schemeClr val="bg1">
+                          <a:lumMod val="95000"/>
+                        </a:schemeClr>
+                      </a:solidFill>
+                      <a:prstDash val="solid"/>
+                      <a:round/>
+                      <a:headEnd type="none" w="med" len="med"/>
+                      <a:tailEnd type="none" w="med" len="med"/>
+                    </a:lnB>
+                    <a:solidFill>
+                      <a:schemeClr val="bg1"/>
+                    </a:solidFill>
+                  </a:tcPr>
                 </a:tc>
                 <a:extLst>
                   <a:ext uri="{0D108BD9-81ED-4DB2-BD59-A6C34878D82A}">
@@ -7674,53 +9609,154 @@
                   </a:ext>
                 </a:extLst>
               </a:tr>
-              <a:tr h="366812">
-                <a:tc>
+              <a:tr h="165159">
+                <a:tc vMerge="1">
                   <a:txBody>
                     <a:bodyPr/>
                     <a:lstStyle/>
                     <a:p>
-                      <a:pPr latinLnBrk="1"/>
+                      <a:pPr algn="ctr" latinLnBrk="1"/>
                       <a:endParaRPr lang="ko-KR" altLang="en-US" sz="800"/>
                     </a:p>
                   </a:txBody>
-                  <a:tcPr/>
+                  <a:tcPr anchor="ctr"/>
                 </a:tc>
                 <a:tc>
                   <a:txBody>
                     <a:bodyPr/>
                     <a:lstStyle/>
                     <a:p>
-                      <a:pPr latinLnBrk="1"/>
-                      <a:r>
-                        <a:rPr lang="ko-KR" altLang="en-US" sz="800"/>
+                      <a:pPr algn="ctr" latinLnBrk="1"/>
+                      <a:r>
+                        <a:rPr lang="ko-KR" altLang="en-US" sz="700"/>
                         <a:t>후원하기</a:t>
                       </a:r>
                     </a:p>
                   </a:txBody>
-                  <a:tcPr/>
+                  <a:tcPr anchor="ctr">
+                    <a:lnL w="12700" cap="flat" cmpd="sng" algn="ctr">
+                      <a:solidFill>
+                        <a:schemeClr val="bg1">
+                          <a:lumMod val="95000"/>
+                        </a:schemeClr>
+                      </a:solidFill>
+                      <a:prstDash val="solid"/>
+                      <a:round/>
+                      <a:headEnd type="none" w="med" len="med"/>
+                      <a:tailEnd type="none" w="med" len="med"/>
+                    </a:lnL>
+                    <a:lnR w="12700" cap="flat" cmpd="sng" algn="ctr">
+                      <a:solidFill>
+                        <a:schemeClr val="bg1">
+                          <a:lumMod val="95000"/>
+                        </a:schemeClr>
+                      </a:solidFill>
+                      <a:prstDash val="solid"/>
+                      <a:round/>
+                      <a:headEnd type="none" w="med" len="med"/>
+                      <a:tailEnd type="none" w="med" len="med"/>
+                    </a:lnR>
+                    <a:lnT w="12700" cap="flat" cmpd="sng" algn="ctr">
+                      <a:solidFill>
+                        <a:schemeClr val="bg1">
+                          <a:lumMod val="95000"/>
+                        </a:schemeClr>
+                      </a:solidFill>
+                      <a:prstDash val="solid"/>
+                      <a:round/>
+                      <a:headEnd type="none" w="med" len="med"/>
+                      <a:tailEnd type="none" w="med" len="med"/>
+                    </a:lnT>
+                    <a:lnB w="12700" cap="flat" cmpd="sng" algn="ctr">
+                      <a:solidFill>
+                        <a:schemeClr val="bg1">
+                          <a:lumMod val="95000"/>
+                        </a:schemeClr>
+                      </a:solidFill>
+                      <a:prstDash val="solid"/>
+                      <a:round/>
+                      <a:headEnd type="none" w="med" len="med"/>
+                      <a:tailEnd type="none" w="med" len="med"/>
+                    </a:lnB>
+                    <a:solidFill>
+                      <a:schemeClr val="bg1"/>
+                    </a:solidFill>
+                  </a:tcPr>
                 </a:tc>
                 <a:tc>
                   <a:txBody>
                     <a:bodyPr/>
                     <a:lstStyle/>
                     <a:p>
-                      <a:pPr latinLnBrk="1"/>
-                      <a:r>
-                        <a:rPr lang="ko-KR" altLang="en-US" sz="800"/>
+                      <a:pPr algn="ctr" latinLnBrk="1"/>
+                      <a:r>
+                        <a:rPr lang="ko-KR" altLang="en-US" sz="700"/>
                         <a:t>배송지 선택</a:t>
                       </a:r>
                       <a:r>
-                        <a:rPr lang="en-US" altLang="ko-KR" sz="800"/>
+                        <a:rPr lang="en-US" altLang="ko-KR" sz="700"/>
                         <a:t>, </a:t>
                       </a:r>
                       <a:r>
-                        <a:rPr lang="ko-KR" altLang="en-US" sz="800"/>
-                        <a:t>결제</a:t>
-                      </a:r>
+                        <a:rPr lang="ko-KR" altLang="en-US" sz="700"/>
+                        <a:t>결제수단 변경</a:t>
+                      </a:r>
+                      <a:r>
+                        <a:rPr lang="en-US" altLang="ko-KR" sz="700"/>
+                        <a:t>, </a:t>
+                      </a:r>
+                      <a:endParaRPr lang="ko-KR" altLang="en-US" sz="700"/>
                     </a:p>
                   </a:txBody>
-                  <a:tcPr/>
+                  <a:tcPr anchor="ctr">
+                    <a:lnL w="12700" cap="flat" cmpd="sng" algn="ctr">
+                      <a:solidFill>
+                        <a:schemeClr val="bg1">
+                          <a:lumMod val="95000"/>
+                        </a:schemeClr>
+                      </a:solidFill>
+                      <a:prstDash val="solid"/>
+                      <a:round/>
+                      <a:headEnd type="none" w="med" len="med"/>
+                      <a:tailEnd type="none" w="med" len="med"/>
+                    </a:lnL>
+                    <a:lnR w="12700" cap="flat" cmpd="sng" algn="ctr">
+                      <a:solidFill>
+                        <a:schemeClr val="bg1">
+                          <a:lumMod val="95000"/>
+                        </a:schemeClr>
+                      </a:solidFill>
+                      <a:prstDash val="solid"/>
+                      <a:round/>
+                      <a:headEnd type="none" w="med" len="med"/>
+                      <a:tailEnd type="none" w="med" len="med"/>
+                    </a:lnR>
+                    <a:lnT w="12700" cap="flat" cmpd="sng" algn="ctr">
+                      <a:solidFill>
+                        <a:schemeClr val="bg1">
+                          <a:lumMod val="95000"/>
+                        </a:schemeClr>
+                      </a:solidFill>
+                      <a:prstDash val="solid"/>
+                      <a:round/>
+                      <a:headEnd type="none" w="med" len="med"/>
+                      <a:tailEnd type="none" w="med" len="med"/>
+                    </a:lnT>
+                    <a:lnB w="12700" cap="flat" cmpd="sng" algn="ctr">
+                      <a:solidFill>
+                        <a:schemeClr val="bg1">
+                          <a:lumMod val="95000"/>
+                        </a:schemeClr>
+                      </a:solidFill>
+                      <a:prstDash val="solid"/>
+                      <a:round/>
+                      <a:headEnd type="none" w="med" len="med"/>
+                      <a:tailEnd type="none" w="med" len="med"/>
+                    </a:lnB>
+                    <a:solidFill>
+                      <a:schemeClr val="bg1"/>
+                    </a:solidFill>
+                  </a:tcPr>
                 </a:tc>
                 <a:extLst>
                   <a:ext uri="{0D108BD9-81ED-4DB2-BD59-A6C34878D82A}">
@@ -7728,46 +9764,1436 @@
                   </a:ext>
                 </a:extLst>
               </a:tr>
-              <a:tr h="366812">
-                <a:tc>
+              <a:tr h="165159">
+                <a:tc vMerge="1">
                   <a:txBody>
                     <a:bodyPr/>
                     <a:lstStyle/>
                     <a:p>
-                      <a:pPr latinLnBrk="1"/>
-                      <a:r>
-                        <a:rPr lang="ko-KR" altLang="en-US" sz="800"/>
-                        <a:t>프로필</a:t>
-                      </a:r>
+                      <a:pPr algn="ctr" latinLnBrk="1"/>
+                      <a:endParaRPr lang="ko-KR" altLang="en-US" sz="800"/>
                     </a:p>
                   </a:txBody>
-                  <a:tcPr/>
+                  <a:tcPr anchor="ctr"/>
                 </a:tc>
                 <a:tc>
                   <a:txBody>
                     <a:bodyPr/>
                     <a:lstStyle/>
                     <a:p>
-                      <a:pPr latinLnBrk="1"/>
-                      <a:endParaRPr lang="ko-KR" altLang="en-US" sz="800"/>
+                      <a:pPr algn="ctr" latinLnBrk="1"/>
+                      <a:r>
+                        <a:rPr lang="ko-KR" altLang="en-US" sz="700"/>
+                        <a:t>프로젝트 올리기</a:t>
+                      </a:r>
+                      <a:endParaRPr lang="en-US" altLang="ko-KR" sz="700"/>
                     </a:p>
                   </a:txBody>
-                  <a:tcPr/>
+                  <a:tcPr anchor="ctr">
+                    <a:lnL w="12700" cap="flat" cmpd="sng" algn="ctr">
+                      <a:solidFill>
+                        <a:schemeClr val="bg1">
+                          <a:lumMod val="95000"/>
+                        </a:schemeClr>
+                      </a:solidFill>
+                      <a:prstDash val="solid"/>
+                      <a:round/>
+                      <a:headEnd type="none" w="med" len="med"/>
+                      <a:tailEnd type="none" w="med" len="med"/>
+                    </a:lnL>
+                    <a:lnR w="12700" cap="flat" cmpd="sng" algn="ctr">
+                      <a:solidFill>
+                        <a:schemeClr val="bg1">
+                          <a:lumMod val="95000"/>
+                        </a:schemeClr>
+                      </a:solidFill>
+                      <a:prstDash val="solid"/>
+                      <a:round/>
+                      <a:headEnd type="none" w="med" len="med"/>
+                      <a:tailEnd type="none" w="med" len="med"/>
+                    </a:lnR>
+                    <a:lnT w="12700" cap="flat" cmpd="sng" algn="ctr">
+                      <a:solidFill>
+                        <a:schemeClr val="bg1">
+                          <a:lumMod val="95000"/>
+                        </a:schemeClr>
+                      </a:solidFill>
+                      <a:prstDash val="solid"/>
+                      <a:round/>
+                      <a:headEnd type="none" w="med" len="med"/>
+                      <a:tailEnd type="none" w="med" len="med"/>
+                    </a:lnT>
+                    <a:lnB w="12700" cap="flat" cmpd="sng" algn="ctr">
+                      <a:solidFill>
+                        <a:schemeClr val="bg1">
+                          <a:lumMod val="95000"/>
+                        </a:schemeClr>
+                      </a:solidFill>
+                      <a:prstDash val="solid"/>
+                      <a:round/>
+                      <a:headEnd type="none" w="med" len="med"/>
+                      <a:tailEnd type="none" w="med" len="med"/>
+                    </a:lnB>
+                    <a:solidFill>
+                      <a:schemeClr val="bg1"/>
+                    </a:solidFill>
+                  </a:tcPr>
                 </a:tc>
                 <a:tc>
                   <a:txBody>
                     <a:bodyPr/>
                     <a:lstStyle/>
                     <a:p>
-                      <a:pPr latinLnBrk="1"/>
-                      <a:endParaRPr lang="ko-KR" altLang="en-US" sz="800"/>
+                      <a:pPr algn="ctr" latinLnBrk="1"/>
+                      <a:r>
+                        <a:rPr lang="ko-KR" altLang="en-US" sz="700"/>
+                        <a:t>프로젝트 생성</a:t>
+                      </a:r>
                     </a:p>
                   </a:txBody>
-                  <a:tcPr/>
+                  <a:tcPr anchor="ctr">
+                    <a:lnL w="12700" cap="flat" cmpd="sng" algn="ctr">
+                      <a:solidFill>
+                        <a:schemeClr val="bg1">
+                          <a:lumMod val="95000"/>
+                        </a:schemeClr>
+                      </a:solidFill>
+                      <a:prstDash val="solid"/>
+                      <a:round/>
+                      <a:headEnd type="none" w="med" len="med"/>
+                      <a:tailEnd type="none" w="med" len="med"/>
+                    </a:lnL>
+                    <a:lnR w="12700" cap="flat" cmpd="sng" algn="ctr">
+                      <a:solidFill>
+                        <a:schemeClr val="bg1">
+                          <a:lumMod val="95000"/>
+                        </a:schemeClr>
+                      </a:solidFill>
+                      <a:prstDash val="solid"/>
+                      <a:round/>
+                      <a:headEnd type="none" w="med" len="med"/>
+                      <a:tailEnd type="none" w="med" len="med"/>
+                    </a:lnR>
+                    <a:lnT w="12700" cap="flat" cmpd="sng" algn="ctr">
+                      <a:solidFill>
+                        <a:schemeClr val="bg1">
+                          <a:lumMod val="95000"/>
+                        </a:schemeClr>
+                      </a:solidFill>
+                      <a:prstDash val="solid"/>
+                      <a:round/>
+                      <a:headEnd type="none" w="med" len="med"/>
+                      <a:tailEnd type="none" w="med" len="med"/>
+                    </a:lnT>
+                    <a:lnB w="12700" cap="flat" cmpd="sng" algn="ctr">
+                      <a:solidFill>
+                        <a:schemeClr val="bg1">
+                          <a:lumMod val="95000"/>
+                        </a:schemeClr>
+                      </a:solidFill>
+                      <a:prstDash val="solid"/>
+                      <a:round/>
+                      <a:headEnd type="none" w="med" len="med"/>
+                      <a:tailEnd type="none" w="med" len="med"/>
+                    </a:lnB>
+                    <a:solidFill>
+                      <a:schemeClr val="bg1"/>
+                    </a:solidFill>
+                  </a:tcPr>
+                </a:tc>
+                <a:extLst>
+                  <a:ext uri="{0D108BD9-81ED-4DB2-BD59-A6C34878D82A}">
+                    <a16:rowId xmlns:a16="http://schemas.microsoft.com/office/drawing/2014/main" val="699622733"/>
+                  </a:ext>
+                </a:extLst>
+              </a:tr>
+              <a:tr h="165159">
+                <a:tc rowSpan="8">
+                  <a:txBody>
+                    <a:bodyPr/>
+                    <a:lstStyle/>
+                    <a:p>
+                      <a:pPr algn="ctr" latinLnBrk="1"/>
+                      <a:r>
+                        <a:rPr lang="ko-KR" altLang="en-US" sz="700" b="1"/>
+                        <a:t>프로필</a:t>
+                      </a:r>
+                    </a:p>
+                  </a:txBody>
+                  <a:tcPr anchor="ctr">
+                    <a:lnL w="12700" cap="flat" cmpd="sng" algn="ctr">
+                      <a:solidFill>
+                        <a:schemeClr val="bg1">
+                          <a:lumMod val="95000"/>
+                        </a:schemeClr>
+                      </a:solidFill>
+                      <a:prstDash val="solid"/>
+                      <a:round/>
+                      <a:headEnd type="none" w="med" len="med"/>
+                      <a:tailEnd type="none" w="med" len="med"/>
+                    </a:lnL>
+                    <a:lnR w="12700" cap="flat" cmpd="sng" algn="ctr">
+                      <a:solidFill>
+                        <a:schemeClr val="bg1">
+                          <a:lumMod val="95000"/>
+                        </a:schemeClr>
+                      </a:solidFill>
+                      <a:prstDash val="solid"/>
+                      <a:round/>
+                      <a:headEnd type="none" w="med" len="med"/>
+                      <a:tailEnd type="none" w="med" len="med"/>
+                    </a:lnR>
+                    <a:lnT w="12700" cap="flat" cmpd="sng" algn="ctr">
+                      <a:solidFill>
+                        <a:schemeClr val="bg1">
+                          <a:lumMod val="95000"/>
+                        </a:schemeClr>
+                      </a:solidFill>
+                      <a:prstDash val="solid"/>
+                      <a:round/>
+                      <a:headEnd type="none" w="med" len="med"/>
+                      <a:tailEnd type="none" w="med" len="med"/>
+                    </a:lnT>
+                    <a:lnB w="12700" cap="flat" cmpd="sng" algn="ctr">
+                      <a:solidFill>
+                        <a:schemeClr val="bg1">
+                          <a:lumMod val="95000"/>
+                        </a:schemeClr>
+                      </a:solidFill>
+                      <a:prstDash val="solid"/>
+                      <a:round/>
+                      <a:headEnd type="none" w="med" len="med"/>
+                      <a:tailEnd type="none" w="med" len="med"/>
+                    </a:lnB>
+                    <a:solidFill>
+                      <a:schemeClr val="bg1"/>
+                    </a:solidFill>
+                  </a:tcPr>
+                </a:tc>
+                <a:tc>
+                  <a:txBody>
+                    <a:bodyPr/>
+                    <a:lstStyle/>
+                    <a:p>
+                      <a:pPr algn="ctr" latinLnBrk="1"/>
+                      <a:r>
+                        <a:rPr lang="ko-KR" altLang="en-US" sz="700"/>
+                        <a:t>후원현황</a:t>
+                      </a:r>
+                      <a:endParaRPr lang="en-US" altLang="ko-KR" sz="700"/>
+                    </a:p>
+                  </a:txBody>
+                  <a:tcPr anchor="ctr">
+                    <a:lnL w="12700" cap="flat" cmpd="sng" algn="ctr">
+                      <a:solidFill>
+                        <a:schemeClr val="bg1">
+                          <a:lumMod val="95000"/>
+                        </a:schemeClr>
+                      </a:solidFill>
+                      <a:prstDash val="solid"/>
+                      <a:round/>
+                      <a:headEnd type="none" w="med" len="med"/>
+                      <a:tailEnd type="none" w="med" len="med"/>
+                    </a:lnL>
+                    <a:lnR w="12700" cap="flat" cmpd="sng" algn="ctr">
+                      <a:solidFill>
+                        <a:schemeClr val="bg1">
+                          <a:lumMod val="95000"/>
+                        </a:schemeClr>
+                      </a:solidFill>
+                      <a:prstDash val="solid"/>
+                      <a:round/>
+                      <a:headEnd type="none" w="med" len="med"/>
+                      <a:tailEnd type="none" w="med" len="med"/>
+                    </a:lnR>
+                    <a:lnT w="12700" cap="flat" cmpd="sng" algn="ctr">
+                      <a:solidFill>
+                        <a:schemeClr val="bg1">
+                          <a:lumMod val="95000"/>
+                        </a:schemeClr>
+                      </a:solidFill>
+                      <a:prstDash val="solid"/>
+                      <a:round/>
+                      <a:headEnd type="none" w="med" len="med"/>
+                      <a:tailEnd type="none" w="med" len="med"/>
+                    </a:lnT>
+                    <a:lnB w="12700" cap="flat" cmpd="sng" algn="ctr">
+                      <a:solidFill>
+                        <a:schemeClr val="bg1">
+                          <a:lumMod val="95000"/>
+                        </a:schemeClr>
+                      </a:solidFill>
+                      <a:prstDash val="solid"/>
+                      <a:round/>
+                      <a:headEnd type="none" w="med" len="med"/>
+                      <a:tailEnd type="none" w="med" len="med"/>
+                    </a:lnB>
+                    <a:solidFill>
+                      <a:schemeClr val="bg1"/>
+                    </a:solidFill>
+                  </a:tcPr>
+                </a:tc>
+                <a:tc>
+                  <a:txBody>
+                    <a:bodyPr/>
+                    <a:lstStyle/>
+                    <a:p>
+                      <a:pPr algn="ctr" latinLnBrk="1"/>
+                      <a:r>
+                        <a:rPr lang="ko-KR" altLang="en-US" sz="700"/>
+                        <a:t>후원현황 리스트 출력</a:t>
+                      </a:r>
+                      <a:r>
+                        <a:rPr lang="en-US" altLang="ko-KR" sz="700"/>
+                        <a:t>, </a:t>
+                      </a:r>
+                      <a:r>
+                        <a:rPr lang="ko-KR" altLang="en-US" sz="700"/>
+                        <a:t>프로젝트 검색</a:t>
+                      </a:r>
+                      <a:r>
+                        <a:rPr lang="en-US" altLang="ko-KR" sz="700"/>
+                        <a:t>,</a:t>
+                      </a:r>
+                      <a:endParaRPr lang="ko-KR" altLang="en-US" sz="700"/>
+                    </a:p>
+                  </a:txBody>
+                  <a:tcPr anchor="ctr">
+                    <a:lnL w="12700" cap="flat" cmpd="sng" algn="ctr">
+                      <a:solidFill>
+                        <a:schemeClr val="bg1">
+                          <a:lumMod val="95000"/>
+                        </a:schemeClr>
+                      </a:solidFill>
+                      <a:prstDash val="solid"/>
+                      <a:round/>
+                      <a:headEnd type="none" w="med" len="med"/>
+                      <a:tailEnd type="none" w="med" len="med"/>
+                    </a:lnL>
+                    <a:lnR w="12700" cap="flat" cmpd="sng" algn="ctr">
+                      <a:solidFill>
+                        <a:schemeClr val="bg1">
+                          <a:lumMod val="95000"/>
+                        </a:schemeClr>
+                      </a:solidFill>
+                      <a:prstDash val="solid"/>
+                      <a:round/>
+                      <a:headEnd type="none" w="med" len="med"/>
+                      <a:tailEnd type="none" w="med" len="med"/>
+                    </a:lnR>
+                    <a:lnT w="12700" cap="flat" cmpd="sng" algn="ctr">
+                      <a:solidFill>
+                        <a:schemeClr val="bg1">
+                          <a:lumMod val="95000"/>
+                        </a:schemeClr>
+                      </a:solidFill>
+                      <a:prstDash val="solid"/>
+                      <a:round/>
+                      <a:headEnd type="none" w="med" len="med"/>
+                      <a:tailEnd type="none" w="med" len="med"/>
+                    </a:lnT>
+                    <a:lnB w="12700" cap="flat" cmpd="sng" algn="ctr">
+                      <a:solidFill>
+                        <a:schemeClr val="bg1">
+                          <a:lumMod val="95000"/>
+                        </a:schemeClr>
+                      </a:solidFill>
+                      <a:prstDash val="solid"/>
+                      <a:round/>
+                      <a:headEnd type="none" w="med" len="med"/>
+                      <a:tailEnd type="none" w="med" len="med"/>
+                    </a:lnB>
+                    <a:solidFill>
+                      <a:schemeClr val="bg1"/>
+                    </a:solidFill>
+                  </a:tcPr>
                 </a:tc>
                 <a:extLst>
                   <a:ext uri="{0D108BD9-81ED-4DB2-BD59-A6C34878D82A}">
                     <a16:rowId xmlns:a16="http://schemas.microsoft.com/office/drawing/2014/main" val="3647042685"/>
+                  </a:ext>
+                </a:extLst>
+              </a:tr>
+              <a:tr h="165159">
+                <a:tc vMerge="1">
+                  <a:txBody>
+                    <a:bodyPr/>
+                    <a:lstStyle/>
+                    <a:p>
+                      <a:pPr algn="ctr" latinLnBrk="1"/>
+                      <a:endParaRPr lang="ko-KR" altLang="en-US" sz="800"/>
+                    </a:p>
+                  </a:txBody>
+                  <a:tcPr anchor="ctr"/>
+                </a:tc>
+                <a:tc>
+                  <a:txBody>
+                    <a:bodyPr/>
+                    <a:lstStyle/>
+                    <a:p>
+                      <a:pPr algn="ctr" latinLnBrk="1"/>
+                      <a:r>
+                        <a:rPr lang="ko-KR" altLang="en-US" sz="700"/>
+                        <a:t>관심 프로젝트</a:t>
+                      </a:r>
+                    </a:p>
+                  </a:txBody>
+                  <a:tcPr anchor="ctr">
+                    <a:lnL w="12700" cap="flat" cmpd="sng" algn="ctr">
+                      <a:solidFill>
+                        <a:schemeClr val="bg1">
+                          <a:lumMod val="95000"/>
+                        </a:schemeClr>
+                      </a:solidFill>
+                      <a:prstDash val="solid"/>
+                      <a:round/>
+                      <a:headEnd type="none" w="med" len="med"/>
+                      <a:tailEnd type="none" w="med" len="med"/>
+                    </a:lnL>
+                    <a:lnR w="12700" cap="flat" cmpd="sng" algn="ctr">
+                      <a:solidFill>
+                        <a:schemeClr val="bg1">
+                          <a:lumMod val="95000"/>
+                        </a:schemeClr>
+                      </a:solidFill>
+                      <a:prstDash val="solid"/>
+                      <a:round/>
+                      <a:headEnd type="none" w="med" len="med"/>
+                      <a:tailEnd type="none" w="med" len="med"/>
+                    </a:lnR>
+                    <a:lnT w="12700" cap="flat" cmpd="sng" algn="ctr">
+                      <a:solidFill>
+                        <a:schemeClr val="bg1">
+                          <a:lumMod val="95000"/>
+                        </a:schemeClr>
+                      </a:solidFill>
+                      <a:prstDash val="solid"/>
+                      <a:round/>
+                      <a:headEnd type="none" w="med" len="med"/>
+                      <a:tailEnd type="none" w="med" len="med"/>
+                    </a:lnT>
+                    <a:lnB w="12700" cap="flat" cmpd="sng" algn="ctr">
+                      <a:solidFill>
+                        <a:schemeClr val="bg1">
+                          <a:lumMod val="95000"/>
+                        </a:schemeClr>
+                      </a:solidFill>
+                      <a:prstDash val="solid"/>
+                      <a:round/>
+                      <a:headEnd type="none" w="med" len="med"/>
+                      <a:tailEnd type="none" w="med" len="med"/>
+                    </a:lnB>
+                    <a:solidFill>
+                      <a:schemeClr val="bg1"/>
+                    </a:solidFill>
+                  </a:tcPr>
+                </a:tc>
+                <a:tc>
+                  <a:txBody>
+                    <a:bodyPr/>
+                    <a:lstStyle/>
+                    <a:p>
+                      <a:pPr algn="ctr" latinLnBrk="1"/>
+                      <a:r>
+                        <a:rPr lang="ko-KR" altLang="en-US" sz="700"/>
+                        <a:t>좋아요</a:t>
+                      </a:r>
+                      <a:r>
+                        <a:rPr lang="en-US" altLang="ko-KR" sz="700"/>
+                        <a:t>, </a:t>
+                      </a:r>
+                      <a:r>
+                        <a:rPr lang="ko-KR" altLang="en-US" sz="700"/>
+                        <a:t>알림신청 프로젝트 리스트 출력</a:t>
+                      </a:r>
+                      <a:r>
+                        <a:rPr lang="en-US" altLang="ko-KR" sz="700"/>
+                        <a:t>, </a:t>
+                      </a:r>
+                      <a:r>
+                        <a:rPr lang="ko-KR" altLang="en-US" sz="700"/>
+                        <a:t>추가</a:t>
+                      </a:r>
+                    </a:p>
+                  </a:txBody>
+                  <a:tcPr anchor="ctr">
+                    <a:lnL w="12700" cap="flat" cmpd="sng" algn="ctr">
+                      <a:solidFill>
+                        <a:schemeClr val="bg1">
+                          <a:lumMod val="95000"/>
+                        </a:schemeClr>
+                      </a:solidFill>
+                      <a:prstDash val="solid"/>
+                      <a:round/>
+                      <a:headEnd type="none" w="med" len="med"/>
+                      <a:tailEnd type="none" w="med" len="med"/>
+                    </a:lnL>
+                    <a:lnR w="12700" cap="flat" cmpd="sng" algn="ctr">
+                      <a:solidFill>
+                        <a:schemeClr val="bg1">
+                          <a:lumMod val="95000"/>
+                        </a:schemeClr>
+                      </a:solidFill>
+                      <a:prstDash val="solid"/>
+                      <a:round/>
+                      <a:headEnd type="none" w="med" len="med"/>
+                      <a:tailEnd type="none" w="med" len="med"/>
+                    </a:lnR>
+                    <a:lnT w="12700" cap="flat" cmpd="sng" algn="ctr">
+                      <a:solidFill>
+                        <a:schemeClr val="bg1">
+                          <a:lumMod val="95000"/>
+                        </a:schemeClr>
+                      </a:solidFill>
+                      <a:prstDash val="solid"/>
+                      <a:round/>
+                      <a:headEnd type="none" w="med" len="med"/>
+                      <a:tailEnd type="none" w="med" len="med"/>
+                    </a:lnT>
+                    <a:lnB w="12700" cap="flat" cmpd="sng" algn="ctr">
+                      <a:solidFill>
+                        <a:schemeClr val="bg1">
+                          <a:lumMod val="95000"/>
+                        </a:schemeClr>
+                      </a:solidFill>
+                      <a:prstDash val="solid"/>
+                      <a:round/>
+                      <a:headEnd type="none" w="med" len="med"/>
+                      <a:tailEnd type="none" w="med" len="med"/>
+                    </a:lnB>
+                    <a:solidFill>
+                      <a:schemeClr val="bg1"/>
+                    </a:solidFill>
+                  </a:tcPr>
+                </a:tc>
+                <a:extLst>
+                  <a:ext uri="{0D108BD9-81ED-4DB2-BD59-A6C34878D82A}">
+                    <a16:rowId xmlns:a16="http://schemas.microsoft.com/office/drawing/2014/main" val="115352240"/>
+                  </a:ext>
+                </a:extLst>
+              </a:tr>
+              <a:tr h="165159">
+                <a:tc vMerge="1">
+                  <a:txBody>
+                    <a:bodyPr/>
+                    <a:lstStyle/>
+                    <a:p>
+                      <a:pPr algn="ctr" latinLnBrk="1"/>
+                      <a:endParaRPr lang="ko-KR" altLang="en-US" sz="800"/>
+                    </a:p>
+                  </a:txBody>
+                  <a:tcPr anchor="ctr"/>
+                </a:tc>
+                <a:tc>
+                  <a:txBody>
+                    <a:bodyPr/>
+                    <a:lstStyle/>
+                    <a:p>
+                      <a:pPr algn="ctr" latinLnBrk="1"/>
+                      <a:r>
+                        <a:rPr lang="ko-KR" altLang="en-US" sz="700"/>
+                        <a:t>만든 프로젝트</a:t>
+                      </a:r>
+                    </a:p>
+                  </a:txBody>
+                  <a:tcPr anchor="ctr">
+                    <a:lnL w="12700" cap="flat" cmpd="sng" algn="ctr">
+                      <a:solidFill>
+                        <a:schemeClr val="bg1">
+                          <a:lumMod val="95000"/>
+                        </a:schemeClr>
+                      </a:solidFill>
+                      <a:prstDash val="solid"/>
+                      <a:round/>
+                      <a:headEnd type="none" w="med" len="med"/>
+                      <a:tailEnd type="none" w="med" len="med"/>
+                    </a:lnL>
+                    <a:lnR w="12700" cap="flat" cmpd="sng" algn="ctr">
+                      <a:solidFill>
+                        <a:schemeClr val="bg1">
+                          <a:lumMod val="95000"/>
+                        </a:schemeClr>
+                      </a:solidFill>
+                      <a:prstDash val="solid"/>
+                      <a:round/>
+                      <a:headEnd type="none" w="med" len="med"/>
+                      <a:tailEnd type="none" w="med" len="med"/>
+                    </a:lnR>
+                    <a:lnT w="12700" cap="flat" cmpd="sng" algn="ctr">
+                      <a:solidFill>
+                        <a:schemeClr val="bg1">
+                          <a:lumMod val="95000"/>
+                        </a:schemeClr>
+                      </a:solidFill>
+                      <a:prstDash val="solid"/>
+                      <a:round/>
+                      <a:headEnd type="none" w="med" len="med"/>
+                      <a:tailEnd type="none" w="med" len="med"/>
+                    </a:lnT>
+                    <a:lnB w="12700" cap="flat" cmpd="sng" algn="ctr">
+                      <a:solidFill>
+                        <a:schemeClr val="bg1">
+                          <a:lumMod val="95000"/>
+                        </a:schemeClr>
+                      </a:solidFill>
+                      <a:prstDash val="solid"/>
+                      <a:round/>
+                      <a:headEnd type="none" w="med" len="med"/>
+                      <a:tailEnd type="none" w="med" len="med"/>
+                    </a:lnB>
+                    <a:solidFill>
+                      <a:schemeClr val="bg1"/>
+                    </a:solidFill>
+                  </a:tcPr>
+                </a:tc>
+                <a:tc>
+                  <a:txBody>
+                    <a:bodyPr/>
+                    <a:lstStyle/>
+                    <a:p>
+                      <a:pPr algn="ctr" latinLnBrk="1"/>
+                      <a:r>
+                        <a:rPr lang="ko-KR" altLang="en-US" sz="700"/>
+                        <a:t>프로젝트 상태 출력</a:t>
+                      </a:r>
+                      <a:r>
+                        <a:rPr lang="en-US" altLang="ko-KR" sz="700"/>
+                        <a:t>, </a:t>
+                      </a:r>
+                      <a:r>
+                        <a:rPr lang="ko-KR" altLang="en-US" sz="700"/>
+                        <a:t>프로젝트 수정 삭제</a:t>
+                      </a:r>
+                    </a:p>
+                  </a:txBody>
+                  <a:tcPr anchor="ctr">
+                    <a:lnL w="12700" cap="flat" cmpd="sng" algn="ctr">
+                      <a:solidFill>
+                        <a:schemeClr val="bg1">
+                          <a:lumMod val="95000"/>
+                        </a:schemeClr>
+                      </a:solidFill>
+                      <a:prstDash val="solid"/>
+                      <a:round/>
+                      <a:headEnd type="none" w="med" len="med"/>
+                      <a:tailEnd type="none" w="med" len="med"/>
+                    </a:lnL>
+                    <a:lnR w="12700" cap="flat" cmpd="sng" algn="ctr">
+                      <a:solidFill>
+                        <a:schemeClr val="bg1">
+                          <a:lumMod val="95000"/>
+                        </a:schemeClr>
+                      </a:solidFill>
+                      <a:prstDash val="solid"/>
+                      <a:round/>
+                      <a:headEnd type="none" w="med" len="med"/>
+                      <a:tailEnd type="none" w="med" len="med"/>
+                    </a:lnR>
+                    <a:lnT w="12700" cap="flat" cmpd="sng" algn="ctr">
+                      <a:solidFill>
+                        <a:schemeClr val="bg1">
+                          <a:lumMod val="95000"/>
+                        </a:schemeClr>
+                      </a:solidFill>
+                      <a:prstDash val="solid"/>
+                      <a:round/>
+                      <a:headEnd type="none" w="med" len="med"/>
+                      <a:tailEnd type="none" w="med" len="med"/>
+                    </a:lnT>
+                    <a:lnB w="12700" cap="flat" cmpd="sng" algn="ctr">
+                      <a:solidFill>
+                        <a:schemeClr val="bg1">
+                          <a:lumMod val="95000"/>
+                        </a:schemeClr>
+                      </a:solidFill>
+                      <a:prstDash val="solid"/>
+                      <a:round/>
+                      <a:headEnd type="none" w="med" len="med"/>
+                      <a:tailEnd type="none" w="med" len="med"/>
+                    </a:lnB>
+                    <a:solidFill>
+                      <a:schemeClr val="bg1"/>
+                    </a:solidFill>
+                  </a:tcPr>
+                </a:tc>
+                <a:extLst>
+                  <a:ext uri="{0D108BD9-81ED-4DB2-BD59-A6C34878D82A}">
+                    <a16:rowId xmlns:a16="http://schemas.microsoft.com/office/drawing/2014/main" val="752477990"/>
+                  </a:ext>
+                </a:extLst>
+              </a:tr>
+              <a:tr h="165159">
+                <a:tc vMerge="1">
+                  <a:txBody>
+                    <a:bodyPr/>
+                    <a:lstStyle/>
+                    <a:p>
+                      <a:pPr algn="ctr" latinLnBrk="1"/>
+                      <a:endParaRPr lang="ko-KR" altLang="en-US" sz="800"/>
+                    </a:p>
+                  </a:txBody>
+                  <a:tcPr anchor="ctr"/>
+                </a:tc>
+                <a:tc>
+                  <a:txBody>
+                    <a:bodyPr/>
+                    <a:lstStyle/>
+                    <a:p>
+                      <a:pPr algn="ctr" latinLnBrk="1"/>
+                      <a:r>
+                        <a:rPr lang="ko-KR" altLang="en-US" sz="700"/>
+                        <a:t>팔로우</a:t>
+                      </a:r>
+                    </a:p>
+                  </a:txBody>
+                  <a:tcPr anchor="ctr">
+                    <a:lnL w="12700" cap="flat" cmpd="sng" algn="ctr">
+                      <a:solidFill>
+                        <a:schemeClr val="bg1">
+                          <a:lumMod val="95000"/>
+                        </a:schemeClr>
+                      </a:solidFill>
+                      <a:prstDash val="solid"/>
+                      <a:round/>
+                      <a:headEnd type="none" w="med" len="med"/>
+                      <a:tailEnd type="none" w="med" len="med"/>
+                    </a:lnL>
+                    <a:lnR w="12700" cap="flat" cmpd="sng" algn="ctr">
+                      <a:solidFill>
+                        <a:schemeClr val="bg1">
+                          <a:lumMod val="95000"/>
+                        </a:schemeClr>
+                      </a:solidFill>
+                      <a:prstDash val="solid"/>
+                      <a:round/>
+                      <a:headEnd type="none" w="med" len="med"/>
+                      <a:tailEnd type="none" w="med" len="med"/>
+                    </a:lnR>
+                    <a:lnT w="12700" cap="flat" cmpd="sng" algn="ctr">
+                      <a:solidFill>
+                        <a:schemeClr val="bg1">
+                          <a:lumMod val="95000"/>
+                        </a:schemeClr>
+                      </a:solidFill>
+                      <a:prstDash val="solid"/>
+                      <a:round/>
+                      <a:headEnd type="none" w="med" len="med"/>
+                      <a:tailEnd type="none" w="med" len="med"/>
+                    </a:lnT>
+                    <a:lnB w="12700" cap="flat" cmpd="sng" algn="ctr">
+                      <a:solidFill>
+                        <a:schemeClr val="bg1">
+                          <a:lumMod val="95000"/>
+                        </a:schemeClr>
+                      </a:solidFill>
+                      <a:prstDash val="solid"/>
+                      <a:round/>
+                      <a:headEnd type="none" w="med" len="med"/>
+                      <a:tailEnd type="none" w="med" len="med"/>
+                    </a:lnB>
+                    <a:solidFill>
+                      <a:schemeClr val="bg1"/>
+                    </a:solidFill>
+                  </a:tcPr>
+                </a:tc>
+                <a:tc>
+                  <a:txBody>
+                    <a:bodyPr/>
+                    <a:lstStyle/>
+                    <a:p>
+                      <a:pPr algn="ctr" latinLnBrk="1"/>
+                      <a:r>
+                        <a:rPr lang="ko-KR" altLang="en-US" sz="700"/>
+                        <a:t>팔로잉</a:t>
+                      </a:r>
+                      <a:r>
+                        <a:rPr lang="en-US" altLang="ko-KR" sz="700"/>
+                        <a:t>/</a:t>
+                      </a:r>
+                      <a:r>
+                        <a:rPr lang="ko-KR" altLang="en-US" sz="700"/>
+                        <a:t>팔로우 유저 리스트 출력</a:t>
+                      </a:r>
+                    </a:p>
+                  </a:txBody>
+                  <a:tcPr anchor="ctr">
+                    <a:lnL w="12700" cap="flat" cmpd="sng" algn="ctr">
+                      <a:solidFill>
+                        <a:schemeClr val="bg1">
+                          <a:lumMod val="95000"/>
+                        </a:schemeClr>
+                      </a:solidFill>
+                      <a:prstDash val="solid"/>
+                      <a:round/>
+                      <a:headEnd type="none" w="med" len="med"/>
+                      <a:tailEnd type="none" w="med" len="med"/>
+                    </a:lnL>
+                    <a:lnR w="12700" cap="flat" cmpd="sng" algn="ctr">
+                      <a:solidFill>
+                        <a:schemeClr val="bg1">
+                          <a:lumMod val="95000"/>
+                        </a:schemeClr>
+                      </a:solidFill>
+                      <a:prstDash val="solid"/>
+                      <a:round/>
+                      <a:headEnd type="none" w="med" len="med"/>
+                      <a:tailEnd type="none" w="med" len="med"/>
+                    </a:lnR>
+                    <a:lnT w="12700" cap="flat" cmpd="sng" algn="ctr">
+                      <a:solidFill>
+                        <a:schemeClr val="bg1">
+                          <a:lumMod val="95000"/>
+                        </a:schemeClr>
+                      </a:solidFill>
+                      <a:prstDash val="solid"/>
+                      <a:round/>
+                      <a:headEnd type="none" w="med" len="med"/>
+                      <a:tailEnd type="none" w="med" len="med"/>
+                    </a:lnT>
+                    <a:lnB w="12700" cap="flat" cmpd="sng" algn="ctr">
+                      <a:solidFill>
+                        <a:schemeClr val="bg1">
+                          <a:lumMod val="95000"/>
+                        </a:schemeClr>
+                      </a:solidFill>
+                      <a:prstDash val="solid"/>
+                      <a:round/>
+                      <a:headEnd type="none" w="med" len="med"/>
+                      <a:tailEnd type="none" w="med" len="med"/>
+                    </a:lnB>
+                    <a:solidFill>
+                      <a:schemeClr val="bg1"/>
+                    </a:solidFill>
+                  </a:tcPr>
+                </a:tc>
+                <a:extLst>
+                  <a:ext uri="{0D108BD9-81ED-4DB2-BD59-A6C34878D82A}">
+                    <a16:rowId xmlns:a16="http://schemas.microsoft.com/office/drawing/2014/main" val="358001633"/>
+                  </a:ext>
+                </a:extLst>
+              </a:tr>
+              <a:tr h="165159">
+                <a:tc vMerge="1">
+                  <a:txBody>
+                    <a:bodyPr/>
+                    <a:lstStyle/>
+                    <a:p>
+                      <a:pPr algn="ctr" latinLnBrk="1"/>
+                      <a:endParaRPr lang="ko-KR" altLang="en-US" sz="800"/>
+                    </a:p>
+                  </a:txBody>
+                  <a:tcPr anchor="ctr"/>
+                </a:tc>
+                <a:tc>
+                  <a:txBody>
+                    <a:bodyPr/>
+                    <a:lstStyle/>
+                    <a:p>
+                      <a:pPr algn="ctr" latinLnBrk="1"/>
+                      <a:r>
+                        <a:rPr lang="ko-KR" altLang="en-US" sz="700"/>
+                        <a:t>알림</a:t>
+                      </a:r>
+                    </a:p>
+                  </a:txBody>
+                  <a:tcPr anchor="ctr">
+                    <a:lnL w="12700" cap="flat" cmpd="sng" algn="ctr">
+                      <a:solidFill>
+                        <a:schemeClr val="bg1">
+                          <a:lumMod val="95000"/>
+                        </a:schemeClr>
+                      </a:solidFill>
+                      <a:prstDash val="solid"/>
+                      <a:round/>
+                      <a:headEnd type="none" w="med" len="med"/>
+                      <a:tailEnd type="none" w="med" len="med"/>
+                    </a:lnL>
+                    <a:lnR w="12700" cap="flat" cmpd="sng" algn="ctr">
+                      <a:solidFill>
+                        <a:schemeClr val="bg1">
+                          <a:lumMod val="95000"/>
+                        </a:schemeClr>
+                      </a:solidFill>
+                      <a:prstDash val="solid"/>
+                      <a:round/>
+                      <a:headEnd type="none" w="med" len="med"/>
+                      <a:tailEnd type="none" w="med" len="med"/>
+                    </a:lnR>
+                    <a:lnT w="12700" cap="flat" cmpd="sng" algn="ctr">
+                      <a:solidFill>
+                        <a:schemeClr val="bg1">
+                          <a:lumMod val="95000"/>
+                        </a:schemeClr>
+                      </a:solidFill>
+                      <a:prstDash val="solid"/>
+                      <a:round/>
+                      <a:headEnd type="none" w="med" len="med"/>
+                      <a:tailEnd type="none" w="med" len="med"/>
+                    </a:lnT>
+                    <a:lnB w="12700" cap="flat" cmpd="sng" algn="ctr">
+                      <a:solidFill>
+                        <a:schemeClr val="bg1">
+                          <a:lumMod val="95000"/>
+                        </a:schemeClr>
+                      </a:solidFill>
+                      <a:prstDash val="solid"/>
+                      <a:round/>
+                      <a:headEnd type="none" w="med" len="med"/>
+                      <a:tailEnd type="none" w="med" len="med"/>
+                    </a:lnB>
+                    <a:solidFill>
+                      <a:schemeClr val="bg1"/>
+                    </a:solidFill>
+                  </a:tcPr>
+                </a:tc>
+                <a:tc>
+                  <a:txBody>
+                    <a:bodyPr/>
+                    <a:lstStyle/>
+                    <a:p>
+                      <a:pPr algn="ctr" latinLnBrk="1"/>
+                      <a:r>
+                        <a:rPr lang="ko-KR" altLang="en-US" sz="700"/>
+                        <a:t>활동</a:t>
+                      </a:r>
+                      <a:r>
+                        <a:rPr lang="en-US" altLang="ko-KR" sz="700"/>
+                        <a:t>·</a:t>
+                      </a:r>
+                      <a:r>
+                        <a:rPr lang="ko-KR" altLang="en-US" sz="700"/>
+                        <a:t>프로젝트 알림 리스트 출력</a:t>
+                      </a:r>
+                      <a:r>
+                        <a:rPr lang="en-US" altLang="ko-KR" sz="700"/>
+                        <a:t>, </a:t>
+                      </a:r>
+                      <a:r>
+                        <a:rPr lang="ko-KR" altLang="en-US" sz="700"/>
+                        <a:t>알림 삭제</a:t>
+                      </a:r>
+                    </a:p>
+                  </a:txBody>
+                  <a:tcPr anchor="ctr">
+                    <a:lnL w="12700" cap="flat" cmpd="sng" algn="ctr">
+                      <a:solidFill>
+                        <a:schemeClr val="bg1">
+                          <a:lumMod val="95000"/>
+                        </a:schemeClr>
+                      </a:solidFill>
+                      <a:prstDash val="solid"/>
+                      <a:round/>
+                      <a:headEnd type="none" w="med" len="med"/>
+                      <a:tailEnd type="none" w="med" len="med"/>
+                    </a:lnL>
+                    <a:lnR w="12700" cap="flat" cmpd="sng" algn="ctr">
+                      <a:solidFill>
+                        <a:schemeClr val="bg1">
+                          <a:lumMod val="95000"/>
+                        </a:schemeClr>
+                      </a:solidFill>
+                      <a:prstDash val="solid"/>
+                      <a:round/>
+                      <a:headEnd type="none" w="med" len="med"/>
+                      <a:tailEnd type="none" w="med" len="med"/>
+                    </a:lnR>
+                    <a:lnT w="12700" cap="flat" cmpd="sng" algn="ctr">
+                      <a:solidFill>
+                        <a:schemeClr val="bg1">
+                          <a:lumMod val="95000"/>
+                        </a:schemeClr>
+                      </a:solidFill>
+                      <a:prstDash val="solid"/>
+                      <a:round/>
+                      <a:headEnd type="none" w="med" len="med"/>
+                      <a:tailEnd type="none" w="med" len="med"/>
+                    </a:lnT>
+                    <a:lnB w="12700" cap="flat" cmpd="sng" algn="ctr">
+                      <a:solidFill>
+                        <a:schemeClr val="bg1">
+                          <a:lumMod val="95000"/>
+                        </a:schemeClr>
+                      </a:solidFill>
+                      <a:prstDash val="solid"/>
+                      <a:round/>
+                      <a:headEnd type="none" w="med" len="med"/>
+                      <a:tailEnd type="none" w="med" len="med"/>
+                    </a:lnB>
+                    <a:solidFill>
+                      <a:schemeClr val="bg1"/>
+                    </a:solidFill>
+                  </a:tcPr>
+                </a:tc>
+                <a:extLst>
+                  <a:ext uri="{0D108BD9-81ED-4DB2-BD59-A6C34878D82A}">
+                    <a16:rowId xmlns:a16="http://schemas.microsoft.com/office/drawing/2014/main" val="2036764285"/>
+                  </a:ext>
+                </a:extLst>
+              </a:tr>
+              <a:tr h="165159">
+                <a:tc vMerge="1">
+                  <a:txBody>
+                    <a:bodyPr/>
+                    <a:lstStyle/>
+                    <a:p>
+                      <a:pPr algn="ctr" latinLnBrk="1"/>
+                      <a:endParaRPr lang="ko-KR" altLang="en-US" sz="800"/>
+                    </a:p>
+                  </a:txBody>
+                  <a:tcPr anchor="ctr"/>
+                </a:tc>
+                <a:tc>
+                  <a:txBody>
+                    <a:bodyPr/>
+                    <a:lstStyle/>
+                    <a:p>
+                      <a:pPr algn="ctr" latinLnBrk="1"/>
+                      <a:r>
+                        <a:rPr lang="ko-KR" altLang="en-US" sz="700"/>
+                        <a:t>메시지</a:t>
+                      </a:r>
+                    </a:p>
+                  </a:txBody>
+                  <a:tcPr anchor="ctr">
+                    <a:lnL w="12700" cap="flat" cmpd="sng" algn="ctr">
+                      <a:solidFill>
+                        <a:schemeClr val="bg1">
+                          <a:lumMod val="95000"/>
+                        </a:schemeClr>
+                      </a:solidFill>
+                      <a:prstDash val="solid"/>
+                      <a:round/>
+                      <a:headEnd type="none" w="med" len="med"/>
+                      <a:tailEnd type="none" w="med" len="med"/>
+                    </a:lnL>
+                    <a:lnR w="12700" cap="flat" cmpd="sng" algn="ctr">
+                      <a:solidFill>
+                        <a:schemeClr val="bg1">
+                          <a:lumMod val="95000"/>
+                        </a:schemeClr>
+                      </a:solidFill>
+                      <a:prstDash val="solid"/>
+                      <a:round/>
+                      <a:headEnd type="none" w="med" len="med"/>
+                      <a:tailEnd type="none" w="med" len="med"/>
+                    </a:lnR>
+                    <a:lnT w="12700" cap="flat" cmpd="sng" algn="ctr">
+                      <a:solidFill>
+                        <a:schemeClr val="bg1">
+                          <a:lumMod val="95000"/>
+                        </a:schemeClr>
+                      </a:solidFill>
+                      <a:prstDash val="solid"/>
+                      <a:round/>
+                      <a:headEnd type="none" w="med" len="med"/>
+                      <a:tailEnd type="none" w="med" len="med"/>
+                    </a:lnT>
+                    <a:lnB w="12700" cap="flat" cmpd="sng" algn="ctr">
+                      <a:solidFill>
+                        <a:schemeClr val="bg1">
+                          <a:lumMod val="95000"/>
+                        </a:schemeClr>
+                      </a:solidFill>
+                      <a:prstDash val="solid"/>
+                      <a:round/>
+                      <a:headEnd type="none" w="med" len="med"/>
+                      <a:tailEnd type="none" w="med" len="med"/>
+                    </a:lnB>
+                    <a:solidFill>
+                      <a:schemeClr val="bg1"/>
+                    </a:solidFill>
+                  </a:tcPr>
+                </a:tc>
+                <a:tc>
+                  <a:txBody>
+                    <a:bodyPr/>
+                    <a:lstStyle/>
+                    <a:p>
+                      <a:pPr algn="ctr" latinLnBrk="1"/>
+                      <a:r>
+                        <a:rPr lang="ko-KR" altLang="en-US" sz="700"/>
+                        <a:t>보낸 메시지</a:t>
+                      </a:r>
+                      <a:r>
+                        <a:rPr lang="en-US" altLang="ko-KR" sz="700"/>
+                        <a:t>, </a:t>
+                      </a:r>
+                      <a:r>
+                        <a:rPr lang="ko-KR" altLang="en-US" sz="700"/>
+                        <a:t>안 읽은 메시지</a:t>
+                      </a:r>
+                    </a:p>
+                  </a:txBody>
+                  <a:tcPr anchor="ctr">
+                    <a:lnL w="12700" cap="flat" cmpd="sng" algn="ctr">
+                      <a:solidFill>
+                        <a:schemeClr val="bg1">
+                          <a:lumMod val="95000"/>
+                        </a:schemeClr>
+                      </a:solidFill>
+                      <a:prstDash val="solid"/>
+                      <a:round/>
+                      <a:headEnd type="none" w="med" len="med"/>
+                      <a:tailEnd type="none" w="med" len="med"/>
+                    </a:lnL>
+                    <a:lnR w="12700" cap="flat" cmpd="sng" algn="ctr">
+                      <a:solidFill>
+                        <a:schemeClr val="bg1">
+                          <a:lumMod val="95000"/>
+                        </a:schemeClr>
+                      </a:solidFill>
+                      <a:prstDash val="solid"/>
+                      <a:round/>
+                      <a:headEnd type="none" w="med" len="med"/>
+                      <a:tailEnd type="none" w="med" len="med"/>
+                    </a:lnR>
+                    <a:lnT w="12700" cap="flat" cmpd="sng" algn="ctr">
+                      <a:solidFill>
+                        <a:schemeClr val="bg1">
+                          <a:lumMod val="95000"/>
+                        </a:schemeClr>
+                      </a:solidFill>
+                      <a:prstDash val="solid"/>
+                      <a:round/>
+                      <a:headEnd type="none" w="med" len="med"/>
+                      <a:tailEnd type="none" w="med" len="med"/>
+                    </a:lnT>
+                    <a:lnB w="12700" cap="flat" cmpd="sng" algn="ctr">
+                      <a:solidFill>
+                        <a:schemeClr val="bg1">
+                          <a:lumMod val="95000"/>
+                        </a:schemeClr>
+                      </a:solidFill>
+                      <a:prstDash val="solid"/>
+                      <a:round/>
+                      <a:headEnd type="none" w="med" len="med"/>
+                      <a:tailEnd type="none" w="med" len="med"/>
+                    </a:lnB>
+                    <a:solidFill>
+                      <a:schemeClr val="bg1"/>
+                    </a:solidFill>
+                  </a:tcPr>
+                </a:tc>
+                <a:extLst>
+                  <a:ext uri="{0D108BD9-81ED-4DB2-BD59-A6C34878D82A}">
+                    <a16:rowId xmlns:a16="http://schemas.microsoft.com/office/drawing/2014/main" val="2400210524"/>
+                  </a:ext>
+                </a:extLst>
+              </a:tr>
+              <a:tr h="165159">
+                <a:tc vMerge="1">
+                  <a:txBody>
+                    <a:bodyPr/>
+                    <a:lstStyle/>
+                    <a:p>
+                      <a:pPr algn="ctr" latinLnBrk="1"/>
+                      <a:endParaRPr lang="ko-KR" altLang="en-US" sz="800"/>
+                    </a:p>
+                  </a:txBody>
+                  <a:tcPr anchor="ctr"/>
+                </a:tc>
+                <a:tc>
+                  <a:txBody>
+                    <a:bodyPr/>
+                    <a:lstStyle/>
+                    <a:p>
+                      <a:pPr algn="ctr" latinLnBrk="1"/>
+                      <a:r>
+                        <a:rPr lang="ko-KR" altLang="en-US" sz="700"/>
+                        <a:t>설정</a:t>
+                      </a:r>
+                    </a:p>
+                  </a:txBody>
+                  <a:tcPr anchor="ctr">
+                    <a:lnL w="12700" cap="flat" cmpd="sng" algn="ctr">
+                      <a:solidFill>
+                        <a:schemeClr val="bg1">
+                          <a:lumMod val="95000"/>
+                        </a:schemeClr>
+                      </a:solidFill>
+                      <a:prstDash val="solid"/>
+                      <a:round/>
+                      <a:headEnd type="none" w="med" len="med"/>
+                      <a:tailEnd type="none" w="med" len="med"/>
+                    </a:lnL>
+                    <a:lnR w="12700" cap="flat" cmpd="sng" algn="ctr">
+                      <a:solidFill>
+                        <a:schemeClr val="bg1">
+                          <a:lumMod val="95000"/>
+                        </a:schemeClr>
+                      </a:solidFill>
+                      <a:prstDash val="solid"/>
+                      <a:round/>
+                      <a:headEnd type="none" w="med" len="med"/>
+                      <a:tailEnd type="none" w="med" len="med"/>
+                    </a:lnR>
+                    <a:lnT w="12700" cap="flat" cmpd="sng" algn="ctr">
+                      <a:solidFill>
+                        <a:schemeClr val="bg1">
+                          <a:lumMod val="95000"/>
+                        </a:schemeClr>
+                      </a:solidFill>
+                      <a:prstDash val="solid"/>
+                      <a:round/>
+                      <a:headEnd type="none" w="med" len="med"/>
+                      <a:tailEnd type="none" w="med" len="med"/>
+                    </a:lnT>
+                    <a:lnB w="12700" cap="flat" cmpd="sng" algn="ctr">
+                      <a:solidFill>
+                        <a:schemeClr val="bg1">
+                          <a:lumMod val="95000"/>
+                        </a:schemeClr>
+                      </a:solidFill>
+                      <a:prstDash val="solid"/>
+                      <a:round/>
+                      <a:headEnd type="none" w="med" len="med"/>
+                      <a:tailEnd type="none" w="med" len="med"/>
+                    </a:lnB>
+                    <a:solidFill>
+                      <a:schemeClr val="bg1"/>
+                    </a:solidFill>
+                  </a:tcPr>
+                </a:tc>
+                <a:tc>
+                  <a:txBody>
+                    <a:bodyPr/>
+                    <a:lstStyle/>
+                    <a:p>
+                      <a:pPr algn="ctr" latinLnBrk="1"/>
+                      <a:r>
+                        <a:rPr lang="ko-KR" altLang="en-US" sz="700"/>
+                        <a:t>프로필</a:t>
+                      </a:r>
+                      <a:r>
+                        <a:rPr lang="en-US" altLang="ko-KR" sz="700"/>
+                        <a:t>, </a:t>
+                      </a:r>
+                      <a:r>
+                        <a:rPr lang="ko-KR" altLang="en-US" sz="700"/>
+                        <a:t>계정</a:t>
+                      </a:r>
+                      <a:r>
+                        <a:rPr lang="en-US" altLang="ko-KR" sz="700"/>
+                        <a:t>, </a:t>
+                      </a:r>
+                      <a:r>
+                        <a:rPr lang="ko-KR" altLang="en-US" sz="700"/>
+                        <a:t>결제수단</a:t>
+                      </a:r>
+                      <a:r>
+                        <a:rPr lang="en-US" altLang="ko-KR" sz="700"/>
+                        <a:t>, </a:t>
+                      </a:r>
+                      <a:r>
+                        <a:rPr lang="ko-KR" altLang="en-US" sz="700"/>
+                        <a:t>배송지</a:t>
+                      </a:r>
+                      <a:r>
+                        <a:rPr lang="en-US" altLang="ko-KR" sz="700"/>
+                        <a:t>, </a:t>
+                      </a:r>
+                      <a:r>
+                        <a:rPr lang="ko-KR" altLang="en-US" sz="700"/>
+                        <a:t>알림 설정</a:t>
+                      </a:r>
+                    </a:p>
+                  </a:txBody>
+                  <a:tcPr anchor="ctr">
+                    <a:lnL w="12700" cap="flat" cmpd="sng" algn="ctr">
+                      <a:solidFill>
+                        <a:schemeClr val="bg1">
+                          <a:lumMod val="95000"/>
+                        </a:schemeClr>
+                      </a:solidFill>
+                      <a:prstDash val="solid"/>
+                      <a:round/>
+                      <a:headEnd type="none" w="med" len="med"/>
+                      <a:tailEnd type="none" w="med" len="med"/>
+                    </a:lnL>
+                    <a:lnR w="12700" cap="flat" cmpd="sng" algn="ctr">
+                      <a:solidFill>
+                        <a:schemeClr val="bg1">
+                          <a:lumMod val="95000"/>
+                        </a:schemeClr>
+                      </a:solidFill>
+                      <a:prstDash val="solid"/>
+                      <a:round/>
+                      <a:headEnd type="none" w="med" len="med"/>
+                      <a:tailEnd type="none" w="med" len="med"/>
+                    </a:lnR>
+                    <a:lnT w="12700" cap="flat" cmpd="sng" algn="ctr">
+                      <a:solidFill>
+                        <a:schemeClr val="bg1">
+                          <a:lumMod val="95000"/>
+                        </a:schemeClr>
+                      </a:solidFill>
+                      <a:prstDash val="solid"/>
+                      <a:round/>
+                      <a:headEnd type="none" w="med" len="med"/>
+                      <a:tailEnd type="none" w="med" len="med"/>
+                    </a:lnT>
+                    <a:lnB w="12700" cap="flat" cmpd="sng" algn="ctr">
+                      <a:solidFill>
+                        <a:schemeClr val="bg1">
+                          <a:lumMod val="95000"/>
+                        </a:schemeClr>
+                      </a:solidFill>
+                      <a:prstDash val="solid"/>
+                      <a:round/>
+                      <a:headEnd type="none" w="med" len="med"/>
+                      <a:tailEnd type="none" w="med" len="med"/>
+                    </a:lnB>
+                    <a:solidFill>
+                      <a:schemeClr val="bg1"/>
+                    </a:solidFill>
+                  </a:tcPr>
+                </a:tc>
+                <a:extLst>
+                  <a:ext uri="{0D108BD9-81ED-4DB2-BD59-A6C34878D82A}">
+                    <a16:rowId xmlns:a16="http://schemas.microsoft.com/office/drawing/2014/main" val="1288430481"/>
+                  </a:ext>
+                </a:extLst>
+              </a:tr>
+              <a:tr h="165159">
+                <a:tc vMerge="1">
+                  <a:txBody>
+                    <a:bodyPr/>
+                    <a:lstStyle/>
+                    <a:p>
+                      <a:pPr algn="ctr" latinLnBrk="1"/>
+                      <a:endParaRPr lang="ko-KR" altLang="en-US" sz="800"/>
+                    </a:p>
+                  </a:txBody>
+                  <a:tcPr anchor="ctr"/>
+                </a:tc>
+                <a:tc>
+                  <a:txBody>
+                    <a:bodyPr/>
+                    <a:lstStyle/>
+                    <a:p>
+                      <a:pPr algn="ctr" latinLnBrk="1"/>
+                      <a:r>
+                        <a:rPr lang="ko-KR" altLang="en-US" sz="700"/>
+                        <a:t>로그아웃</a:t>
+                      </a:r>
+                    </a:p>
+                  </a:txBody>
+                  <a:tcPr anchor="ctr">
+                    <a:lnL w="12700" cap="flat" cmpd="sng" algn="ctr">
+                      <a:solidFill>
+                        <a:schemeClr val="bg1">
+                          <a:lumMod val="95000"/>
+                        </a:schemeClr>
+                      </a:solidFill>
+                      <a:prstDash val="solid"/>
+                      <a:round/>
+                      <a:headEnd type="none" w="med" len="med"/>
+                      <a:tailEnd type="none" w="med" len="med"/>
+                    </a:lnL>
+                    <a:lnR w="12700" cap="flat" cmpd="sng" algn="ctr">
+                      <a:solidFill>
+                        <a:schemeClr val="bg1">
+                          <a:lumMod val="95000"/>
+                        </a:schemeClr>
+                      </a:solidFill>
+                      <a:prstDash val="solid"/>
+                      <a:round/>
+                      <a:headEnd type="none" w="med" len="med"/>
+                      <a:tailEnd type="none" w="med" len="med"/>
+                    </a:lnR>
+                    <a:lnT w="12700" cap="flat" cmpd="sng" algn="ctr">
+                      <a:solidFill>
+                        <a:schemeClr val="bg1">
+                          <a:lumMod val="95000"/>
+                        </a:schemeClr>
+                      </a:solidFill>
+                      <a:prstDash val="solid"/>
+                      <a:round/>
+                      <a:headEnd type="none" w="med" len="med"/>
+                      <a:tailEnd type="none" w="med" len="med"/>
+                    </a:lnT>
+                    <a:lnB w="12700" cap="flat" cmpd="sng" algn="ctr">
+                      <a:solidFill>
+                        <a:schemeClr val="bg1">
+                          <a:lumMod val="95000"/>
+                        </a:schemeClr>
+                      </a:solidFill>
+                      <a:prstDash val="solid"/>
+                      <a:round/>
+                      <a:headEnd type="none" w="med" len="med"/>
+                      <a:tailEnd type="none" w="med" len="med"/>
+                    </a:lnB>
+                    <a:solidFill>
+                      <a:schemeClr val="bg1"/>
+                    </a:solidFill>
+                  </a:tcPr>
+                </a:tc>
+                <a:tc>
+                  <a:txBody>
+                    <a:bodyPr/>
+                    <a:lstStyle/>
+                    <a:p>
+                      <a:pPr algn="ctr" latinLnBrk="1"/>
+                      <a:r>
+                        <a:rPr lang="en-US" altLang="ko-KR" sz="700"/>
+                        <a:t>-</a:t>
+                      </a:r>
+                      <a:endParaRPr lang="ko-KR" altLang="en-US" sz="700"/>
+                    </a:p>
+                  </a:txBody>
+                  <a:tcPr anchor="ctr">
+                    <a:lnL w="12700" cap="flat" cmpd="sng" algn="ctr">
+                      <a:solidFill>
+                        <a:schemeClr val="bg1">
+                          <a:lumMod val="95000"/>
+                        </a:schemeClr>
+                      </a:solidFill>
+                      <a:prstDash val="solid"/>
+                      <a:round/>
+                      <a:headEnd type="none" w="med" len="med"/>
+                      <a:tailEnd type="none" w="med" len="med"/>
+                    </a:lnL>
+                    <a:lnR w="12700" cap="flat" cmpd="sng" algn="ctr">
+                      <a:solidFill>
+                        <a:schemeClr val="bg1">
+                          <a:lumMod val="95000"/>
+                        </a:schemeClr>
+                      </a:solidFill>
+                      <a:prstDash val="solid"/>
+                      <a:round/>
+                      <a:headEnd type="none" w="med" len="med"/>
+                      <a:tailEnd type="none" w="med" len="med"/>
+                    </a:lnR>
+                    <a:lnT w="12700" cap="flat" cmpd="sng" algn="ctr">
+                      <a:solidFill>
+                        <a:schemeClr val="bg1">
+                          <a:lumMod val="95000"/>
+                        </a:schemeClr>
+                      </a:solidFill>
+                      <a:prstDash val="solid"/>
+                      <a:round/>
+                      <a:headEnd type="none" w="med" len="med"/>
+                      <a:tailEnd type="none" w="med" len="med"/>
+                    </a:lnT>
+                    <a:lnB w="12700" cap="flat" cmpd="sng" algn="ctr">
+                      <a:solidFill>
+                        <a:schemeClr val="bg1">
+                          <a:lumMod val="95000"/>
+                        </a:schemeClr>
+                      </a:solidFill>
+                      <a:prstDash val="solid"/>
+                      <a:round/>
+                      <a:headEnd type="none" w="med" len="med"/>
+                      <a:tailEnd type="none" w="med" len="med"/>
+                    </a:lnB>
+                    <a:solidFill>
+                      <a:schemeClr val="bg1"/>
+                    </a:solidFill>
+                  </a:tcPr>
+                </a:tc>
+                <a:extLst>
+                  <a:ext uri="{0D108BD9-81ED-4DB2-BD59-A6C34878D82A}">
+                    <a16:rowId xmlns:a16="http://schemas.microsoft.com/office/drawing/2014/main" val="2525131061"/>
                   </a:ext>
                 </a:extLst>
               </a:tr>
@@ -7789,8 +11215,8 @@
         </p:nvSpPr>
         <p:spPr>
           <a:xfrm>
-            <a:off x="3792101" y="1613451"/>
-            <a:ext cx="1439440" cy="293842"/>
+            <a:off x="4891932" y="1268760"/>
+            <a:ext cx="1296144" cy="360000"/>
           </a:xfrm>
           <a:prstGeom prst="rect">
             <a:avLst/>
@@ -7825,65 +11251,6 @@
       </p:sp>
       <p:sp>
         <p:nvSpPr>
-          <p:cNvPr id="7" name="직사각형 6">
-            <a:extLst>
-              <a:ext uri="{FF2B5EF4-FFF2-40B4-BE49-F238E27FC236}">
-                <a16:creationId xmlns:a16="http://schemas.microsoft.com/office/drawing/2014/main" id="{A9526E5A-34E4-4101-9057-139BFD2D0A8B}"/>
-              </a:ext>
-            </a:extLst>
-          </p:cNvPr>
-          <p:cNvSpPr/>
-          <p:nvPr/>
-        </p:nvSpPr>
-        <p:spPr>
-          <a:xfrm>
-            <a:off x="3791740" y="2066443"/>
-            <a:ext cx="1439440" cy="293842"/>
-          </a:xfrm>
-          <a:prstGeom prst="rect">
-            <a:avLst/>
-          </a:prstGeom>
-          <a:solidFill>
-            <a:schemeClr val="bg1"/>
-          </a:solidFill>
-        </p:spPr>
-        <p:style>
-          <a:lnRef idx="3">
-            <a:schemeClr val="lt1"/>
-          </a:lnRef>
-          <a:fillRef idx="1">
-            <a:schemeClr val="accent1"/>
-          </a:fillRef>
-          <a:effectRef idx="1">
-            <a:schemeClr val="accent1"/>
-          </a:effectRef>
-          <a:fontRef idx="minor">
-            <a:schemeClr val="lt1"/>
-          </a:fontRef>
-        </p:style>
-        <p:txBody>
-          <a:bodyPr rtlCol="0" anchor="ctr"/>
-          <a:lstStyle/>
-          <a:p>
-            <a:pPr algn="ctr"/>
-            <a:r>
-              <a:rPr lang="ko-KR" altLang="en-US" sz="1100" b="1">
-                <a:solidFill>
-                  <a:schemeClr val="tx2"/>
-                </a:solidFill>
-              </a:rPr>
-              <a:t>프로필</a:t>
-            </a:r>
-            <a:endParaRPr lang="en-US" altLang="ko-KR" sz="1100" b="1" dirty="0">
-              <a:solidFill>
-                <a:schemeClr val="tx2"/>
-              </a:solidFill>
-            </a:endParaRPr>
-          </a:p>
-        </p:txBody>
-      </p:sp>
-      <p:sp>
-        <p:nvSpPr>
           <p:cNvPr id="8" name="직사각형 7">
             <a:extLst>
               <a:ext uri="{FF2B5EF4-FFF2-40B4-BE49-F238E27FC236}">
@@ -7896,8 +11263,8 @@
         </p:nvSpPr>
         <p:spPr>
           <a:xfrm>
-            <a:off x="3791740" y="2491820"/>
-            <a:ext cx="1439440" cy="293842"/>
+            <a:off x="4891571" y="1920363"/>
+            <a:ext cx="1296144" cy="293842"/>
           </a:xfrm>
           <a:prstGeom prst="rect">
             <a:avLst/>
@@ -7955,8 +11322,8 @@
         </p:nvSpPr>
         <p:spPr>
           <a:xfrm>
-            <a:off x="3791740" y="2928773"/>
-            <a:ext cx="1439440" cy="293842"/>
+            <a:off x="4891571" y="2357316"/>
+            <a:ext cx="1296144" cy="293842"/>
           </a:xfrm>
           <a:prstGeom prst="rect">
             <a:avLst/>
@@ -8014,8 +11381,8 @@
         </p:nvSpPr>
         <p:spPr>
           <a:xfrm>
-            <a:off x="3791740" y="3821098"/>
-            <a:ext cx="1439440" cy="293842"/>
+            <a:off x="4891571" y="3249641"/>
+            <a:ext cx="1296144" cy="293842"/>
           </a:xfrm>
           <a:prstGeom prst="rect">
             <a:avLst/>
@@ -8073,8 +11440,8 @@
         </p:nvSpPr>
         <p:spPr>
           <a:xfrm>
-            <a:off x="3791740" y="4246710"/>
-            <a:ext cx="1439440" cy="293842"/>
+            <a:off x="4891571" y="3675253"/>
+            <a:ext cx="1296144" cy="293842"/>
           </a:xfrm>
           <a:prstGeom prst="rect">
             <a:avLst/>
@@ -8132,8 +11499,8 @@
         </p:nvSpPr>
         <p:spPr>
           <a:xfrm>
-            <a:off x="3791740" y="5076897"/>
-            <a:ext cx="1439440" cy="293842"/>
+            <a:off x="4891571" y="4505440"/>
+            <a:ext cx="1296144" cy="293842"/>
           </a:xfrm>
           <a:prstGeom prst="rect">
             <a:avLst/>
@@ -8191,8 +11558,8 @@
         </p:nvSpPr>
         <p:spPr>
           <a:xfrm>
-            <a:off x="3791740" y="3371637"/>
-            <a:ext cx="1439440" cy="293842"/>
+            <a:off x="4891571" y="2800180"/>
+            <a:ext cx="1296144" cy="293842"/>
           </a:xfrm>
           <a:prstGeom prst="rect">
             <a:avLst/>
@@ -8250,8 +11617,8 @@
         </p:nvSpPr>
         <p:spPr>
           <a:xfrm>
-            <a:off x="479376" y="1616982"/>
-            <a:ext cx="1439440" cy="293842"/>
+            <a:off x="1865200" y="1272291"/>
+            <a:ext cx="1296144" cy="360000"/>
           </a:xfrm>
           <a:prstGeom prst="rect">
             <a:avLst/>
@@ -8298,8 +11665,8 @@
         </p:nvSpPr>
         <p:spPr>
           <a:xfrm>
-            <a:off x="479015" y="2069974"/>
-            <a:ext cx="1439440" cy="293842"/>
+            <a:off x="1864839" y="1920363"/>
+            <a:ext cx="1296144" cy="293842"/>
           </a:xfrm>
           <a:prstGeom prst="rect">
             <a:avLst/>
@@ -8357,8 +11724,8 @@
         </p:nvSpPr>
         <p:spPr>
           <a:xfrm>
-            <a:off x="479015" y="2495351"/>
-            <a:ext cx="1439440" cy="293842"/>
+            <a:off x="1864839" y="2345740"/>
+            <a:ext cx="1296144" cy="293842"/>
           </a:xfrm>
           <a:prstGeom prst="rect">
             <a:avLst/>
@@ -8392,7 +11759,7 @@
                   <a:schemeClr val="tx2"/>
                 </a:solidFill>
               </a:rPr>
-              <a:t>롤링배너</a:t>
+              <a:t>메인배너</a:t>
             </a:r>
             <a:endParaRPr lang="en-US" altLang="ko-KR" sz="1100" b="1" dirty="0">
               <a:solidFill>
@@ -8416,8 +11783,8 @@
         </p:nvSpPr>
         <p:spPr>
           <a:xfrm>
-            <a:off x="479015" y="2932304"/>
-            <a:ext cx="1439440" cy="293842"/>
+            <a:off x="1864839" y="2782693"/>
+            <a:ext cx="1296144" cy="293842"/>
           </a:xfrm>
           <a:prstGeom prst="rect">
             <a:avLst/>
@@ -8475,8 +11842,8 @@
         </p:nvSpPr>
         <p:spPr>
           <a:xfrm>
-            <a:off x="479015" y="3824629"/>
-            <a:ext cx="1439440" cy="293842"/>
+            <a:off x="1864839" y="3675018"/>
+            <a:ext cx="1296144" cy="293842"/>
           </a:xfrm>
           <a:prstGeom prst="rect">
             <a:avLst/>
@@ -8550,8 +11917,8 @@
         </p:nvSpPr>
         <p:spPr>
           <a:xfrm>
-            <a:off x="479015" y="4250241"/>
-            <a:ext cx="1439440" cy="293842"/>
+            <a:off x="1864839" y="4100630"/>
+            <a:ext cx="1296144" cy="293842"/>
           </a:xfrm>
           <a:prstGeom prst="rect">
             <a:avLst/>
@@ -8613,65 +11980,6 @@
       </p:sp>
       <p:sp>
         <p:nvSpPr>
-          <p:cNvPr id="20" name="직사각형 19">
-            <a:extLst>
-              <a:ext uri="{FF2B5EF4-FFF2-40B4-BE49-F238E27FC236}">
-                <a16:creationId xmlns:a16="http://schemas.microsoft.com/office/drawing/2014/main" id="{E36131EE-77BA-4F20-AEF8-3537315FB2C5}"/>
-              </a:ext>
-            </a:extLst>
-          </p:cNvPr>
-          <p:cNvSpPr/>
-          <p:nvPr/>
-        </p:nvSpPr>
-        <p:spPr>
-          <a:xfrm>
-            <a:off x="479015" y="4675337"/>
-            <a:ext cx="1439440" cy="293842"/>
-          </a:xfrm>
-          <a:prstGeom prst="rect">
-            <a:avLst/>
-          </a:prstGeom>
-          <a:solidFill>
-            <a:schemeClr val="bg1"/>
-          </a:solidFill>
-        </p:spPr>
-        <p:style>
-          <a:lnRef idx="3">
-            <a:schemeClr val="lt1"/>
-          </a:lnRef>
-          <a:fillRef idx="1">
-            <a:schemeClr val="accent1"/>
-          </a:fillRef>
-          <a:effectRef idx="1">
-            <a:schemeClr val="accent1"/>
-          </a:effectRef>
-          <a:fontRef idx="minor">
-            <a:schemeClr val="lt1"/>
-          </a:fontRef>
-        </p:style>
-        <p:txBody>
-          <a:bodyPr rtlCol="0" anchor="ctr"/>
-          <a:lstStyle/>
-          <a:p>
-            <a:pPr algn="ctr"/>
-            <a:r>
-              <a:rPr lang="ko-KR" altLang="en-US" sz="1100" b="1">
-                <a:solidFill>
-                  <a:srgbClr val="777777"/>
-                </a:solidFill>
-              </a:rPr>
-              <a:t>검색창</a:t>
-            </a:r>
-            <a:endParaRPr lang="en-US" altLang="ko-KR" sz="1100" b="1" dirty="0">
-              <a:solidFill>
-                <a:srgbClr val="777777"/>
-              </a:solidFill>
-            </a:endParaRPr>
-          </a:p>
-        </p:txBody>
-      </p:sp>
-      <p:sp>
-        <p:nvSpPr>
           <p:cNvPr id="21" name="직사각형 20">
             <a:extLst>
               <a:ext uri="{FF2B5EF4-FFF2-40B4-BE49-F238E27FC236}">
@@ -8684,8 +11992,8 @@
         </p:nvSpPr>
         <p:spPr>
           <a:xfrm>
-            <a:off x="479015" y="3375168"/>
-            <a:ext cx="1439440" cy="293842"/>
+            <a:off x="1864839" y="3225557"/>
+            <a:ext cx="1296144" cy="293842"/>
           </a:xfrm>
           <a:prstGeom prst="rect">
             <a:avLst/>
@@ -8743,8 +12051,8 @@
         </p:nvSpPr>
         <p:spPr>
           <a:xfrm>
-            <a:off x="3791740" y="5520145"/>
-            <a:ext cx="1439440" cy="293842"/>
+            <a:off x="4891571" y="4948688"/>
+            <a:ext cx="1296144" cy="293842"/>
           </a:xfrm>
           <a:prstGeom prst="rect">
             <a:avLst/>
@@ -8802,8 +12110,8 @@
         </p:nvSpPr>
         <p:spPr>
           <a:xfrm>
-            <a:off x="2135919" y="1616982"/>
-            <a:ext cx="1439440" cy="293842"/>
+            <a:off x="3377372" y="1272291"/>
+            <a:ext cx="1296144" cy="360000"/>
           </a:xfrm>
           <a:prstGeom prst="rect">
             <a:avLst/>
@@ -8850,8 +12158,8 @@
         </p:nvSpPr>
         <p:spPr>
           <a:xfrm>
-            <a:off x="2135558" y="2069974"/>
-            <a:ext cx="1439440" cy="293842"/>
+            <a:off x="3377011" y="1920363"/>
+            <a:ext cx="1296144" cy="293842"/>
           </a:xfrm>
           <a:prstGeom prst="rect">
             <a:avLst/>
@@ -8909,8 +12217,8 @@
         </p:nvSpPr>
         <p:spPr>
           <a:xfrm>
-            <a:off x="2135558" y="2495351"/>
-            <a:ext cx="1439440" cy="293842"/>
+            <a:off x="3377011" y="2345740"/>
+            <a:ext cx="1296144" cy="293842"/>
           </a:xfrm>
           <a:prstGeom prst="rect">
             <a:avLst/>
@@ -8968,8 +12276,8 @@
         </p:nvSpPr>
         <p:spPr>
           <a:xfrm>
-            <a:off x="2135558" y="2932304"/>
-            <a:ext cx="1439440" cy="293842"/>
+            <a:off x="3377011" y="2782693"/>
+            <a:ext cx="1296144" cy="293842"/>
           </a:xfrm>
           <a:prstGeom prst="rect">
             <a:avLst/>
@@ -9027,8 +12335,8 @@
         </p:nvSpPr>
         <p:spPr>
           <a:xfrm>
-            <a:off x="2135558" y="3824629"/>
-            <a:ext cx="1439440" cy="293842"/>
+            <a:off x="3377011" y="3675018"/>
+            <a:ext cx="1296144" cy="293842"/>
           </a:xfrm>
           <a:prstGeom prst="rect">
             <a:avLst/>
@@ -9118,8 +12426,8 @@
         </p:nvSpPr>
         <p:spPr>
           <a:xfrm>
-            <a:off x="2135558" y="3375168"/>
-            <a:ext cx="1439440" cy="293842"/>
+            <a:off x="3377011" y="3225557"/>
+            <a:ext cx="1296144" cy="293842"/>
           </a:xfrm>
           <a:prstGeom prst="rect">
             <a:avLst/>
@@ -9177,8 +12485,8 @@
         </p:nvSpPr>
         <p:spPr>
           <a:xfrm>
-            <a:off x="3791740" y="4659446"/>
-            <a:ext cx="1439440" cy="293842"/>
+            <a:off x="4891571" y="4087989"/>
+            <a:ext cx="1296144" cy="293842"/>
           </a:xfrm>
           <a:prstGeom prst="rect">
             <a:avLst/>
@@ -9236,8 +12544,8 @@
         </p:nvSpPr>
         <p:spPr>
           <a:xfrm>
-            <a:off x="2135558" y="4248921"/>
-            <a:ext cx="1439440" cy="293842"/>
+            <a:off x="3377011" y="4099310"/>
+            <a:ext cx="1296144" cy="293842"/>
           </a:xfrm>
           <a:prstGeom prst="rect">
             <a:avLst/>
@@ -9283,54 +12591,6 @@
       </p:sp>
       <p:sp>
         <p:nvSpPr>
-          <p:cNvPr id="31" name="직사각형 30">
-            <a:extLst>
-              <a:ext uri="{FF2B5EF4-FFF2-40B4-BE49-F238E27FC236}">
-                <a16:creationId xmlns:a16="http://schemas.microsoft.com/office/drawing/2014/main" id="{B695A0EE-1B9E-48FC-9475-18120B87D045}"/>
-              </a:ext>
-            </a:extLst>
-          </p:cNvPr>
-          <p:cNvSpPr/>
-          <p:nvPr/>
-        </p:nvSpPr>
-        <p:spPr>
-          <a:xfrm>
-            <a:off x="5448283" y="1613451"/>
-            <a:ext cx="1439440" cy="293842"/>
-          </a:xfrm>
-          <a:prstGeom prst="rect">
-            <a:avLst/>
-          </a:prstGeom>
-        </p:spPr>
-        <p:style>
-          <a:lnRef idx="3">
-            <a:schemeClr val="lt1"/>
-          </a:lnRef>
-          <a:fillRef idx="1">
-            <a:schemeClr val="accent1"/>
-          </a:fillRef>
-          <a:effectRef idx="1">
-            <a:schemeClr val="accent1"/>
-          </a:effectRef>
-          <a:fontRef idx="minor">
-            <a:schemeClr val="lt1"/>
-          </a:fontRef>
-        </p:style>
-        <p:txBody>
-          <a:bodyPr rtlCol="0" anchor="ctr"/>
-          <a:lstStyle/>
-          <a:p>
-            <a:pPr algn="ctr"/>
-            <a:r>
-              <a:rPr lang="ko-KR" altLang="en-US" sz="1400" b="1"/>
-              <a:t>관리자</a:t>
-            </a:r>
-            <a:endParaRPr lang="en-US" altLang="ko-KR" sz="1400" b="1"/>
-          </a:p>
-        </p:txBody>
-      </p:sp>
-      <p:sp>
-        <p:nvSpPr>
           <p:cNvPr id="32" name="직사각형 31">
             <a:extLst>
               <a:ext uri="{FF2B5EF4-FFF2-40B4-BE49-F238E27FC236}">
@@ -9343,8 +12603,8 @@
         </p:nvSpPr>
         <p:spPr>
           <a:xfrm>
-            <a:off x="479015" y="5060113"/>
-            <a:ext cx="1439440" cy="293842"/>
+            <a:off x="1864839" y="4526242"/>
+            <a:ext cx="1296144" cy="293842"/>
           </a:xfrm>
           <a:prstGeom prst="rect">
             <a:avLst/>
@@ -9383,6 +12643,298 @@
             <a:endParaRPr lang="en-US" altLang="ko-KR" sz="1100" b="1" dirty="0">
               <a:solidFill>
                 <a:srgbClr val="777777"/>
+              </a:solidFill>
+            </a:endParaRPr>
+          </a:p>
+        </p:txBody>
+      </p:sp>
+      <p:sp>
+        <p:nvSpPr>
+          <p:cNvPr id="33" name="직사각형 32">
+            <a:extLst>
+              <a:ext uri="{FF2B5EF4-FFF2-40B4-BE49-F238E27FC236}">
+                <a16:creationId xmlns:a16="http://schemas.microsoft.com/office/drawing/2014/main" id="{91197BEF-4ACD-4964-9131-7ADF5A3AC26D}"/>
+              </a:ext>
+            </a:extLst>
+          </p:cNvPr>
+          <p:cNvSpPr/>
+          <p:nvPr/>
+        </p:nvSpPr>
+        <p:spPr>
+          <a:xfrm>
+            <a:off x="339046" y="1272291"/>
+            <a:ext cx="1296144" cy="360000"/>
+          </a:xfrm>
+          <a:prstGeom prst="rect">
+            <a:avLst/>
+          </a:prstGeom>
+        </p:spPr>
+        <p:style>
+          <a:lnRef idx="3">
+            <a:schemeClr val="lt1"/>
+          </a:lnRef>
+          <a:fillRef idx="1">
+            <a:schemeClr val="accent1"/>
+          </a:fillRef>
+          <a:effectRef idx="1">
+            <a:schemeClr val="accent1"/>
+          </a:effectRef>
+          <a:fontRef idx="minor">
+            <a:schemeClr val="lt1"/>
+          </a:fontRef>
+        </p:style>
+        <p:txBody>
+          <a:bodyPr rtlCol="0" anchor="ctr"/>
+          <a:lstStyle/>
+          <a:p>
+            <a:pPr algn="ctr"/>
+            <a:r>
+              <a:rPr lang="ko-KR" altLang="en-US" sz="1400" b="1"/>
+              <a:t>로그인</a:t>
+            </a:r>
+            <a:endParaRPr lang="en-US" altLang="ko-KR" sz="1400" b="1" dirty="0"/>
+          </a:p>
+        </p:txBody>
+      </p:sp>
+      <p:sp>
+        <p:nvSpPr>
+          <p:cNvPr id="35" name="직사각형 34">
+            <a:extLst>
+              <a:ext uri="{FF2B5EF4-FFF2-40B4-BE49-F238E27FC236}">
+                <a16:creationId xmlns:a16="http://schemas.microsoft.com/office/drawing/2014/main" id="{AF7578A3-1492-4341-96AE-E219065F248A}"/>
+              </a:ext>
+            </a:extLst>
+          </p:cNvPr>
+          <p:cNvSpPr/>
+          <p:nvPr/>
+        </p:nvSpPr>
+        <p:spPr>
+          <a:xfrm>
+            <a:off x="338685" y="1920363"/>
+            <a:ext cx="1296144" cy="293842"/>
+          </a:xfrm>
+          <a:prstGeom prst="rect">
+            <a:avLst/>
+          </a:prstGeom>
+          <a:solidFill>
+            <a:schemeClr val="bg1"/>
+          </a:solidFill>
+        </p:spPr>
+        <p:style>
+          <a:lnRef idx="3">
+            <a:schemeClr val="lt1"/>
+          </a:lnRef>
+          <a:fillRef idx="1">
+            <a:schemeClr val="accent1"/>
+          </a:fillRef>
+          <a:effectRef idx="1">
+            <a:schemeClr val="accent1"/>
+          </a:effectRef>
+          <a:fontRef idx="minor">
+            <a:schemeClr val="lt1"/>
+          </a:fontRef>
+        </p:style>
+        <p:txBody>
+          <a:bodyPr rtlCol="0" anchor="ctr"/>
+          <a:lstStyle/>
+          <a:p>
+            <a:pPr algn="ctr"/>
+            <a:r>
+              <a:rPr lang="ko-KR" altLang="en-US" sz="1100" b="1">
+                <a:solidFill>
+                  <a:schemeClr val="tx2"/>
+                </a:solidFill>
+              </a:rPr>
+              <a:t>회원가입</a:t>
+            </a:r>
+            <a:endParaRPr lang="en-US" altLang="ko-KR" sz="1100" b="1" dirty="0">
+              <a:solidFill>
+                <a:schemeClr val="tx2"/>
+              </a:solidFill>
+            </a:endParaRPr>
+          </a:p>
+        </p:txBody>
+      </p:sp>
+      <p:sp>
+        <p:nvSpPr>
+          <p:cNvPr id="36" name="직사각형 35">
+            <a:extLst>
+              <a:ext uri="{FF2B5EF4-FFF2-40B4-BE49-F238E27FC236}">
+                <a16:creationId xmlns:a16="http://schemas.microsoft.com/office/drawing/2014/main" id="{618EF811-2B70-4BAC-B493-16C2DA5CCCC2}"/>
+              </a:ext>
+            </a:extLst>
+          </p:cNvPr>
+          <p:cNvSpPr/>
+          <p:nvPr/>
+        </p:nvSpPr>
+        <p:spPr>
+          <a:xfrm>
+            <a:off x="338685" y="2345740"/>
+            <a:ext cx="1296144" cy="293842"/>
+          </a:xfrm>
+          <a:prstGeom prst="rect">
+            <a:avLst/>
+          </a:prstGeom>
+          <a:solidFill>
+            <a:schemeClr val="bg1"/>
+          </a:solidFill>
+        </p:spPr>
+        <p:style>
+          <a:lnRef idx="3">
+            <a:schemeClr val="lt1"/>
+          </a:lnRef>
+          <a:fillRef idx="1">
+            <a:schemeClr val="accent1"/>
+          </a:fillRef>
+          <a:effectRef idx="1">
+            <a:schemeClr val="accent1"/>
+          </a:effectRef>
+          <a:fontRef idx="minor">
+            <a:schemeClr val="lt1"/>
+          </a:fontRef>
+        </p:style>
+        <p:txBody>
+          <a:bodyPr rtlCol="0" anchor="ctr"/>
+          <a:lstStyle/>
+          <a:p>
+            <a:pPr algn="ctr"/>
+            <a:r>
+              <a:rPr lang="en-US" altLang="ko-KR" sz="1100" b="1">
+                <a:solidFill>
+                  <a:srgbClr val="777777"/>
+                </a:solidFill>
+              </a:rPr>
+              <a:t>SNS</a:t>
+            </a:r>
+            <a:r>
+              <a:rPr lang="ko-KR" altLang="en-US" sz="1100" b="1">
+                <a:solidFill>
+                  <a:srgbClr val="777777"/>
+                </a:solidFill>
+              </a:rPr>
+              <a:t>로그인</a:t>
+            </a:r>
+            <a:endParaRPr lang="en-US" altLang="ko-KR" sz="1100" b="1" dirty="0">
+              <a:solidFill>
+                <a:srgbClr val="777777"/>
+              </a:solidFill>
+            </a:endParaRPr>
+          </a:p>
+        </p:txBody>
+      </p:sp>
+      <p:sp>
+        <p:nvSpPr>
+          <p:cNvPr id="37" name="직사각형 36">
+            <a:extLst>
+              <a:ext uri="{FF2B5EF4-FFF2-40B4-BE49-F238E27FC236}">
+                <a16:creationId xmlns:a16="http://schemas.microsoft.com/office/drawing/2014/main" id="{3666A16C-CDE6-48EE-96A7-303A26F6AB1C}"/>
+              </a:ext>
+            </a:extLst>
+          </p:cNvPr>
+          <p:cNvSpPr/>
+          <p:nvPr/>
+        </p:nvSpPr>
+        <p:spPr>
+          <a:xfrm>
+            <a:off x="338685" y="2782693"/>
+            <a:ext cx="1296144" cy="293842"/>
+          </a:xfrm>
+          <a:prstGeom prst="rect">
+            <a:avLst/>
+          </a:prstGeom>
+          <a:solidFill>
+            <a:schemeClr val="bg1"/>
+          </a:solidFill>
+        </p:spPr>
+        <p:style>
+          <a:lnRef idx="3">
+            <a:schemeClr val="lt1"/>
+          </a:lnRef>
+          <a:fillRef idx="1">
+            <a:schemeClr val="accent1"/>
+          </a:fillRef>
+          <a:effectRef idx="1">
+            <a:schemeClr val="accent1"/>
+          </a:effectRef>
+          <a:fontRef idx="minor">
+            <a:schemeClr val="lt1"/>
+          </a:fontRef>
+        </p:style>
+        <p:txBody>
+          <a:bodyPr rtlCol="0" anchor="ctr"/>
+          <a:lstStyle/>
+          <a:p>
+            <a:pPr algn="ctr"/>
+            <a:r>
+              <a:rPr lang="ko-KR" altLang="en-US" sz="1100" b="1">
+                <a:solidFill>
+                  <a:schemeClr val="tx2"/>
+                </a:solidFill>
+              </a:rPr>
+              <a:t>이메일 로그인</a:t>
+            </a:r>
+            <a:endParaRPr lang="en-US" altLang="ko-KR" sz="1100" b="1" dirty="0">
+              <a:solidFill>
+                <a:schemeClr val="tx2"/>
+              </a:solidFill>
+            </a:endParaRPr>
+          </a:p>
+        </p:txBody>
+      </p:sp>
+      <p:sp>
+        <p:nvSpPr>
+          <p:cNvPr id="40" name="직사각형 39">
+            <a:extLst>
+              <a:ext uri="{FF2B5EF4-FFF2-40B4-BE49-F238E27FC236}">
+                <a16:creationId xmlns:a16="http://schemas.microsoft.com/office/drawing/2014/main" id="{7C9F784E-620F-422C-8A7D-E9E0C5C2B15E}"/>
+              </a:ext>
+            </a:extLst>
+          </p:cNvPr>
+          <p:cNvSpPr/>
+          <p:nvPr/>
+        </p:nvSpPr>
+        <p:spPr>
+          <a:xfrm>
+            <a:off x="338685" y="3225557"/>
+            <a:ext cx="1296144" cy="293842"/>
+          </a:xfrm>
+          <a:prstGeom prst="rect">
+            <a:avLst/>
+          </a:prstGeom>
+          <a:solidFill>
+            <a:schemeClr val="bg1"/>
+          </a:solidFill>
+        </p:spPr>
+        <p:style>
+          <a:lnRef idx="3">
+            <a:schemeClr val="lt1"/>
+          </a:lnRef>
+          <a:fillRef idx="1">
+            <a:schemeClr val="accent1"/>
+          </a:fillRef>
+          <a:effectRef idx="1">
+            <a:schemeClr val="accent1"/>
+          </a:effectRef>
+          <a:fontRef idx="minor">
+            <a:schemeClr val="lt1"/>
+          </a:fontRef>
+        </p:style>
+        <p:txBody>
+          <a:bodyPr rtlCol="0" anchor="ctr"/>
+          <a:lstStyle/>
+          <a:p>
+            <a:pPr algn="ctr"/>
+            <a:r>
+              <a:rPr lang="ko-KR" altLang="en-US" sz="1100" b="1">
+                <a:solidFill>
+                  <a:schemeClr val="tx2"/>
+                </a:solidFill>
+              </a:rPr>
+              <a:t>비밀번호 찾기</a:t>
+            </a:r>
+            <a:endParaRPr lang="en-US" altLang="ko-KR" sz="1100" b="1" dirty="0">
+              <a:solidFill>
+                <a:schemeClr val="tx2"/>
               </a:solidFill>
             </a:endParaRPr>
           </a:p>
@@ -9465,7 +13017,7 @@
           <p:nvPr>
             <p:extLst>
               <p:ext uri="{D42A27DB-BD31-4B8C-83A1-F6EECF244321}">
-                <p14:modId xmlns:p14="http://schemas.microsoft.com/office/powerpoint/2010/main" val="643363581"/>
+                <p14:modId xmlns:p14="http://schemas.microsoft.com/office/powerpoint/2010/main" val="4288541028"/>
               </p:ext>
             </p:extLst>
           </p:nvPr>
@@ -9653,7 +13205,7 @@
                         </a:lnSpc>
                       </a:pPr>
                       <a:r>
-                        <a:rPr lang="ko-KR" altLang="en-US" sz="1200" b="1">
+                        <a:rPr lang="ko-KR" altLang="en-US" sz="1200" b="0">
                           <a:solidFill>
                             <a:schemeClr val="tx1"/>
                           </a:solidFill>
@@ -9662,7 +13214,7 @@
                         </a:rPr>
                         <a:t>메인</a:t>
                       </a:r>
-                      <a:endParaRPr lang="ko-KR" altLang="en-US" sz="1200" b="1" dirty="0">
+                      <a:endParaRPr lang="ko-KR" altLang="en-US" sz="1200" b="0" dirty="0">
                         <a:solidFill>
                           <a:schemeClr val="tx1"/>
                         </a:solidFill>
@@ -9863,7 +13415,7 @@
                         </a:lnSpc>
                       </a:pPr>
                       <a:r>
-                        <a:rPr lang="ko-KR" altLang="en-US" sz="1200" b="1">
+                        <a:rPr lang="ko-KR" altLang="en-US" sz="1200" b="0">
                           <a:solidFill>
                             <a:schemeClr val="tx1"/>
                           </a:solidFill>
@@ -9872,7 +13424,7 @@
                         </a:rPr>
                         <a:t>프로젝트</a:t>
                       </a:r>
-                      <a:endParaRPr lang="ko-KR" altLang="en-US" sz="1200" b="1" dirty="0">
+                      <a:endParaRPr lang="ko-KR" altLang="en-US" sz="1200" b="0" dirty="0">
                         <a:solidFill>
                           <a:schemeClr val="tx1"/>
                         </a:solidFill>
@@ -10015,7 +13567,7 @@
                         </a:lnSpc>
                       </a:pPr>
                       <a:r>
-                        <a:rPr lang="ko-KR" altLang="en-US" sz="1200" b="1">
+                        <a:rPr lang="ko-KR" altLang="en-US" sz="1200" b="0">
                           <a:solidFill>
                             <a:schemeClr val="tx1"/>
                           </a:solidFill>
@@ -10024,7 +13576,7 @@
                         </a:rPr>
                         <a:t>프로필</a:t>
                       </a:r>
-                      <a:endParaRPr lang="ko-KR" altLang="en-US" sz="1200" b="1" dirty="0">
+                      <a:endParaRPr lang="ko-KR" altLang="en-US" sz="1200" b="0" dirty="0">
                         <a:solidFill>
                           <a:schemeClr val="tx1"/>
                         </a:solidFill>
@@ -10150,7 +13702,15 @@
                       </a:pPr>
                       <a:r>
                         <a:rPr lang="ko-KR" altLang="en-US" sz="1200"/>
-                        <a:t>팔로우 페이지 팔로우 추가 삭제 기능</a:t>
+                        <a:t>팔로우 페이지 </a:t>
+                      </a:r>
+                      <a:r>
+                        <a:rPr lang="en-US" altLang="ko-KR" sz="1200"/>
+                        <a:t>+</a:t>
+                      </a:r>
+                      <a:r>
+                        <a:rPr lang="ko-KR" altLang="en-US" sz="1200"/>
+                        <a:t>팔로우 추가 삭제 기능</a:t>
                       </a:r>
                       <a:endParaRPr lang="en-US" altLang="ko-KR" sz="1200"/>
                     </a:p>
@@ -10349,7 +13909,7 @@
                         </a:lnSpc>
                       </a:pPr>
                       <a:r>
-                        <a:rPr lang="ko-KR" altLang="en-US" sz="1200" b="1">
+                        <a:rPr lang="ko-KR" altLang="en-US" sz="1200" b="0">
                           <a:solidFill>
                             <a:schemeClr val="tx1"/>
                           </a:solidFill>
@@ -10358,7 +13918,7 @@
                         </a:rPr>
                         <a:t>기타</a:t>
                       </a:r>
-                      <a:endParaRPr lang="ko-KR" altLang="en-US" sz="1200" b="1" dirty="0">
+                      <a:endParaRPr lang="ko-KR" altLang="en-US" sz="1200" b="0" dirty="0">
                         <a:solidFill>
                           <a:schemeClr val="tx1"/>
                         </a:solidFill>

--- a/github/Rholling Ideas 발표 자료_211230.pptx
+++ b/github/Rholling Ideas 발표 자료_211230.pptx
@@ -13017,14 +13017,14 @@
           <p:nvPr>
             <p:extLst>
               <p:ext uri="{D42A27DB-BD31-4B8C-83A1-F6EECF244321}">
-                <p14:modId xmlns:p14="http://schemas.microsoft.com/office/powerpoint/2010/main" val="4288541028"/>
+                <p14:modId xmlns:p14="http://schemas.microsoft.com/office/powerpoint/2010/main" val="3559516502"/>
               </p:ext>
             </p:extLst>
           </p:nvPr>
         </p:nvGraphicFramePr>
         <p:xfrm>
           <a:off x="335360" y="908720"/>
-          <a:ext cx="11521280" cy="5566187"/>
+          <a:ext cx="11521280" cy="5603580"/>
         </p:xfrm>
         <a:graphic>
           <a:graphicData uri="http://schemas.openxmlformats.org/drawingml/2006/table">
@@ -13048,7 +13048,7 @@
                   </a:extLst>
                 </a:gridCol>
               </a:tblGrid>
-              <a:tr h="360662">
+              <a:tr h="287065">
                 <a:tc>
                   <a:txBody>
                     <a:bodyPr/>
@@ -13193,7 +13193,7 @@
                   </a:ext>
                 </a:extLst>
               </a:tr>
-              <a:tr h="1275803">
+              <a:tr h="1015463">
                 <a:tc>
                   <a:txBody>
                     <a:bodyPr/>
@@ -13212,7 +13212,7 @@
                           <a:latin typeface="+mn-ea"/>
                           <a:ea typeface="+mn-ea"/>
                         </a:rPr>
-                        <a:t>메인</a:t>
+                        <a:t>로그인</a:t>
                       </a:r>
                       <a:endParaRPr lang="ko-KR" altLang="en-US" sz="1200" b="0" dirty="0">
                         <a:solidFill>
@@ -13284,10 +13284,168 @@
                       </a:pPr>
                       <a:r>
                         <a:rPr lang="ko-KR" altLang="en-US" sz="1200"/>
-                        <a:t>프로젝트 데이터 추가</a:t>
+                        <a:t>회원 관련 </a:t>
+                      </a:r>
+                      <a:r>
+                        <a:rPr lang="en-US" altLang="ko-KR" sz="1200"/>
+                        <a:t>API(SNS, </a:t>
+                      </a:r>
+                      <a:r>
+                        <a:rPr lang="ko-KR" altLang="en-US" sz="1200"/>
+                        <a:t>카드 등록</a:t>
+                      </a:r>
+                      <a:r>
+                        <a:rPr lang="en-US" altLang="ko-KR" sz="1200"/>
+                        <a:t>, </a:t>
+                      </a:r>
+                      <a:r>
+                        <a:rPr lang="ko-KR" altLang="en-US" sz="1200"/>
+                        <a:t>우편번호 검색</a:t>
+                      </a:r>
+                      <a:r>
+                        <a:rPr lang="en-US" altLang="ko-KR" sz="1200"/>
+                        <a:t>, </a:t>
+                      </a:r>
+                      <a:r>
+                        <a:rPr lang="ko-KR" altLang="en-US" sz="1200"/>
+                        <a:t>이메일 전화번호</a:t>
+                      </a:r>
+                      <a:r>
+                        <a:rPr lang="en-US" altLang="ko-KR" sz="1200"/>
+                        <a:t> </a:t>
+                      </a:r>
+                      <a:r>
+                        <a:rPr lang="ko-KR" altLang="en-US" sz="1200"/>
+                        <a:t>인증</a:t>
                       </a:r>
                       <a:endParaRPr lang="en-US" altLang="ko-KR" sz="1200"/>
                     </a:p>
+                  </a:txBody>
+                  <a:tcPr anchor="ctr">
+                    <a:lnL w="3175" cap="flat" cmpd="sng" algn="ctr">
+                      <a:solidFill>
+                        <a:schemeClr val="bg1">
+                          <a:lumMod val="75000"/>
+                        </a:schemeClr>
+                      </a:solidFill>
+                      <a:prstDash val="solid"/>
+                      <a:round/>
+                      <a:headEnd type="none" w="med" len="med"/>
+                      <a:tailEnd type="none" w="med" len="med"/>
+                    </a:lnL>
+                    <a:lnR w="3175" cap="flat" cmpd="sng" algn="ctr">
+                      <a:solidFill>
+                        <a:schemeClr val="bg1">
+                          <a:lumMod val="75000"/>
+                        </a:schemeClr>
+                      </a:solidFill>
+                      <a:prstDash val="solid"/>
+                      <a:round/>
+                      <a:headEnd type="none" w="med" len="med"/>
+                      <a:tailEnd type="none" w="med" len="med"/>
+                    </a:lnR>
+                    <a:lnT w="3175" cap="flat" cmpd="sng" algn="ctr">
+                      <a:solidFill>
+                        <a:schemeClr val="bg1">
+                          <a:lumMod val="75000"/>
+                        </a:schemeClr>
+                      </a:solidFill>
+                      <a:prstDash val="solid"/>
+                      <a:round/>
+                      <a:headEnd type="none" w="med" len="med"/>
+                      <a:tailEnd type="none" w="med" len="med"/>
+                    </a:lnT>
+                    <a:lnB w="3175" cap="flat" cmpd="sng" algn="ctr">
+                      <a:solidFill>
+                        <a:schemeClr val="bg1">
+                          <a:lumMod val="75000"/>
+                        </a:schemeClr>
+                      </a:solidFill>
+                      <a:prstDash val="solid"/>
+                      <a:round/>
+                      <a:headEnd type="none" w="med" len="med"/>
+                      <a:tailEnd type="none" w="med" len="med"/>
+                    </a:lnB>
+                    <a:noFill/>
+                  </a:tcPr>
+                </a:tc>
+                <a:extLst>
+                  <a:ext uri="{0D108BD9-81ED-4DB2-BD59-A6C34878D82A}">
+                    <a16:rowId xmlns:a16="http://schemas.microsoft.com/office/drawing/2014/main" val="3904477229"/>
+                  </a:ext>
+                </a:extLst>
+              </a:tr>
+              <a:tr h="1015463">
+                <a:tc>
+                  <a:txBody>
+                    <a:bodyPr/>
+                    <a:lstStyle/>
+                    <a:p>
+                      <a:pPr algn="ctr" latinLnBrk="1">
+                        <a:lnSpc>
+                          <a:spcPct val="120000"/>
+                        </a:lnSpc>
+                      </a:pPr>
+                      <a:r>
+                        <a:rPr lang="ko-KR" altLang="en-US" sz="1200" b="0">
+                          <a:solidFill>
+                            <a:schemeClr val="tx1"/>
+                          </a:solidFill>
+                          <a:latin typeface="+mn-ea"/>
+                          <a:ea typeface="+mn-ea"/>
+                        </a:rPr>
+                        <a:t>메인</a:t>
+                      </a:r>
+                      <a:endParaRPr lang="ko-KR" altLang="en-US" sz="1200" b="0" dirty="0">
+                        <a:solidFill>
+                          <a:schemeClr val="tx1"/>
+                        </a:solidFill>
+                        <a:latin typeface="+mn-ea"/>
+                        <a:ea typeface="+mn-ea"/>
+                      </a:endParaRPr>
+                    </a:p>
+                  </a:txBody>
+                  <a:tcPr anchor="ctr">
+                    <a:lnR w="3175" cap="flat" cmpd="sng" algn="ctr">
+                      <a:solidFill>
+                        <a:schemeClr val="bg1">
+                          <a:lumMod val="75000"/>
+                        </a:schemeClr>
+                      </a:solidFill>
+                      <a:prstDash val="solid"/>
+                      <a:round/>
+                      <a:headEnd type="none" w="med" len="med"/>
+                      <a:tailEnd type="none" w="med" len="med"/>
+                    </a:lnR>
+                    <a:lnT w="3175" cap="flat" cmpd="sng" algn="ctr">
+                      <a:solidFill>
+                        <a:schemeClr val="bg1">
+                          <a:lumMod val="75000"/>
+                        </a:schemeClr>
+                      </a:solidFill>
+                      <a:prstDash val="solid"/>
+                      <a:round/>
+                      <a:headEnd type="none" w="med" len="med"/>
+                      <a:tailEnd type="none" w="med" len="med"/>
+                    </a:lnT>
+                    <a:lnB w="3175" cap="flat" cmpd="sng" algn="ctr">
+                      <a:solidFill>
+                        <a:schemeClr val="bg1">
+                          <a:lumMod val="75000"/>
+                        </a:schemeClr>
+                      </a:solidFill>
+                      <a:prstDash val="solid"/>
+                      <a:round/>
+                      <a:headEnd type="none" w="med" len="med"/>
+                      <a:tailEnd type="none" w="med" len="med"/>
+                    </a:lnB>
+                    <a:noFill/>
+                  </a:tcPr>
+                </a:tc>
+                <a:tc>
+                  <a:txBody>
+                    <a:bodyPr/>
+                    <a:lstStyle/>
                     <a:p>
                       <a:pPr marL="171450" marR="0" lvl="0" indent="-171450" algn="just" defTabSz="914400" rtl="0" eaLnBrk="1" fontAlgn="auto" latinLnBrk="1" hangingPunct="1">
                         <a:lnSpc>
@@ -13308,7 +13466,7 @@
                       </a:pPr>
                       <a:r>
                         <a:rPr lang="ko-KR" altLang="en-US" sz="1200"/>
-                        <a:t>검색창</a:t>
+                        <a:t>프로젝트 데이터 추가</a:t>
                       </a:r>
                       <a:endParaRPr lang="en-US" altLang="ko-KR" sz="1200"/>
                     </a:p>
@@ -13332,300 +13490,10 @@
                       </a:pPr>
                       <a:r>
                         <a:rPr lang="ko-KR" altLang="en-US" sz="1200"/>
-                        <a:t>푸터 삽입</a:t>
-                      </a:r>
-                      <a:r>
-                        <a:rPr lang="en-US" altLang="ko-KR" sz="1200"/>
-                        <a:t>(</a:t>
-                      </a:r>
-                      <a:r>
-                        <a:rPr lang="ko-KR" altLang="en-US" sz="1200"/>
-                        <a:t>공통</a:t>
-                      </a:r>
-                      <a:r>
-                        <a:rPr lang="en-US" altLang="ko-KR" sz="1200"/>
-                        <a:t>)</a:t>
-                      </a:r>
-                      <a:endParaRPr lang="ko-KR" altLang="en-US" sz="1200"/>
-                    </a:p>
-                  </a:txBody>
-                  <a:tcPr anchor="ctr">
-                    <a:lnL w="3175" cap="flat" cmpd="sng" algn="ctr">
-                      <a:solidFill>
-                        <a:schemeClr val="bg1">
-                          <a:lumMod val="75000"/>
-                        </a:schemeClr>
-                      </a:solidFill>
-                      <a:prstDash val="solid"/>
-                      <a:round/>
-                      <a:headEnd type="none" w="med" len="med"/>
-                      <a:tailEnd type="none" w="med" len="med"/>
-                    </a:lnL>
-                    <a:lnR w="3175" cap="flat" cmpd="sng" algn="ctr">
-                      <a:solidFill>
-                        <a:schemeClr val="bg1">
-                          <a:lumMod val="75000"/>
-                        </a:schemeClr>
-                      </a:solidFill>
-                      <a:prstDash val="solid"/>
-                      <a:round/>
-                      <a:headEnd type="none" w="med" len="med"/>
-                      <a:tailEnd type="none" w="med" len="med"/>
-                    </a:lnR>
-                    <a:lnT w="3175" cap="flat" cmpd="sng" algn="ctr">
-                      <a:solidFill>
-                        <a:schemeClr val="bg1">
-                          <a:lumMod val="75000"/>
-                        </a:schemeClr>
-                      </a:solidFill>
-                      <a:prstDash val="solid"/>
-                      <a:round/>
-                      <a:headEnd type="none" w="med" len="med"/>
-                      <a:tailEnd type="none" w="med" len="med"/>
-                    </a:lnT>
-                    <a:lnB w="3175" cap="flat" cmpd="sng" algn="ctr">
-                      <a:solidFill>
-                        <a:schemeClr val="bg1">
-                          <a:lumMod val="75000"/>
-                        </a:schemeClr>
-                      </a:solidFill>
-                      <a:prstDash val="solid"/>
-                      <a:round/>
-                      <a:headEnd type="none" w="med" len="med"/>
-                      <a:tailEnd type="none" w="med" len="med"/>
-                    </a:lnB>
-                    <a:noFill/>
-                  </a:tcPr>
-                </a:tc>
-                <a:extLst>
-                  <a:ext uri="{0D108BD9-81ED-4DB2-BD59-A6C34878D82A}">
-                    <a16:rowId xmlns:a16="http://schemas.microsoft.com/office/drawing/2014/main" val="2324298215"/>
-                  </a:ext>
-                </a:extLst>
-              </a:tr>
-              <a:tr h="1275803">
-                <a:tc>
-                  <a:txBody>
-                    <a:bodyPr/>
-                    <a:lstStyle/>
-                    <a:p>
-                      <a:pPr algn="ctr" latinLnBrk="1">
-                        <a:lnSpc>
-                          <a:spcPct val="120000"/>
-                        </a:lnSpc>
-                      </a:pPr>
-                      <a:r>
-                        <a:rPr lang="ko-KR" altLang="en-US" sz="1200" b="0">
-                          <a:solidFill>
-                            <a:schemeClr val="tx1"/>
-                          </a:solidFill>
-                          <a:latin typeface="+mn-ea"/>
-                          <a:ea typeface="+mn-ea"/>
-                        </a:rPr>
-                        <a:t>프로젝트</a:t>
-                      </a:r>
-                      <a:endParaRPr lang="ko-KR" altLang="en-US" sz="1200" b="0" dirty="0">
-                        <a:solidFill>
-                          <a:schemeClr val="tx1"/>
-                        </a:solidFill>
-                        <a:latin typeface="+mn-ea"/>
-                        <a:ea typeface="+mn-ea"/>
-                      </a:endParaRPr>
-                    </a:p>
-                  </a:txBody>
-                  <a:tcPr anchor="ctr">
-                    <a:lnR w="3175" cap="flat" cmpd="sng" algn="ctr">
-                      <a:solidFill>
-                        <a:schemeClr val="bg1">
-                          <a:lumMod val="75000"/>
-                        </a:schemeClr>
-                      </a:solidFill>
-                      <a:prstDash val="solid"/>
-                      <a:round/>
-                      <a:headEnd type="none" w="med" len="med"/>
-                      <a:tailEnd type="none" w="med" len="med"/>
-                    </a:lnR>
-                    <a:lnT w="3175" cap="flat" cmpd="sng" algn="ctr">
-                      <a:solidFill>
-                        <a:schemeClr val="bg1">
-                          <a:lumMod val="75000"/>
-                        </a:schemeClr>
-                      </a:solidFill>
-                      <a:prstDash val="solid"/>
-                      <a:round/>
-                      <a:headEnd type="none" w="med" len="med"/>
-                      <a:tailEnd type="none" w="med" len="med"/>
-                    </a:lnT>
-                    <a:lnB w="3175" cap="flat" cmpd="sng" algn="ctr">
-                      <a:solidFill>
-                        <a:schemeClr val="bg1">
-                          <a:lumMod val="75000"/>
-                        </a:schemeClr>
-                      </a:solidFill>
-                      <a:prstDash val="solid"/>
-                      <a:round/>
-                      <a:headEnd type="none" w="med" len="med"/>
-                      <a:tailEnd type="none" w="med" len="med"/>
-                    </a:lnB>
-                    <a:noFill/>
-                  </a:tcPr>
-                </a:tc>
-                <a:tc>
-                  <a:txBody>
-                    <a:bodyPr/>
-                    <a:lstStyle/>
-                    <a:p>
-                      <a:pPr marL="171450" indent="-171450" algn="just" latinLnBrk="1">
-                        <a:lnSpc>
-                          <a:spcPct val="130000"/>
-                        </a:lnSpc>
-                        <a:buFont typeface="Arial" panose="020B0604020202020204" pitchFamily="34" charset="0"/>
-                        <a:buChar char="•"/>
-                      </a:pPr>
-                      <a:r>
-                        <a:rPr lang="ko-KR" altLang="en-US" sz="1200">
-                          <a:solidFill>
-                            <a:schemeClr val="tx1"/>
-                          </a:solidFill>
-                          <a:latin typeface="+mn-ea"/>
-                          <a:ea typeface="+mn-ea"/>
-                        </a:rPr>
-                        <a:t>프로젝트 상세페이지 내용 수정 </a:t>
-                      </a:r>
-                      <a:endParaRPr lang="en-US" altLang="ko-KR" sz="1200">
-                        <a:solidFill>
-                          <a:schemeClr val="tx1"/>
-                        </a:solidFill>
-                        <a:latin typeface="+mn-ea"/>
-                        <a:ea typeface="+mn-ea"/>
-                      </a:endParaRPr>
-                    </a:p>
-                  </a:txBody>
-                  <a:tcPr anchor="ctr">
-                    <a:lnL w="3175" cap="flat" cmpd="sng" algn="ctr">
-                      <a:solidFill>
-                        <a:schemeClr val="bg1">
-                          <a:lumMod val="75000"/>
-                        </a:schemeClr>
-                      </a:solidFill>
-                      <a:prstDash val="solid"/>
-                      <a:round/>
-                      <a:headEnd type="none" w="med" len="med"/>
-                      <a:tailEnd type="none" w="med" len="med"/>
-                    </a:lnL>
-                    <a:lnR w="3175" cap="flat" cmpd="sng" algn="ctr">
-                      <a:solidFill>
-                        <a:schemeClr val="bg1">
-                          <a:lumMod val="75000"/>
-                        </a:schemeClr>
-                      </a:solidFill>
-                      <a:prstDash val="solid"/>
-                      <a:round/>
-                      <a:headEnd type="none" w="med" len="med"/>
-                      <a:tailEnd type="none" w="med" len="med"/>
-                    </a:lnR>
-                    <a:lnT w="3175" cap="flat" cmpd="sng" algn="ctr">
-                      <a:solidFill>
-                        <a:schemeClr val="bg1">
-                          <a:lumMod val="75000"/>
-                        </a:schemeClr>
-                      </a:solidFill>
-                      <a:prstDash val="solid"/>
-                      <a:round/>
-                      <a:headEnd type="none" w="med" len="med"/>
-                      <a:tailEnd type="none" w="med" len="med"/>
-                    </a:lnT>
-                    <a:lnB w="3175" cap="flat" cmpd="sng" algn="ctr">
-                      <a:solidFill>
-                        <a:schemeClr val="bg1">
-                          <a:lumMod val="75000"/>
-                        </a:schemeClr>
-                      </a:solidFill>
-                      <a:prstDash val="solid"/>
-                      <a:round/>
-                      <a:headEnd type="none" w="med" len="med"/>
-                      <a:tailEnd type="none" w="med" len="med"/>
-                    </a:lnB>
-                    <a:noFill/>
-                  </a:tcPr>
-                </a:tc>
-                <a:extLst>
-                  <a:ext uri="{0D108BD9-81ED-4DB2-BD59-A6C34878D82A}">
-                    <a16:rowId xmlns:a16="http://schemas.microsoft.com/office/drawing/2014/main" val="522953911"/>
-                  </a:ext>
-                </a:extLst>
-              </a:tr>
-              <a:tr h="1275803">
-                <a:tc>
-                  <a:txBody>
-                    <a:bodyPr/>
-                    <a:lstStyle/>
-                    <a:p>
-                      <a:pPr algn="ctr" latinLnBrk="1">
-                        <a:lnSpc>
-                          <a:spcPct val="120000"/>
-                        </a:lnSpc>
-                      </a:pPr>
-                      <a:r>
-                        <a:rPr lang="ko-KR" altLang="en-US" sz="1200" b="0">
-                          <a:solidFill>
-                            <a:schemeClr val="tx1"/>
-                          </a:solidFill>
-                          <a:latin typeface="+mn-ea"/>
-                          <a:ea typeface="+mn-ea"/>
-                        </a:rPr>
-                        <a:t>프로필</a:t>
-                      </a:r>
-                      <a:endParaRPr lang="ko-KR" altLang="en-US" sz="1200" b="0" dirty="0">
-                        <a:solidFill>
-                          <a:schemeClr val="tx1"/>
-                        </a:solidFill>
-                        <a:latin typeface="+mn-ea"/>
-                        <a:ea typeface="+mn-ea"/>
-                      </a:endParaRPr>
-                    </a:p>
-                  </a:txBody>
-                  <a:tcPr anchor="ctr">
-                    <a:lnR w="3175" cap="flat" cmpd="sng" algn="ctr">
-                      <a:solidFill>
-                        <a:schemeClr val="bg1">
-                          <a:lumMod val="75000"/>
-                        </a:schemeClr>
-                      </a:solidFill>
-                      <a:prstDash val="solid"/>
-                      <a:round/>
-                      <a:headEnd type="none" w="med" len="med"/>
-                      <a:tailEnd type="none" w="med" len="med"/>
-                    </a:lnR>
-                    <a:lnT w="3175" cap="flat" cmpd="sng" algn="ctr">
-                      <a:solidFill>
-                        <a:schemeClr val="bg1">
-                          <a:lumMod val="75000"/>
-                        </a:schemeClr>
-                      </a:solidFill>
-                      <a:prstDash val="solid"/>
-                      <a:round/>
-                      <a:headEnd type="none" w="med" len="med"/>
-                      <a:tailEnd type="none" w="med" len="med"/>
-                    </a:lnT>
-                    <a:lnB w="3175" cap="flat" cmpd="sng" algn="ctr">
-                      <a:solidFill>
-                        <a:schemeClr val="bg1">
-                          <a:lumMod val="75000"/>
-                        </a:schemeClr>
-                      </a:solidFill>
-                      <a:prstDash val="solid"/>
-                      <a:round/>
-                      <a:headEnd type="none" w="med" len="med"/>
-                      <a:tailEnd type="none" w="med" len="med"/>
-                    </a:lnB>
-                    <a:noFill/>
-                  </a:tcPr>
-                </a:tc>
-                <a:tc>
-                  <a:txBody>
-                    <a:bodyPr/>
-                    <a:lstStyle/>
+                        <a:t>검색창</a:t>
+                      </a:r>
+                      <a:endParaRPr lang="en-US" altLang="ko-KR" sz="1200"/>
+                    </a:p>
                     <a:p>
                       <a:pPr marL="171450" marR="0" lvl="0" indent="-171450" algn="just" defTabSz="914400" rtl="0" eaLnBrk="1" fontAlgn="auto" latinLnBrk="1" hangingPunct="1">
                         <a:lnSpc>
@@ -13646,18 +13514,300 @@
                       </a:pPr>
                       <a:r>
                         <a:rPr lang="ko-KR" altLang="en-US" sz="1200"/>
-                        <a:t>관심프로젝트 페이지 내 좋아요 추가 삭제</a:t>
+                        <a:t>푸터 삽입</a:t>
                       </a:r>
                       <a:r>
                         <a:rPr lang="en-US" altLang="ko-KR" sz="1200"/>
-                        <a:t> </a:t>
+                        <a:t>(</a:t>
                       </a:r>
                       <a:r>
                         <a:rPr lang="ko-KR" altLang="en-US" sz="1200"/>
-                        <a:t>정렬 기능</a:t>
-                      </a:r>
-                      <a:endParaRPr lang="en-US" altLang="ko-KR" sz="1200"/>
-                    </a:p>
+                        <a:t>공통</a:t>
+                      </a:r>
+                      <a:r>
+                        <a:rPr lang="en-US" altLang="ko-KR" sz="1200"/>
+                        <a:t>)</a:t>
+                      </a:r>
+                      <a:endParaRPr lang="ko-KR" altLang="en-US" sz="1200"/>
+                    </a:p>
+                  </a:txBody>
+                  <a:tcPr anchor="ctr">
+                    <a:lnL w="3175" cap="flat" cmpd="sng" algn="ctr">
+                      <a:solidFill>
+                        <a:schemeClr val="bg1">
+                          <a:lumMod val="75000"/>
+                        </a:schemeClr>
+                      </a:solidFill>
+                      <a:prstDash val="solid"/>
+                      <a:round/>
+                      <a:headEnd type="none" w="med" len="med"/>
+                      <a:tailEnd type="none" w="med" len="med"/>
+                    </a:lnL>
+                    <a:lnR w="3175" cap="flat" cmpd="sng" algn="ctr">
+                      <a:solidFill>
+                        <a:schemeClr val="bg1">
+                          <a:lumMod val="75000"/>
+                        </a:schemeClr>
+                      </a:solidFill>
+                      <a:prstDash val="solid"/>
+                      <a:round/>
+                      <a:headEnd type="none" w="med" len="med"/>
+                      <a:tailEnd type="none" w="med" len="med"/>
+                    </a:lnR>
+                    <a:lnT w="3175" cap="flat" cmpd="sng" algn="ctr">
+                      <a:solidFill>
+                        <a:schemeClr val="bg1">
+                          <a:lumMod val="75000"/>
+                        </a:schemeClr>
+                      </a:solidFill>
+                      <a:prstDash val="solid"/>
+                      <a:round/>
+                      <a:headEnd type="none" w="med" len="med"/>
+                      <a:tailEnd type="none" w="med" len="med"/>
+                    </a:lnT>
+                    <a:lnB w="3175" cap="flat" cmpd="sng" algn="ctr">
+                      <a:solidFill>
+                        <a:schemeClr val="bg1">
+                          <a:lumMod val="75000"/>
+                        </a:schemeClr>
+                      </a:solidFill>
+                      <a:prstDash val="solid"/>
+                      <a:round/>
+                      <a:headEnd type="none" w="med" len="med"/>
+                      <a:tailEnd type="none" w="med" len="med"/>
+                    </a:lnB>
+                    <a:noFill/>
+                  </a:tcPr>
+                </a:tc>
+                <a:extLst>
+                  <a:ext uri="{0D108BD9-81ED-4DB2-BD59-A6C34878D82A}">
+                    <a16:rowId xmlns:a16="http://schemas.microsoft.com/office/drawing/2014/main" val="2324298215"/>
+                  </a:ext>
+                </a:extLst>
+              </a:tr>
+              <a:tr h="1015463">
+                <a:tc>
+                  <a:txBody>
+                    <a:bodyPr/>
+                    <a:lstStyle/>
+                    <a:p>
+                      <a:pPr algn="ctr" latinLnBrk="1">
+                        <a:lnSpc>
+                          <a:spcPct val="120000"/>
+                        </a:lnSpc>
+                      </a:pPr>
+                      <a:r>
+                        <a:rPr lang="ko-KR" altLang="en-US" sz="1200" b="0">
+                          <a:solidFill>
+                            <a:schemeClr val="tx1"/>
+                          </a:solidFill>
+                          <a:latin typeface="+mn-ea"/>
+                          <a:ea typeface="+mn-ea"/>
+                        </a:rPr>
+                        <a:t>프로젝트</a:t>
+                      </a:r>
+                      <a:endParaRPr lang="ko-KR" altLang="en-US" sz="1200" b="0" dirty="0">
+                        <a:solidFill>
+                          <a:schemeClr val="tx1"/>
+                        </a:solidFill>
+                        <a:latin typeface="+mn-ea"/>
+                        <a:ea typeface="+mn-ea"/>
+                      </a:endParaRPr>
+                    </a:p>
+                  </a:txBody>
+                  <a:tcPr anchor="ctr">
+                    <a:lnR w="3175" cap="flat" cmpd="sng" algn="ctr">
+                      <a:solidFill>
+                        <a:schemeClr val="bg1">
+                          <a:lumMod val="75000"/>
+                        </a:schemeClr>
+                      </a:solidFill>
+                      <a:prstDash val="solid"/>
+                      <a:round/>
+                      <a:headEnd type="none" w="med" len="med"/>
+                      <a:tailEnd type="none" w="med" len="med"/>
+                    </a:lnR>
+                    <a:lnT w="3175" cap="flat" cmpd="sng" algn="ctr">
+                      <a:solidFill>
+                        <a:schemeClr val="bg1">
+                          <a:lumMod val="75000"/>
+                        </a:schemeClr>
+                      </a:solidFill>
+                      <a:prstDash val="solid"/>
+                      <a:round/>
+                      <a:headEnd type="none" w="med" len="med"/>
+                      <a:tailEnd type="none" w="med" len="med"/>
+                    </a:lnT>
+                    <a:lnB w="3175" cap="flat" cmpd="sng" algn="ctr">
+                      <a:solidFill>
+                        <a:schemeClr val="bg1">
+                          <a:lumMod val="75000"/>
+                        </a:schemeClr>
+                      </a:solidFill>
+                      <a:prstDash val="solid"/>
+                      <a:round/>
+                      <a:headEnd type="none" w="med" len="med"/>
+                      <a:tailEnd type="none" w="med" len="med"/>
+                    </a:lnB>
+                    <a:noFill/>
+                  </a:tcPr>
+                </a:tc>
+                <a:tc>
+                  <a:txBody>
+                    <a:bodyPr/>
+                    <a:lstStyle/>
+                    <a:p>
+                      <a:pPr marL="171450" indent="-171450" algn="just" latinLnBrk="1">
+                        <a:lnSpc>
+                          <a:spcPct val="130000"/>
+                        </a:lnSpc>
+                        <a:buFont typeface="Arial" panose="020B0604020202020204" pitchFamily="34" charset="0"/>
+                        <a:buChar char="•"/>
+                      </a:pPr>
+                      <a:r>
+                        <a:rPr lang="ko-KR" altLang="en-US" sz="1200">
+                          <a:solidFill>
+                            <a:schemeClr val="tx1"/>
+                          </a:solidFill>
+                          <a:latin typeface="+mn-ea"/>
+                          <a:ea typeface="+mn-ea"/>
+                        </a:rPr>
+                        <a:t>프로젝트 상세페이지 내용 수정 </a:t>
+                      </a:r>
+                      <a:endParaRPr lang="en-US" altLang="ko-KR" sz="1200">
+                        <a:solidFill>
+                          <a:schemeClr val="tx1"/>
+                        </a:solidFill>
+                        <a:latin typeface="+mn-ea"/>
+                        <a:ea typeface="+mn-ea"/>
+                      </a:endParaRPr>
+                    </a:p>
+                  </a:txBody>
+                  <a:tcPr anchor="ctr">
+                    <a:lnL w="3175" cap="flat" cmpd="sng" algn="ctr">
+                      <a:solidFill>
+                        <a:schemeClr val="bg1">
+                          <a:lumMod val="75000"/>
+                        </a:schemeClr>
+                      </a:solidFill>
+                      <a:prstDash val="solid"/>
+                      <a:round/>
+                      <a:headEnd type="none" w="med" len="med"/>
+                      <a:tailEnd type="none" w="med" len="med"/>
+                    </a:lnL>
+                    <a:lnR w="3175" cap="flat" cmpd="sng" algn="ctr">
+                      <a:solidFill>
+                        <a:schemeClr val="bg1">
+                          <a:lumMod val="75000"/>
+                        </a:schemeClr>
+                      </a:solidFill>
+                      <a:prstDash val="solid"/>
+                      <a:round/>
+                      <a:headEnd type="none" w="med" len="med"/>
+                      <a:tailEnd type="none" w="med" len="med"/>
+                    </a:lnR>
+                    <a:lnT w="3175" cap="flat" cmpd="sng" algn="ctr">
+                      <a:solidFill>
+                        <a:schemeClr val="bg1">
+                          <a:lumMod val="75000"/>
+                        </a:schemeClr>
+                      </a:solidFill>
+                      <a:prstDash val="solid"/>
+                      <a:round/>
+                      <a:headEnd type="none" w="med" len="med"/>
+                      <a:tailEnd type="none" w="med" len="med"/>
+                    </a:lnT>
+                    <a:lnB w="3175" cap="flat" cmpd="sng" algn="ctr">
+                      <a:solidFill>
+                        <a:schemeClr val="bg1">
+                          <a:lumMod val="75000"/>
+                        </a:schemeClr>
+                      </a:solidFill>
+                      <a:prstDash val="solid"/>
+                      <a:round/>
+                      <a:headEnd type="none" w="med" len="med"/>
+                      <a:tailEnd type="none" w="med" len="med"/>
+                    </a:lnB>
+                    <a:noFill/>
+                  </a:tcPr>
+                </a:tc>
+                <a:extLst>
+                  <a:ext uri="{0D108BD9-81ED-4DB2-BD59-A6C34878D82A}">
+                    <a16:rowId xmlns:a16="http://schemas.microsoft.com/office/drawing/2014/main" val="522953911"/>
+                  </a:ext>
+                </a:extLst>
+              </a:tr>
+              <a:tr h="1187287">
+                <a:tc>
+                  <a:txBody>
+                    <a:bodyPr/>
+                    <a:lstStyle/>
+                    <a:p>
+                      <a:pPr algn="ctr" latinLnBrk="1">
+                        <a:lnSpc>
+                          <a:spcPct val="120000"/>
+                        </a:lnSpc>
+                      </a:pPr>
+                      <a:r>
+                        <a:rPr lang="ko-KR" altLang="en-US" sz="1200" b="0">
+                          <a:solidFill>
+                            <a:schemeClr val="tx1"/>
+                          </a:solidFill>
+                          <a:latin typeface="+mn-ea"/>
+                          <a:ea typeface="+mn-ea"/>
+                        </a:rPr>
+                        <a:t>프로필</a:t>
+                      </a:r>
+                      <a:endParaRPr lang="ko-KR" altLang="en-US" sz="1200" b="0" dirty="0">
+                        <a:solidFill>
+                          <a:schemeClr val="tx1"/>
+                        </a:solidFill>
+                        <a:latin typeface="+mn-ea"/>
+                        <a:ea typeface="+mn-ea"/>
+                      </a:endParaRPr>
+                    </a:p>
+                  </a:txBody>
+                  <a:tcPr anchor="ctr">
+                    <a:lnR w="3175" cap="flat" cmpd="sng" algn="ctr">
+                      <a:solidFill>
+                        <a:schemeClr val="bg1">
+                          <a:lumMod val="75000"/>
+                        </a:schemeClr>
+                      </a:solidFill>
+                      <a:prstDash val="solid"/>
+                      <a:round/>
+                      <a:headEnd type="none" w="med" len="med"/>
+                      <a:tailEnd type="none" w="med" len="med"/>
+                    </a:lnR>
+                    <a:lnT w="3175" cap="flat" cmpd="sng" algn="ctr">
+                      <a:solidFill>
+                        <a:schemeClr val="bg1">
+                          <a:lumMod val="75000"/>
+                        </a:schemeClr>
+                      </a:solidFill>
+                      <a:prstDash val="solid"/>
+                      <a:round/>
+                      <a:headEnd type="none" w="med" len="med"/>
+                      <a:tailEnd type="none" w="med" len="med"/>
+                    </a:lnT>
+                    <a:lnB w="3175" cap="flat" cmpd="sng" algn="ctr">
+                      <a:solidFill>
+                        <a:schemeClr val="bg1">
+                          <a:lumMod val="75000"/>
+                        </a:schemeClr>
+                      </a:solidFill>
+                      <a:prstDash val="solid"/>
+                      <a:round/>
+                      <a:headEnd type="none" w="med" len="med"/>
+                      <a:tailEnd type="none" w="med" len="med"/>
+                    </a:lnB>
+                    <a:noFill/>
+                  </a:tcPr>
+                </a:tc>
+                <a:tc>
+                  <a:txBody>
+                    <a:bodyPr/>
+                    <a:lstStyle/>
                     <a:p>
                       <a:pPr marL="171450" marR="0" lvl="0" indent="-171450" algn="just" defTabSz="914400" rtl="0" eaLnBrk="1" fontAlgn="auto" latinLnBrk="1" hangingPunct="1">
                         <a:lnSpc>
@@ -13678,7 +13828,15 @@
                       </a:pPr>
                       <a:r>
                         <a:rPr lang="ko-KR" altLang="en-US" sz="1200"/>
-                        <a:t>만든 프로젝트 페이지</a:t>
+                        <a:t>관심프로젝트 페이지 내 좋아요 추가 삭제</a:t>
+                      </a:r>
+                      <a:r>
+                        <a:rPr lang="en-US" altLang="ko-KR" sz="1200"/>
+                        <a:t> </a:t>
+                      </a:r>
+                      <a:r>
+                        <a:rPr lang="ko-KR" altLang="en-US" sz="1200"/>
+                        <a:t>정렬 기능</a:t>
                       </a:r>
                       <a:endParaRPr lang="en-US" altLang="ko-KR" sz="1200"/>
                     </a:p>
@@ -13702,15 +13860,7 @@
                       </a:pPr>
                       <a:r>
                         <a:rPr lang="ko-KR" altLang="en-US" sz="1200"/>
-                        <a:t>팔로우 페이지 </a:t>
-                      </a:r>
-                      <a:r>
-                        <a:rPr lang="en-US" altLang="ko-KR" sz="1200"/>
-                        <a:t>+</a:t>
-                      </a:r>
-                      <a:r>
-                        <a:rPr lang="ko-KR" altLang="en-US" sz="1200"/>
-                        <a:t>팔로우 추가 삭제 기능</a:t>
+                        <a:t>만든 프로젝트 페이지</a:t>
                       </a:r>
                       <a:endParaRPr lang="en-US" altLang="ko-KR" sz="1200"/>
                     </a:p>
@@ -13734,7 +13884,15 @@
                       </a:pPr>
                       <a:r>
                         <a:rPr lang="ko-KR" altLang="en-US" sz="1200"/>
-                        <a:t>알림 페이지</a:t>
+                        <a:t>팔로우 페이지 </a:t>
+                      </a:r>
+                      <a:r>
+                        <a:rPr lang="en-US" altLang="ko-KR" sz="1200"/>
+                        <a:t>+</a:t>
+                      </a:r>
+                      <a:r>
+                        <a:rPr lang="ko-KR" altLang="en-US" sz="1200"/>
+                        <a:t>팔로우 추가 삭제 기능</a:t>
                       </a:r>
                       <a:endParaRPr lang="en-US" altLang="ko-KR" sz="1200"/>
                     </a:p>
@@ -13758,7 +13916,7 @@
                       </a:pPr>
                       <a:r>
                         <a:rPr lang="ko-KR" altLang="en-US" sz="1200"/>
-                        <a:t>메시지 페이지</a:t>
+                        <a:t>알림 페이지</a:t>
                       </a:r>
                       <a:endParaRPr lang="en-US" altLang="ko-KR" sz="1200"/>
                     </a:p>
@@ -13782,39 +13940,7 @@
                       </a:pPr>
                       <a:r>
                         <a:rPr lang="ko-KR" altLang="en-US" sz="1200"/>
-                        <a:t>회원 관련 </a:t>
-                      </a:r>
-                      <a:r>
-                        <a:rPr lang="en-US" altLang="ko-KR" sz="1200"/>
-                        <a:t>API(SNS, </a:t>
-                      </a:r>
-                      <a:r>
-                        <a:rPr lang="ko-KR" altLang="en-US" sz="1200"/>
-                        <a:t>카드 등록</a:t>
-                      </a:r>
-                      <a:r>
-                        <a:rPr lang="en-US" altLang="ko-KR" sz="1200"/>
-                        <a:t>, </a:t>
-                      </a:r>
-                      <a:r>
-                        <a:rPr lang="ko-KR" altLang="en-US" sz="1200"/>
-                        <a:t>우편번호 검색</a:t>
-                      </a:r>
-                      <a:r>
-                        <a:rPr lang="en-US" altLang="ko-KR" sz="1200"/>
-                        <a:t>, </a:t>
-                      </a:r>
-                      <a:r>
-                        <a:rPr lang="ko-KR" altLang="en-US" sz="1200"/>
-                        <a:t>이메일 전화번호</a:t>
-                      </a:r>
-                      <a:r>
-                        <a:rPr lang="en-US" altLang="ko-KR" sz="1200"/>
-                        <a:t> </a:t>
-                      </a:r>
-                      <a:r>
-                        <a:rPr lang="ko-KR" altLang="en-US" sz="1200"/>
-                        <a:t>인증</a:t>
+                        <a:t>메시지 페이지</a:t>
                       </a:r>
                       <a:endParaRPr lang="en-US" altLang="ko-KR" sz="1200"/>
                     </a:p>
@@ -13897,7 +14023,7 @@
                   </a:ext>
                 </a:extLst>
               </a:tr>
-              <a:tr h="924496">
+              <a:tr h="735843">
                 <a:tc>
                   <a:txBody>
                     <a:bodyPr/>

--- a/github/Rholling Ideas 발표 자료_211230.pptx
+++ b/github/Rholling Ideas 발표 자료_211230.pptx
@@ -5350,7 +5350,7 @@
           <p:nvPr>
             <p:extLst>
               <p:ext uri="{D42A27DB-BD31-4B8C-83A1-F6EECF244321}">
-                <p14:modId xmlns:p14="http://schemas.microsoft.com/office/powerpoint/2010/main" val="3529461620"/>
+                <p14:modId xmlns:p14="http://schemas.microsoft.com/office/powerpoint/2010/main" val="344245376"/>
               </p:ext>
             </p:extLst>
           </p:nvPr>
@@ -7015,7 +7015,7 @@
           <p:nvPr>
             <p:extLst>
               <p:ext uri="{D42A27DB-BD31-4B8C-83A1-F6EECF244321}">
-                <p14:modId xmlns:p14="http://schemas.microsoft.com/office/powerpoint/2010/main" val="2882008658"/>
+                <p14:modId xmlns:p14="http://schemas.microsoft.com/office/powerpoint/2010/main" val="3293860310"/>
               </p:ext>
             </p:extLst>
           </p:nvPr>
@@ -8064,7 +8064,7 @@
                       </a:r>
                       <a:r>
                         <a:rPr lang="en-US" altLang="ko-KR" sz="700"/>
-                        <a:t>. </a:t>
+                        <a:t>, </a:t>
                       </a:r>
                       <a:r>
                         <a:rPr lang="ko-KR" altLang="en-US" sz="700"/>
@@ -9187,13 +9187,8 @@
                       <a:pPr algn="ctr" latinLnBrk="1"/>
                       <a:r>
                         <a:rPr lang="ko-KR" altLang="en-US" sz="700"/>
-                        <a:t>프로젝트 내용이 나온다</a:t>
-                      </a:r>
-                      <a:r>
-                        <a:rPr lang="en-US" altLang="ko-KR" sz="700"/>
-                        <a:t>~ </a:t>
-                      </a:r>
-                      <a:endParaRPr lang="ko-KR" altLang="en-US" sz="700"/>
+                        <a:t>프로젝트 관련 이미지 업로드</a:t>
+                      </a:r>
                     </a:p>
                   </a:txBody>
                   <a:tcPr anchor="ctr">
@@ -9703,7 +9698,7 @@
                       </a:r>
                       <a:r>
                         <a:rPr lang="en-US" altLang="ko-KR" sz="700"/>
-                        <a:t>, </a:t>
+                        <a:t>,</a:t>
                       </a:r>
                       <a:endParaRPr lang="ko-KR" altLang="en-US" sz="700"/>
                     </a:p>
